--- a/presentation/presentation.pptx
+++ b/presentation/presentation.pptx
@@ -7,8 +7,9 @@
   <p:sldIdLst>
     <p:sldId id="256" r:id="rId2"/>
     <p:sldId id="257" r:id="rId3"/>
-    <p:sldId id="258" r:id="rId4"/>
-    <p:sldId id="259" r:id="rId5"/>
+    <p:sldId id="260" r:id="rId4"/>
+    <p:sldId id="258" r:id="rId5"/>
+    <p:sldId id="259" r:id="rId6"/>
   </p:sldIdLst>
   <p:sldSz cx="12192000" cy="6858000"/>
   <p:notesSz cx="6858000" cy="9144000"/>
@@ -107,6 +108,11 @@
       </a:defRPr>
     </a:lvl9pPr>
   </p:defaultTextStyle>
+  <p:extLst>
+    <p:ext uri="{EFAFB233-063F-42B5-8137-9DF3F51BA10A}">
+      <p15:sldGuideLst xmlns:p15="http://schemas.microsoft.com/office/powerpoint/2012/main"/>
+    </p:ext>
+  </p:extLst>
 </p:presentation>
 </file>
 
@@ -338,7 +344,7 @@
           <a:p>
             <a:fld id="{3331E9D9-7033-4C40-A937-3661B612C8FD}" type="datetimeFigureOut">
               <a:rPr lang="pt-BR" smtClean="0"/>
-              <a:t>08/04/2024</a:t>
+              <a:t>09/04/2024</a:t>
             </a:fld>
             <a:endParaRPr lang="pt-BR"/>
           </a:p>
@@ -546,7 +552,7 @@
           <a:p>
             <a:fld id="{3331E9D9-7033-4C40-A937-3661B612C8FD}" type="datetimeFigureOut">
               <a:rPr lang="pt-BR" smtClean="0"/>
-              <a:t>08/04/2024</a:t>
+              <a:t>09/04/2024</a:t>
             </a:fld>
             <a:endParaRPr lang="pt-BR"/>
           </a:p>
@@ -804,7 +810,7 @@
           <a:p>
             <a:fld id="{3331E9D9-7033-4C40-A937-3661B612C8FD}" type="datetimeFigureOut">
               <a:rPr lang="pt-BR" smtClean="0"/>
-              <a:t>08/04/2024</a:t>
+              <a:t>09/04/2024</a:t>
             </a:fld>
             <a:endParaRPr lang="pt-BR"/>
           </a:p>
@@ -974,7 +980,7 @@
           <a:p>
             <a:fld id="{3331E9D9-7033-4C40-A937-3661B612C8FD}" type="datetimeFigureOut">
               <a:rPr lang="pt-BR" smtClean="0"/>
-              <a:t>08/04/2024</a:t>
+              <a:t>09/04/2024</a:t>
             </a:fld>
             <a:endParaRPr lang="pt-BR"/>
           </a:p>
@@ -1311,7 +1317,7 @@
           <a:p>
             <a:fld id="{3331E9D9-7033-4C40-A937-3661B612C8FD}" type="datetimeFigureOut">
               <a:rPr lang="pt-BR" smtClean="0"/>
-              <a:t>08/04/2024</a:t>
+              <a:t>09/04/2024</a:t>
             </a:fld>
             <a:endParaRPr lang="pt-BR"/>
           </a:p>
@@ -1586,7 +1592,7 @@
           <a:p>
             <a:fld id="{3331E9D9-7033-4C40-A937-3661B612C8FD}" type="datetimeFigureOut">
               <a:rPr lang="pt-BR" smtClean="0"/>
-              <a:t>08/04/2024</a:t>
+              <a:t>09/04/2024</a:t>
             </a:fld>
             <a:endParaRPr lang="pt-BR"/>
           </a:p>
@@ -1965,7 +1971,7 @@
           <a:p>
             <a:fld id="{3331E9D9-7033-4C40-A937-3661B612C8FD}" type="datetimeFigureOut">
               <a:rPr lang="pt-BR" smtClean="0"/>
-              <a:t>08/04/2024</a:t>
+              <a:t>09/04/2024</a:t>
             </a:fld>
             <a:endParaRPr lang="pt-BR"/>
           </a:p>
@@ -2083,7 +2089,7 @@
           <a:p>
             <a:fld id="{3331E9D9-7033-4C40-A937-3661B612C8FD}" type="datetimeFigureOut">
               <a:rPr lang="pt-BR" smtClean="0"/>
-              <a:t>08/04/2024</a:t>
+              <a:t>09/04/2024</a:t>
             </a:fld>
             <a:endParaRPr lang="pt-BR"/>
           </a:p>
@@ -2256,7 +2262,7 @@
           <a:p>
             <a:fld id="{3331E9D9-7033-4C40-A937-3661B612C8FD}" type="datetimeFigureOut">
               <a:rPr lang="pt-BR" smtClean="0"/>
-              <a:t>08/04/2024</a:t>
+              <a:t>09/04/2024</a:t>
             </a:fld>
             <a:endParaRPr lang="pt-BR"/>
           </a:p>
@@ -2612,7 +2618,7 @@
           <a:p>
             <a:fld id="{3331E9D9-7033-4C40-A937-3661B612C8FD}" type="datetimeFigureOut">
               <a:rPr lang="pt-BR" smtClean="0"/>
-              <a:t>08/04/2024</a:t>
+              <a:t>09/04/2024</a:t>
             </a:fld>
             <a:endParaRPr lang="pt-BR"/>
           </a:p>
@@ -2991,7 +2997,7 @@
           <a:p>
             <a:fld id="{3331E9D9-7033-4C40-A937-3661B612C8FD}" type="datetimeFigureOut">
               <a:rPr lang="pt-BR" smtClean="0"/>
-              <a:t>08/04/2024</a:t>
+              <a:t>09/04/2024</a:t>
             </a:fld>
             <a:endParaRPr lang="pt-BR"/>
           </a:p>
@@ -3280,7 +3286,7 @@
           <a:p>
             <a:fld id="{3331E9D9-7033-4C40-A937-3661B612C8FD}" type="datetimeFigureOut">
               <a:rPr lang="pt-BR" smtClean="0"/>
-              <a:t>08/04/2024</a:t>
+              <a:t>09/04/2024</a:t>
             </a:fld>
             <a:endParaRPr lang="pt-BR"/>
           </a:p>
@@ -3910,7 +3916,7 @@
         </p:blipFill>
         <p:spPr>
           <a:xfrm>
-            <a:off x="4395195" y="4936712"/>
+            <a:off x="5423787" y="4936715"/>
             <a:ext cx="1405385" cy="1323811"/>
           </a:xfrm>
           <a:prstGeom prst="rect">
@@ -3955,8 +3961,44 @@
         </p:blipFill>
         <p:spPr>
           <a:xfrm>
-            <a:off x="6391421" y="5085983"/>
+            <a:off x="7647180" y="5085984"/>
             <a:ext cx="1852658" cy="1025271"/>
+          </a:xfrm>
+          <a:prstGeom prst="rect">
+            <a:avLst/>
+          </a:prstGeom>
+        </p:spPr>
+      </p:pic>
+      <p:pic>
+        <p:nvPicPr>
+          <p:cNvPr id="6" name="Imagem 5">
+            <a:extLst>
+              <a:ext uri="{FF2B5EF4-FFF2-40B4-BE49-F238E27FC236}">
+                <a16:creationId xmlns:a16="http://schemas.microsoft.com/office/drawing/2014/main" id="{02F7783E-840D-93FD-6B70-F75C7FAB9E3D}"/>
+              </a:ext>
+            </a:extLst>
+          </p:cNvPr>
+          <p:cNvPicPr>
+            <a:picLocks noChangeAspect="1"/>
+          </p:cNvPicPr>
+          <p:nvPr/>
+        </p:nvPicPr>
+        <p:blipFill>
+          <a:blip r:embed="rId6">
+            <a:extLst>
+              <a:ext uri="{28A0092B-C50C-407E-A947-70E740481C1C}">
+                <a14:useLocalDpi xmlns:a14="http://schemas.microsoft.com/office/drawing/2010/main" val="0"/>
+              </a:ext>
+            </a:extLst>
+          </a:blip>
+          <a:stretch>
+            <a:fillRect/>
+          </a:stretch>
+        </p:blipFill>
+        <p:spPr>
+          <a:xfrm>
+            <a:off x="2661291" y="5157076"/>
+            <a:ext cx="1944488" cy="883086"/>
           </a:xfrm>
           <a:prstGeom prst="rect">
             <a:avLst/>
@@ -4016,7 +4058,7 @@
           <a:p>
             <a:r>
               <a:rPr lang="pt-BR" dirty="0"/>
-              <a:t>Introdução</a:t>
+              <a:t>Objetivos</a:t>
             </a:r>
           </a:p>
         </p:txBody>
@@ -4039,10 +4081,62 @@
         </p:nvSpPr>
         <p:spPr/>
         <p:txBody>
-          <a:bodyPr/>
-          <a:lstStyle/>
-          <a:p>
-            <a:endParaRPr lang="pt-BR"/>
+          <a:bodyPr>
+            <a:normAutofit/>
+          </a:bodyPr>
+          <a:lstStyle/>
+          <a:p>
+            <a:pPr lvl="2"/>
+            <a:r>
+              <a:rPr lang="pt-BR" sz="2400" b="1" dirty="0"/>
+              <a:t>Objetivo Geral:</a:t>
+            </a:r>
+          </a:p>
+          <a:p>
+            <a:pPr lvl="3"/>
+            <a:r>
+              <a:rPr lang="pt-BR" sz="2000" dirty="0"/>
+              <a:t>Aplicar o processo de Descoberta de Conhecimento em Bases de Dados (KDD) para identificar padrões nos dados da pandemia de COVID-19 no Rio Grande do Sul.</a:t>
+            </a:r>
+          </a:p>
+          <a:p>
+            <a:pPr lvl="2"/>
+            <a:r>
+              <a:rPr lang="pt-BR" sz="2400" b="1" dirty="0"/>
+              <a:t>Objetivos Específicos:</a:t>
+            </a:r>
+          </a:p>
+          <a:p>
+            <a:pPr lvl="3"/>
+            <a:r>
+              <a:rPr lang="pt-BR" sz="2000" dirty="0"/>
+              <a:t>Coletar e preparar dados abrangentes sobre casos de COVID-19 no estado.</a:t>
+            </a:r>
+          </a:p>
+          <a:p>
+            <a:pPr lvl="3"/>
+            <a:r>
+              <a:rPr lang="pt-BR" sz="2000" dirty="0"/>
+              <a:t>Utilizar técnicas de mineração de dados para identificar associações entre sintomas e desfechos dos pacientes.</a:t>
+            </a:r>
+          </a:p>
+          <a:p>
+            <a:pPr lvl="3"/>
+            <a:r>
+              <a:rPr lang="pt-BR" sz="2000" dirty="0"/>
+              <a:t>Apresentar visualizações e análises dos padrões identificados.</a:t>
+            </a:r>
+          </a:p>
+          <a:p>
+            <a:pPr lvl="3"/>
+            <a:r>
+              <a:rPr lang="pt-BR" sz="2000" dirty="0"/>
+              <a:t>Contribuir com informações valiosas para futuras pesquisas em saúde pública.</a:t>
+            </a:r>
+          </a:p>
+          <a:p>
+            <a:pPr lvl="2"/>
+            <a:endParaRPr lang="pt-BR" sz="2000" dirty="0"/>
           </a:p>
         </p:txBody>
       </p:sp>
@@ -4081,7 +4175,7 @@
           <p:cNvPr id="2" name="Título 1">
             <a:extLst>
               <a:ext uri="{FF2B5EF4-FFF2-40B4-BE49-F238E27FC236}">
-                <a16:creationId xmlns:a16="http://schemas.microsoft.com/office/drawing/2014/main" id="{44684377-3227-6555-F1DB-14B53F0D39AC}"/>
+                <a16:creationId xmlns:a16="http://schemas.microsoft.com/office/drawing/2014/main" id="{0793CA1E-C0E5-7391-8C4E-E8E628BB4DAB}"/>
               </a:ext>
             </a:extLst>
           </p:cNvPr>
@@ -4099,93 +4193,71 @@
           <a:p>
             <a:r>
               <a:rPr lang="pt-BR" dirty="0"/>
-              <a:t>Metodologia</a:t>
-            </a:r>
-          </a:p>
-        </p:txBody>
-      </p:sp>
-      <p:pic>
-        <p:nvPicPr>
-          <p:cNvPr id="5" name="Espaço Reservado para Conteúdo 4">
+              <a:t>Dados</a:t>
+            </a:r>
+          </a:p>
+        </p:txBody>
+      </p:sp>
+      <p:sp>
+        <p:nvSpPr>
+          <p:cNvPr id="3" name="Espaço Reservado para Conteúdo 2">
             <a:extLst>
               <a:ext uri="{FF2B5EF4-FFF2-40B4-BE49-F238E27FC236}">
-                <a16:creationId xmlns:a16="http://schemas.microsoft.com/office/drawing/2014/main" id="{C0E95578-508A-FA0F-25AF-96D70464896E}"/>
+                <a16:creationId xmlns:a16="http://schemas.microsoft.com/office/drawing/2014/main" id="{BDC9089C-60DD-C800-1B2E-92CD372B3CB6}"/>
               </a:ext>
             </a:extLst>
           </p:cNvPr>
-          <p:cNvPicPr>
-            <a:picLocks noGrp="1" noChangeAspect="1"/>
-          </p:cNvPicPr>
+          <p:cNvSpPr>
+            <a:spLocks noGrp="1"/>
+          </p:cNvSpPr>
           <p:nvPr>
             <p:ph idx="1"/>
           </p:nvPr>
-        </p:nvPicPr>
-        <p:blipFill>
-          <a:blip r:embed="rId2">
-            <a:extLst>
-              <a:ext uri="{28A0092B-C50C-407E-A947-70E740481C1C}">
-                <a14:useLocalDpi xmlns:a14="http://schemas.microsoft.com/office/drawing/2010/main" val="0"/>
-              </a:ext>
-            </a:extLst>
-          </a:blip>
-          <a:stretch>
-            <a:fillRect/>
-          </a:stretch>
-        </p:blipFill>
-        <p:spPr>
-          <a:xfrm>
-            <a:off x="1549128" y="1978466"/>
-            <a:ext cx="9093744" cy="3423528"/>
-          </a:xfrm>
-        </p:spPr>
-      </p:pic>
-      <p:sp>
-        <p:nvSpPr>
-          <p:cNvPr id="6" name="CaixaDeTexto 5">
-            <a:extLst>
-              <a:ext uri="{FF2B5EF4-FFF2-40B4-BE49-F238E27FC236}">
-                <a16:creationId xmlns:a16="http://schemas.microsoft.com/office/drawing/2014/main" id="{DEB7EF26-48A6-8C87-0782-D3A4B4835D62}"/>
-              </a:ext>
-            </a:extLst>
-          </p:cNvPr>
-          <p:cNvSpPr txBox="1"/>
-          <p:nvPr/>
-        </p:nvSpPr>
-        <p:spPr>
-          <a:xfrm>
-            <a:off x="1928320" y="5630988"/>
-            <a:ext cx="8335359" cy="369332"/>
-          </a:xfrm>
-          <a:prstGeom prst="rect">
-            <a:avLst/>
-          </a:prstGeom>
-          <a:noFill/>
-        </p:spPr>
-        <p:txBody>
-          <a:bodyPr wrap="none" rtlCol="0">
-            <a:spAutoFit/>
+        </p:nvSpPr>
+        <p:spPr/>
+        <p:txBody>
+          <a:bodyPr>
+            <a:normAutofit/>
           </a:bodyPr>
           <a:lstStyle/>
           <a:p>
-            <a:r>
-              <a:rPr lang="pt-BR" dirty="0"/>
-              <a:t>Figura do artigo “</a:t>
-            </a:r>
-            <a:r>
-              <a:rPr lang="en-US" dirty="0"/>
-              <a:t>From data mining to knowledge discovery in databases.</a:t>
-            </a:r>
-            <a:r>
-              <a:rPr lang="pt-BR" dirty="0"/>
-              <a:t>”, </a:t>
-            </a:r>
-            <a:r>
-              <a:rPr lang="pt-BR" dirty="0" err="1"/>
-              <a:t>Fayyad</a:t>
-            </a:r>
-            <a:r>
-              <a:rPr lang="pt-BR" dirty="0"/>
-              <a:t> et. al</a:t>
+            <a:pPr lvl="1"/>
+            <a:r>
+              <a:rPr lang="pt-BR" sz="2200" dirty="0"/>
+              <a:t>No começo do ano de 2020 a Organização Mundial da Saúde declarou a COVID-19 uma pandemia.</a:t>
+            </a:r>
+          </a:p>
+          <a:p>
+            <a:pPr lvl="1"/>
+            <a:r>
+              <a:rPr lang="pt-BR" sz="2200" dirty="0"/>
+              <a:t>Com isso, entidades começaram a juntar dados, e depois a divulgar</a:t>
+            </a:r>
+          </a:p>
+          <a:p>
+            <a:pPr lvl="1"/>
+            <a:r>
+              <a:rPr lang="pt-BR" sz="2200" dirty="0"/>
+              <a:t>O governo do estado do Rio Grande do Sul criou um painel da COVID-19, onde tem um dashboard e também disponibilizam os dados para download</a:t>
+            </a:r>
+          </a:p>
+          <a:p>
+            <a:pPr lvl="1"/>
+            <a:r>
+              <a:rPr lang="pt-BR" sz="2200" dirty="0"/>
+              <a:t>Entre os </a:t>
+            </a:r>
+            <a:r>
+              <a:rPr lang="pt-BR" sz="2200" i="1" dirty="0" err="1"/>
+              <a:t>datasets</a:t>
+            </a:r>
+            <a:r>
+              <a:rPr lang="pt-BR" sz="2200" i="1" dirty="0"/>
+              <a:t> </a:t>
+            </a:r>
+            <a:r>
+              <a:rPr lang="pt-BR" sz="2200" dirty="0"/>
+              <a:t>existem conjuntos que mostram todos os casos de COVID-19 no estado, sendo um paciente por linha. Mostra os sintomas que o paciente teve e a evolução (recuperação ou óbito) do caso dele.</a:t>
             </a:r>
           </a:p>
         </p:txBody>
@@ -4193,7 +4265,7 @@
     </p:spTree>
     <p:extLst>
       <p:ext uri="{BB962C8B-B14F-4D97-AF65-F5344CB8AC3E}">
-        <p14:creationId xmlns:p14="http://schemas.microsoft.com/office/powerpoint/2010/main" val="443141983"/>
+        <p14:creationId xmlns:p14="http://schemas.microsoft.com/office/powerpoint/2010/main" val="3947258775"/>
       </p:ext>
     </p:extLst>
   </p:cSld>
@@ -4225,6 +4297,151 @@
           <p:cNvPr id="2" name="Título 1">
             <a:extLst>
               <a:ext uri="{FF2B5EF4-FFF2-40B4-BE49-F238E27FC236}">
+                <a16:creationId xmlns:a16="http://schemas.microsoft.com/office/drawing/2014/main" id="{44684377-3227-6555-F1DB-14B53F0D39AC}"/>
+              </a:ext>
+            </a:extLst>
+          </p:cNvPr>
+          <p:cNvSpPr>
+            <a:spLocks noGrp="1"/>
+          </p:cNvSpPr>
+          <p:nvPr>
+            <p:ph type="title"/>
+          </p:nvPr>
+        </p:nvSpPr>
+        <p:spPr/>
+        <p:txBody>
+          <a:bodyPr/>
+          <a:lstStyle/>
+          <a:p>
+            <a:r>
+              <a:rPr lang="pt-BR" dirty="0"/>
+              <a:t>Metodologia</a:t>
+            </a:r>
+          </a:p>
+        </p:txBody>
+      </p:sp>
+      <p:sp>
+        <p:nvSpPr>
+          <p:cNvPr id="6" name="CaixaDeTexto 5">
+            <a:extLst>
+              <a:ext uri="{FF2B5EF4-FFF2-40B4-BE49-F238E27FC236}">
+                <a16:creationId xmlns:a16="http://schemas.microsoft.com/office/drawing/2014/main" id="{DEB7EF26-48A6-8C87-0782-D3A4B4835D62}"/>
+              </a:ext>
+            </a:extLst>
+          </p:cNvPr>
+          <p:cNvSpPr txBox="1"/>
+          <p:nvPr/>
+        </p:nvSpPr>
+        <p:spPr>
+          <a:xfrm>
+            <a:off x="1928320" y="5630988"/>
+            <a:ext cx="8335359" cy="369332"/>
+          </a:xfrm>
+          <a:prstGeom prst="rect">
+            <a:avLst/>
+          </a:prstGeom>
+          <a:noFill/>
+        </p:spPr>
+        <p:txBody>
+          <a:bodyPr wrap="none" rtlCol="0">
+            <a:spAutoFit/>
+          </a:bodyPr>
+          <a:lstStyle/>
+          <a:p>
+            <a:r>
+              <a:rPr lang="pt-BR" dirty="0"/>
+              <a:t>Figura do artigo “</a:t>
+            </a:r>
+            <a:r>
+              <a:rPr lang="en-US" dirty="0"/>
+              <a:t>From data mining to knowledge discovery in databases.</a:t>
+            </a:r>
+            <a:r>
+              <a:rPr lang="pt-BR" dirty="0"/>
+              <a:t>”, </a:t>
+            </a:r>
+            <a:r>
+              <a:rPr lang="pt-BR" dirty="0" err="1"/>
+              <a:t>Fayyad</a:t>
+            </a:r>
+            <a:r>
+              <a:rPr lang="pt-BR" dirty="0"/>
+              <a:t> et. al</a:t>
+            </a:r>
+          </a:p>
+        </p:txBody>
+      </p:sp>
+      <p:pic>
+        <p:nvPicPr>
+          <p:cNvPr id="4" name="Imagem 3">
+            <a:extLst>
+              <a:ext uri="{FF2B5EF4-FFF2-40B4-BE49-F238E27FC236}">
+                <a16:creationId xmlns:a16="http://schemas.microsoft.com/office/drawing/2014/main" id="{FC273221-0FAB-9F0A-D467-1F64496DD991}"/>
+              </a:ext>
+            </a:extLst>
+          </p:cNvPr>
+          <p:cNvPicPr>
+            <a:picLocks noChangeAspect="1"/>
+          </p:cNvPicPr>
+          <p:nvPr/>
+        </p:nvPicPr>
+        <p:blipFill>
+          <a:blip r:embed="rId2">
+            <a:extLst>
+              <a:ext uri="{28A0092B-C50C-407E-A947-70E740481C1C}">
+                <a14:useLocalDpi xmlns:a14="http://schemas.microsoft.com/office/drawing/2010/main" val="0"/>
+              </a:ext>
+            </a:extLst>
+          </a:blip>
+          <a:stretch>
+            <a:fillRect/>
+          </a:stretch>
+        </p:blipFill>
+        <p:spPr>
+          <a:xfrm>
+            <a:off x="2368127" y="2139393"/>
+            <a:ext cx="7455746" cy="2802774"/>
+          </a:xfrm>
+          <a:prstGeom prst="rect">
+            <a:avLst/>
+          </a:prstGeom>
+        </p:spPr>
+      </p:pic>
+    </p:spTree>
+    <p:extLst>
+      <p:ext uri="{BB962C8B-B14F-4D97-AF65-F5344CB8AC3E}">
+        <p14:creationId xmlns:p14="http://schemas.microsoft.com/office/powerpoint/2010/main" val="443141983"/>
+      </p:ext>
+    </p:extLst>
+  </p:cSld>
+  <p:clrMapOvr>
+    <a:masterClrMapping/>
+  </p:clrMapOvr>
+</p:sld>
+</file>
+
+<file path=ppt/slides/slide5.xml><?xml version="1.0" encoding="utf-8"?>
+<p:sld xmlns:a="http://schemas.openxmlformats.org/drawingml/2006/main" xmlns:r="http://schemas.openxmlformats.org/officeDocument/2006/relationships" xmlns:p="http://schemas.openxmlformats.org/presentationml/2006/main">
+  <p:cSld>
+    <p:spTree>
+      <p:nvGrpSpPr>
+        <p:cNvPr id="1" name=""/>
+        <p:cNvGrpSpPr/>
+        <p:nvPr/>
+      </p:nvGrpSpPr>
+      <p:grpSpPr>
+        <a:xfrm>
+          <a:off x="0" y="0"/>
+          <a:ext cx="0" cy="0"/>
+          <a:chOff x="0" y="0"/>
+          <a:chExt cx="0" cy="0"/>
+        </a:xfrm>
+      </p:grpSpPr>
+      <p:sp>
+        <p:nvSpPr>
+          <p:cNvPr id="2" name="Título 1">
+            <a:extLst>
+              <a:ext uri="{FF2B5EF4-FFF2-40B4-BE49-F238E27FC236}">
                 <a16:creationId xmlns:a16="http://schemas.microsoft.com/office/drawing/2014/main" id="{4BD115C0-A207-D887-003F-88B22BF99E3D}"/>
               </a:ext>
             </a:extLst>
@@ -4266,13 +4483,15 @@
         </p:nvSpPr>
         <p:spPr/>
         <p:txBody>
-          <a:bodyPr/>
+          <a:bodyPr>
+            <a:normAutofit/>
+          </a:bodyPr>
           <a:lstStyle/>
           <a:p>
             <a:pPr marL="0" indent="0">
               <a:buNone/>
             </a:pPr>
-            <a:endParaRPr lang="pt-BR" dirty="0"/>
+            <a:endParaRPr lang="pt-BR" sz="2400" dirty="0"/>
           </a:p>
         </p:txBody>
       </p:sp>

--- a/presentation/presentation.pptx
+++ b/presentation/presentation.pptx
@@ -8,8 +8,15 @@
     <p:sldId id="256" r:id="rId2"/>
     <p:sldId id="257" r:id="rId3"/>
     <p:sldId id="260" r:id="rId4"/>
-    <p:sldId id="258" r:id="rId5"/>
-    <p:sldId id="259" r:id="rId6"/>
+    <p:sldId id="259" r:id="rId5"/>
+    <p:sldId id="261" r:id="rId6"/>
+    <p:sldId id="258" r:id="rId7"/>
+    <p:sldId id="262" r:id="rId8"/>
+    <p:sldId id="263" r:id="rId9"/>
+    <p:sldId id="264" r:id="rId10"/>
+    <p:sldId id="266" r:id="rId11"/>
+    <p:sldId id="268" r:id="rId12"/>
+    <p:sldId id="269" r:id="rId13"/>
   </p:sldIdLst>
   <p:sldSz cx="12192000" cy="6858000"/>
   <p:notesSz cx="6858000" cy="9144000"/>
@@ -4018,6 +4025,317 @@
 </p:sld>
 </file>
 
+<file path=ppt/slides/slide10.xml><?xml version="1.0" encoding="utf-8"?>
+<p:sld xmlns:a="http://schemas.openxmlformats.org/drawingml/2006/main" xmlns:r="http://schemas.openxmlformats.org/officeDocument/2006/relationships" xmlns:p="http://schemas.openxmlformats.org/presentationml/2006/main">
+  <p:cSld>
+    <p:spTree>
+      <p:nvGrpSpPr>
+        <p:cNvPr id="1" name=""/>
+        <p:cNvGrpSpPr/>
+        <p:nvPr/>
+      </p:nvGrpSpPr>
+      <p:grpSpPr>
+        <a:xfrm>
+          <a:off x="0" y="0"/>
+          <a:ext cx="0" cy="0"/>
+          <a:chOff x="0" y="0"/>
+          <a:chExt cx="0" cy="0"/>
+        </a:xfrm>
+      </p:grpSpPr>
+      <p:sp>
+        <p:nvSpPr>
+          <p:cNvPr id="2" name="Título 1">
+            <a:extLst>
+              <a:ext uri="{FF2B5EF4-FFF2-40B4-BE49-F238E27FC236}">
+                <a16:creationId xmlns:a16="http://schemas.microsoft.com/office/drawing/2014/main" id="{91145737-DFFB-D292-9B1E-954905CB5740}"/>
+              </a:ext>
+            </a:extLst>
+          </p:cNvPr>
+          <p:cNvSpPr>
+            <a:spLocks noGrp="1"/>
+          </p:cNvSpPr>
+          <p:nvPr>
+            <p:ph type="title"/>
+          </p:nvPr>
+        </p:nvSpPr>
+        <p:spPr/>
+        <p:txBody>
+          <a:bodyPr/>
+          <a:lstStyle/>
+          <a:p>
+            <a:r>
+              <a:rPr lang="pt-BR" dirty="0"/>
+              <a:t>Transformação</a:t>
+            </a:r>
+          </a:p>
+        </p:txBody>
+      </p:sp>
+      <p:sp>
+        <p:nvSpPr>
+          <p:cNvPr id="3" name="Espaço Reservado para Conteúdo 2">
+            <a:extLst>
+              <a:ext uri="{FF2B5EF4-FFF2-40B4-BE49-F238E27FC236}">
+                <a16:creationId xmlns:a16="http://schemas.microsoft.com/office/drawing/2014/main" id="{7CA305B3-F734-F12D-746E-4D41140EF8A3}"/>
+              </a:ext>
+            </a:extLst>
+          </p:cNvPr>
+          <p:cNvSpPr>
+            <a:spLocks noGrp="1"/>
+          </p:cNvSpPr>
+          <p:nvPr>
+            <p:ph idx="1"/>
+          </p:nvPr>
+        </p:nvSpPr>
+        <p:spPr/>
+        <p:txBody>
+          <a:bodyPr>
+            <a:normAutofit/>
+          </a:bodyPr>
+          <a:lstStyle/>
+          <a:p>
+            <a:pPr lvl="1"/>
+            <a:r>
+              <a:rPr lang="pt-BR" sz="2400" dirty="0"/>
+              <a:t>Para posteriormente aplicar os algoritmos de mineração de dados é necessário que os dados sejam transformados, para “servirem” ao algoritmo.</a:t>
+            </a:r>
+          </a:p>
+          <a:p>
+            <a:pPr lvl="1"/>
+            <a:r>
+              <a:rPr lang="pt-BR" sz="2400" dirty="0"/>
+              <a:t>Como mais de um algoritmo de mineração de dados foi aplicado, as etapas de transformação serão expostas juntamente dos algoritmos.</a:t>
+            </a:r>
+          </a:p>
+        </p:txBody>
+      </p:sp>
+    </p:spTree>
+    <p:extLst>
+      <p:ext uri="{BB962C8B-B14F-4D97-AF65-F5344CB8AC3E}">
+        <p14:creationId xmlns:p14="http://schemas.microsoft.com/office/powerpoint/2010/main" val="2174726940"/>
+      </p:ext>
+    </p:extLst>
+  </p:cSld>
+  <p:clrMapOvr>
+    <a:masterClrMapping/>
+  </p:clrMapOvr>
+</p:sld>
+</file>
+
+<file path=ppt/slides/slide11.xml><?xml version="1.0" encoding="utf-8"?>
+<p:sld xmlns:a="http://schemas.openxmlformats.org/drawingml/2006/main" xmlns:r="http://schemas.openxmlformats.org/officeDocument/2006/relationships" xmlns:p="http://schemas.openxmlformats.org/presentationml/2006/main">
+  <p:cSld>
+    <p:spTree>
+      <p:nvGrpSpPr>
+        <p:cNvPr id="1" name=""/>
+        <p:cNvGrpSpPr/>
+        <p:nvPr/>
+      </p:nvGrpSpPr>
+      <p:grpSpPr>
+        <a:xfrm>
+          <a:off x="0" y="0"/>
+          <a:ext cx="0" cy="0"/>
+          <a:chOff x="0" y="0"/>
+          <a:chExt cx="0" cy="0"/>
+        </a:xfrm>
+      </p:grpSpPr>
+      <p:sp>
+        <p:nvSpPr>
+          <p:cNvPr id="2" name="Título 1">
+            <a:extLst>
+              <a:ext uri="{FF2B5EF4-FFF2-40B4-BE49-F238E27FC236}">
+                <a16:creationId xmlns:a16="http://schemas.microsoft.com/office/drawing/2014/main" id="{91145737-DFFB-D292-9B1E-954905CB5740}"/>
+              </a:ext>
+            </a:extLst>
+          </p:cNvPr>
+          <p:cNvSpPr>
+            <a:spLocks noGrp="1"/>
+          </p:cNvSpPr>
+          <p:nvPr>
+            <p:ph type="title"/>
+          </p:nvPr>
+        </p:nvSpPr>
+        <p:spPr/>
+        <p:txBody>
+          <a:bodyPr/>
+          <a:lstStyle/>
+          <a:p>
+            <a:r>
+              <a:rPr lang="pt-BR" dirty="0"/>
+              <a:t>Mineração de Dados</a:t>
+            </a:r>
+          </a:p>
+        </p:txBody>
+      </p:sp>
+      <p:sp>
+        <p:nvSpPr>
+          <p:cNvPr id="3" name="Espaço Reservado para Conteúdo 2">
+            <a:extLst>
+              <a:ext uri="{FF2B5EF4-FFF2-40B4-BE49-F238E27FC236}">
+                <a16:creationId xmlns:a16="http://schemas.microsoft.com/office/drawing/2014/main" id="{7CA305B3-F734-F12D-746E-4D41140EF8A3}"/>
+              </a:ext>
+            </a:extLst>
+          </p:cNvPr>
+          <p:cNvSpPr>
+            <a:spLocks noGrp="1"/>
+          </p:cNvSpPr>
+          <p:nvPr>
+            <p:ph idx="1"/>
+          </p:nvPr>
+        </p:nvSpPr>
+        <p:spPr/>
+        <p:txBody>
+          <a:bodyPr>
+            <a:normAutofit/>
+          </a:bodyPr>
+          <a:lstStyle/>
+          <a:p>
+            <a:pPr lvl="1"/>
+            <a:r>
+              <a:rPr lang="pt-BR" sz="2400" dirty="0"/>
+              <a:t>Foram aplicados algoritmos de associação de dados e de classificação de dados.</a:t>
+            </a:r>
+          </a:p>
+          <a:p>
+            <a:pPr lvl="1"/>
+            <a:r>
+              <a:rPr lang="pt-BR" sz="2400" dirty="0"/>
+              <a:t>Primeiramente serão mostradas as etapas referentes ao método de associação, e posteriormente o método de classificação.</a:t>
+            </a:r>
+          </a:p>
+          <a:p>
+            <a:pPr lvl="1"/>
+            <a:endParaRPr lang="pt-BR" sz="2400" dirty="0"/>
+          </a:p>
+        </p:txBody>
+      </p:sp>
+    </p:spTree>
+    <p:extLst>
+      <p:ext uri="{BB962C8B-B14F-4D97-AF65-F5344CB8AC3E}">
+        <p14:creationId xmlns:p14="http://schemas.microsoft.com/office/powerpoint/2010/main" val="974858663"/>
+      </p:ext>
+    </p:extLst>
+  </p:cSld>
+  <p:clrMapOvr>
+    <a:masterClrMapping/>
+  </p:clrMapOvr>
+</p:sld>
+</file>
+
+<file path=ppt/slides/slide12.xml><?xml version="1.0" encoding="utf-8"?>
+<p:sld xmlns:a="http://schemas.openxmlformats.org/drawingml/2006/main" xmlns:r="http://schemas.openxmlformats.org/officeDocument/2006/relationships" xmlns:p="http://schemas.openxmlformats.org/presentationml/2006/main">
+  <p:cSld>
+    <p:spTree>
+      <p:nvGrpSpPr>
+        <p:cNvPr id="1" name=""/>
+        <p:cNvGrpSpPr/>
+        <p:nvPr/>
+      </p:nvGrpSpPr>
+      <p:grpSpPr>
+        <a:xfrm>
+          <a:off x="0" y="0"/>
+          <a:ext cx="0" cy="0"/>
+          <a:chOff x="0" y="0"/>
+          <a:chExt cx="0" cy="0"/>
+        </a:xfrm>
+      </p:grpSpPr>
+      <p:sp>
+        <p:nvSpPr>
+          <p:cNvPr id="2" name="Título 1">
+            <a:extLst>
+              <a:ext uri="{FF2B5EF4-FFF2-40B4-BE49-F238E27FC236}">
+                <a16:creationId xmlns:a16="http://schemas.microsoft.com/office/drawing/2014/main" id="{91145737-DFFB-D292-9B1E-954905CB5740}"/>
+              </a:ext>
+            </a:extLst>
+          </p:cNvPr>
+          <p:cNvSpPr>
+            <a:spLocks noGrp="1"/>
+          </p:cNvSpPr>
+          <p:nvPr>
+            <p:ph type="title"/>
+          </p:nvPr>
+        </p:nvSpPr>
+        <p:spPr/>
+        <p:txBody>
+          <a:bodyPr/>
+          <a:lstStyle/>
+          <a:p>
+            <a:r>
+              <a:rPr lang="pt-BR" dirty="0"/>
+              <a:t>Associação</a:t>
+            </a:r>
+          </a:p>
+        </p:txBody>
+      </p:sp>
+      <p:sp>
+        <p:nvSpPr>
+          <p:cNvPr id="3" name="Espaço Reservado para Conteúdo 2">
+            <a:extLst>
+              <a:ext uri="{FF2B5EF4-FFF2-40B4-BE49-F238E27FC236}">
+                <a16:creationId xmlns:a16="http://schemas.microsoft.com/office/drawing/2014/main" id="{7CA305B3-F734-F12D-746E-4D41140EF8A3}"/>
+              </a:ext>
+            </a:extLst>
+          </p:cNvPr>
+          <p:cNvSpPr>
+            <a:spLocks noGrp="1"/>
+          </p:cNvSpPr>
+          <p:nvPr>
+            <p:ph idx="1"/>
+          </p:nvPr>
+        </p:nvSpPr>
+        <p:spPr/>
+        <p:txBody>
+          <a:bodyPr>
+            <a:normAutofit/>
+          </a:bodyPr>
+          <a:lstStyle/>
+          <a:p>
+            <a:pPr lvl="1"/>
+            <a:r>
+              <a:rPr lang="pt-BR" sz="2400" dirty="0"/>
+              <a:t>O algoritmo de associação escolhido para este trabalho foi o </a:t>
+            </a:r>
+            <a:r>
+              <a:rPr lang="pt-BR" sz="2400" dirty="0" err="1"/>
+              <a:t>Apriori</a:t>
+            </a:r>
+            <a:r>
+              <a:rPr lang="pt-BR" sz="2400" dirty="0"/>
+              <a:t>, visto que os dados disponíveis tem um formato adequado.</a:t>
+            </a:r>
+          </a:p>
+          <a:p>
+            <a:pPr lvl="1"/>
+            <a:r>
+              <a:rPr lang="pt-BR" sz="2400" dirty="0"/>
+              <a:t>Este algoritmo trabalha com dados preferencialmente binários (verdadeiro ou falso). Os dados selecionados são basicamente binários (são definidos como “SIM” e “NÃO”, no caso dos sintomas, e “ÓBITO” e “RECUPERADO”, no caso da evolução do paciente).</a:t>
+            </a:r>
+          </a:p>
+          <a:p>
+            <a:pPr lvl="1"/>
+            <a:r>
+              <a:rPr lang="pt-BR" sz="2400" dirty="0"/>
+              <a:t>O algoritmo funciona com base em podas baseadas em suporte. Os conjuntos são verificados, e se não tem um suporte mínimo são descartados.</a:t>
+            </a:r>
+          </a:p>
+          <a:p>
+            <a:pPr lvl="1"/>
+            <a:endParaRPr lang="pt-BR" sz="2400" dirty="0"/>
+          </a:p>
+        </p:txBody>
+      </p:sp>
+    </p:spTree>
+    <p:extLst>
+      <p:ext uri="{BB962C8B-B14F-4D97-AF65-F5344CB8AC3E}">
+        <p14:creationId xmlns:p14="http://schemas.microsoft.com/office/powerpoint/2010/main" val="488350008"/>
+      </p:ext>
+    </p:extLst>
+  </p:cSld>
+  <p:clrMapOvr>
+    <a:masterClrMapping/>
+  </p:clrMapOvr>
+</p:sld>
+</file>
+
 <file path=ppt/slides/slide2.xml><?xml version="1.0" encoding="utf-8"?>
 <p:sld xmlns:a="http://schemas.openxmlformats.org/drawingml/2006/main" xmlns:r="http://schemas.openxmlformats.org/officeDocument/2006/relationships" xmlns:p="http://schemas.openxmlformats.org/presentationml/2006/main">
   <p:cSld>
@@ -4224,40 +4542,35 @@
             <a:pPr lvl="1"/>
             <a:r>
               <a:rPr lang="pt-BR" sz="2200" dirty="0"/>
-              <a:t>No começo do ano de 2020 a Organização Mundial da Saúde declarou a COVID-19 uma pandemia.</a:t>
+              <a:t>No início de 2020 a Organização Mundial da Saúde (OMS) oficializou a COVID-19 como uma pandemia global</a:t>
             </a:r>
           </a:p>
           <a:p>
             <a:pPr lvl="1"/>
             <a:r>
               <a:rPr lang="pt-BR" sz="2200" dirty="0"/>
-              <a:t>Com isso, entidades começaram a juntar dados, e depois a divulgar</a:t>
+              <a:t>Com isso, entidades começaram a coletar e divulgar dados sobre a pandemia.</a:t>
             </a:r>
           </a:p>
           <a:p>
             <a:pPr lvl="1"/>
             <a:r>
               <a:rPr lang="pt-BR" sz="2200" dirty="0"/>
-              <a:t>O governo do estado do Rio Grande do Sul criou um painel da COVID-19, onde tem um dashboard e também disponibilizam os dados para download</a:t>
+              <a:t>O governo do estado do Rio Grande do Sul desenvolveu um painel da COVID-19, apresentando um dashboard interativo e disponibilizando dados para download.</a:t>
             </a:r>
           </a:p>
           <a:p>
             <a:pPr lvl="1"/>
             <a:r>
               <a:rPr lang="pt-BR" sz="2200" dirty="0"/>
-              <a:t>Entre os </a:t>
-            </a:r>
-            <a:r>
-              <a:rPr lang="pt-BR" sz="2200" i="1" dirty="0" err="1"/>
-              <a:t>datasets</a:t>
-            </a:r>
-            <a:r>
-              <a:rPr lang="pt-BR" sz="2200" i="1" dirty="0"/>
-              <a:t> </a:t>
-            </a:r>
+              <a:t>Os conjuntos de dados incluem informações detalhadas sobre cada caso confirmado de COVID-19 no estado.</a:t>
+            </a:r>
+          </a:p>
+          <a:p>
+            <a:pPr lvl="1"/>
             <a:r>
               <a:rPr lang="pt-BR" sz="2200" dirty="0"/>
-              <a:t>existem conjuntos que mostram todos os casos de COVID-19 no estado, sendo um paciente por linha. Mostra os sintomas que o paciente teve e a evolução (recuperação ou óbito) do caso dele.</a:t>
+              <a:t>Cada linha representa um paciente e inclui dados sobre sintomas apresentados e a evolução do caso (recuperação ou óbito).</a:t>
             </a:r>
           </a:p>
         </p:txBody>
@@ -4297,6 +4610,264 @@
           <p:cNvPr id="2" name="Título 1">
             <a:extLst>
               <a:ext uri="{FF2B5EF4-FFF2-40B4-BE49-F238E27FC236}">
+                <a16:creationId xmlns:a16="http://schemas.microsoft.com/office/drawing/2014/main" id="{4BD115C0-A207-D887-003F-88B22BF99E3D}"/>
+              </a:ext>
+            </a:extLst>
+          </p:cNvPr>
+          <p:cNvSpPr>
+            <a:spLocks noGrp="1"/>
+          </p:cNvSpPr>
+          <p:nvPr>
+            <p:ph type="title"/>
+          </p:nvPr>
+        </p:nvSpPr>
+        <p:spPr/>
+        <p:txBody>
+          <a:bodyPr/>
+          <a:lstStyle/>
+          <a:p>
+            <a:r>
+              <a:rPr lang="pt-BR" dirty="0"/>
+              <a:t>Dados</a:t>
+            </a:r>
+          </a:p>
+        </p:txBody>
+      </p:sp>
+      <p:sp>
+        <p:nvSpPr>
+          <p:cNvPr id="3" name="Espaço Reservado para Conteúdo 2">
+            <a:extLst>
+              <a:ext uri="{FF2B5EF4-FFF2-40B4-BE49-F238E27FC236}">
+                <a16:creationId xmlns:a16="http://schemas.microsoft.com/office/drawing/2014/main" id="{28220C16-BF25-D428-D239-78F136048F93}"/>
+              </a:ext>
+            </a:extLst>
+          </p:cNvPr>
+          <p:cNvSpPr>
+            <a:spLocks noGrp="1"/>
+          </p:cNvSpPr>
+          <p:nvPr>
+            <p:ph idx="1"/>
+          </p:nvPr>
+        </p:nvSpPr>
+        <p:spPr/>
+        <p:txBody>
+          <a:bodyPr>
+            <a:normAutofit/>
+          </a:bodyPr>
+          <a:lstStyle/>
+          <a:p>
+            <a:pPr lvl="1"/>
+            <a:r>
+              <a:rPr lang="pt-BR" sz="2400" dirty="0"/>
+              <a:t>As opções de dados para download são por ano ou os dados completos.</a:t>
+            </a:r>
+          </a:p>
+          <a:p>
+            <a:pPr lvl="1"/>
+            <a:r>
+              <a:rPr lang="pt-BR" sz="2400" dirty="0"/>
+              <a:t>Neste trabalho são usados os dados entre 2020 e 2023.</a:t>
+            </a:r>
+          </a:p>
+          <a:p>
+            <a:pPr lvl="1"/>
+            <a:r>
+              <a:rPr lang="pt-BR" sz="2400" dirty="0"/>
+              <a:t>O </a:t>
+            </a:r>
+            <a:r>
+              <a:rPr lang="pt-BR" sz="2400" i="1" dirty="0" err="1"/>
+              <a:t>dataset</a:t>
+            </a:r>
+            <a:r>
+              <a:rPr lang="pt-BR" sz="2400" dirty="0"/>
+              <a:t> utilizado conta com mais de 3 milhões de linhas e pesa mais de 600MB</a:t>
+            </a:r>
+          </a:p>
+        </p:txBody>
+      </p:sp>
+    </p:spTree>
+    <p:extLst>
+      <p:ext uri="{BB962C8B-B14F-4D97-AF65-F5344CB8AC3E}">
+        <p14:creationId xmlns:p14="http://schemas.microsoft.com/office/powerpoint/2010/main" val="2102025627"/>
+      </p:ext>
+    </p:extLst>
+  </p:cSld>
+  <p:clrMapOvr>
+    <a:masterClrMapping/>
+  </p:clrMapOvr>
+</p:sld>
+</file>
+
+<file path=ppt/slides/slide5.xml><?xml version="1.0" encoding="utf-8"?>
+<p:sld xmlns:a="http://schemas.openxmlformats.org/drawingml/2006/main" xmlns:r="http://schemas.openxmlformats.org/officeDocument/2006/relationships" xmlns:p="http://schemas.openxmlformats.org/presentationml/2006/main">
+  <p:cSld>
+    <p:spTree>
+      <p:nvGrpSpPr>
+        <p:cNvPr id="1" name=""/>
+        <p:cNvGrpSpPr/>
+        <p:nvPr/>
+      </p:nvGrpSpPr>
+      <p:grpSpPr>
+        <a:xfrm>
+          <a:off x="0" y="0"/>
+          <a:ext cx="0" cy="0"/>
+          <a:chOff x="0" y="0"/>
+          <a:chExt cx="0" cy="0"/>
+        </a:xfrm>
+      </p:grpSpPr>
+      <p:sp>
+        <p:nvSpPr>
+          <p:cNvPr id="2" name="Título 1">
+            <a:extLst>
+              <a:ext uri="{FF2B5EF4-FFF2-40B4-BE49-F238E27FC236}">
+                <a16:creationId xmlns:a16="http://schemas.microsoft.com/office/drawing/2014/main" id="{1637E989-7EA4-1B6D-AA34-53AA4967F7F9}"/>
+              </a:ext>
+            </a:extLst>
+          </p:cNvPr>
+          <p:cNvSpPr>
+            <a:spLocks noGrp="1"/>
+          </p:cNvSpPr>
+          <p:nvPr>
+            <p:ph type="title"/>
+          </p:nvPr>
+        </p:nvSpPr>
+        <p:spPr/>
+        <p:txBody>
+          <a:bodyPr/>
+          <a:lstStyle/>
+          <a:p>
+            <a:r>
+              <a:rPr lang="pt-BR" dirty="0"/>
+              <a:t>Metodologia</a:t>
+            </a:r>
+          </a:p>
+        </p:txBody>
+      </p:sp>
+      <p:sp>
+        <p:nvSpPr>
+          <p:cNvPr id="3" name="Espaço Reservado para Conteúdo 2">
+            <a:extLst>
+              <a:ext uri="{FF2B5EF4-FFF2-40B4-BE49-F238E27FC236}">
+                <a16:creationId xmlns:a16="http://schemas.microsoft.com/office/drawing/2014/main" id="{9975D1F5-04CF-C20F-E17A-FCFC233E45E4}"/>
+              </a:ext>
+            </a:extLst>
+          </p:cNvPr>
+          <p:cNvSpPr>
+            <a:spLocks noGrp="1"/>
+          </p:cNvSpPr>
+          <p:nvPr>
+            <p:ph idx="1"/>
+          </p:nvPr>
+        </p:nvSpPr>
+        <p:spPr/>
+        <p:txBody>
+          <a:bodyPr>
+            <a:normAutofit/>
+          </a:bodyPr>
+          <a:lstStyle/>
+          <a:p>
+            <a:pPr lvl="2"/>
+            <a:r>
+              <a:rPr lang="pt-BR" sz="2400" dirty="0"/>
+              <a:t>Neste trabalho a metodologia do Processo de Descoberta de Conhecimento em Bases de Dados </a:t>
+            </a:r>
+            <a:r>
+              <a:rPr lang="pt-BR" sz="2400" i="1" dirty="0"/>
+              <a:t>(</a:t>
+            </a:r>
+            <a:r>
+              <a:rPr lang="pt-BR" sz="2400" i="1" dirty="0" err="1"/>
+              <a:t>Knowledge</a:t>
+            </a:r>
+            <a:r>
+              <a:rPr lang="pt-BR" sz="2400" i="1" dirty="0"/>
+              <a:t> Discovery in </a:t>
+            </a:r>
+            <a:r>
+              <a:rPr lang="pt-BR" sz="2400" i="1" dirty="0" err="1"/>
+              <a:t>Databases</a:t>
+            </a:r>
+            <a:r>
+              <a:rPr lang="pt-BR" sz="2400" i="1" dirty="0"/>
+              <a:t> - KDD) </a:t>
+            </a:r>
+            <a:r>
+              <a:rPr lang="pt-BR" sz="2400" dirty="0"/>
+              <a:t>proposta por </a:t>
+            </a:r>
+            <a:r>
+              <a:rPr lang="pt-BR" sz="2400" dirty="0" err="1"/>
+              <a:t>Fayyad</a:t>
+            </a:r>
+            <a:r>
+              <a:rPr lang="pt-BR" sz="2400" dirty="0"/>
+              <a:t> et. al. (1996)</a:t>
+            </a:r>
+            <a:r>
+              <a:rPr lang="pt-BR" sz="2400" i="1" dirty="0"/>
+              <a:t> </a:t>
+            </a:r>
+            <a:r>
+              <a:rPr lang="pt-BR" sz="2400" dirty="0"/>
+              <a:t>foi utilizada.</a:t>
+            </a:r>
+          </a:p>
+          <a:p>
+            <a:pPr lvl="2"/>
+            <a:r>
+              <a:rPr lang="pt-BR" sz="2400" dirty="0"/>
+              <a:t>Todas as etapas foram realizadas, porém somente as mais relevantes serão mostradas.</a:t>
+            </a:r>
+          </a:p>
+          <a:p>
+            <a:pPr lvl="2"/>
+            <a:r>
+              <a:rPr lang="pt-BR" sz="2400" dirty="0"/>
+              <a:t>A linguagem R foi utilizada.</a:t>
+            </a:r>
+          </a:p>
+          <a:p>
+            <a:pPr lvl="2"/>
+            <a:endParaRPr lang="pt-BR" sz="2400" dirty="0"/>
+          </a:p>
+        </p:txBody>
+      </p:sp>
+    </p:spTree>
+    <p:extLst>
+      <p:ext uri="{BB962C8B-B14F-4D97-AF65-F5344CB8AC3E}">
+        <p14:creationId xmlns:p14="http://schemas.microsoft.com/office/powerpoint/2010/main" val="1879983307"/>
+      </p:ext>
+    </p:extLst>
+  </p:cSld>
+  <p:clrMapOvr>
+    <a:masterClrMapping/>
+  </p:clrMapOvr>
+</p:sld>
+</file>
+
+<file path=ppt/slides/slide6.xml><?xml version="1.0" encoding="utf-8"?>
+<p:sld xmlns:a="http://schemas.openxmlformats.org/drawingml/2006/main" xmlns:r="http://schemas.openxmlformats.org/officeDocument/2006/relationships" xmlns:p="http://schemas.openxmlformats.org/presentationml/2006/main">
+  <p:cSld>
+    <p:spTree>
+      <p:nvGrpSpPr>
+        <p:cNvPr id="1" name=""/>
+        <p:cNvGrpSpPr/>
+        <p:nvPr/>
+      </p:nvGrpSpPr>
+      <p:grpSpPr>
+        <a:xfrm>
+          <a:off x="0" y="0"/>
+          <a:ext cx="0" cy="0"/>
+          <a:chOff x="0" y="0"/>
+          <a:chExt cx="0" cy="0"/>
+        </a:xfrm>
+      </p:grpSpPr>
+      <p:sp>
+        <p:nvSpPr>
+          <p:cNvPr id="2" name="Título 1">
+            <a:extLst>
+              <a:ext uri="{FF2B5EF4-FFF2-40B4-BE49-F238E27FC236}">
                 <a16:creationId xmlns:a16="http://schemas.microsoft.com/office/drawing/2014/main" id="{44684377-3227-6555-F1DB-14B53F0D39AC}"/>
               </a:ext>
             </a:extLst>
@@ -4334,8 +4905,8 @@
         </p:nvSpPr>
         <p:spPr>
           <a:xfrm>
-            <a:off x="1928320" y="5630988"/>
-            <a:ext cx="8335359" cy="369332"/>
+            <a:off x="1621345" y="5616920"/>
+            <a:ext cx="8949309" cy="369332"/>
           </a:xfrm>
           <a:prstGeom prst="rect">
             <a:avLst/>
@@ -4366,7 +4937,7 @@
             </a:r>
             <a:r>
               <a:rPr lang="pt-BR" dirty="0"/>
-              <a:t> et. al</a:t>
+              <a:t> et. Al (1996)</a:t>
             </a:r>
           </a:p>
         </p:txBody>
@@ -4420,7 +4991,7 @@
 </p:sld>
 </file>
 
-<file path=ppt/slides/slide5.xml><?xml version="1.0" encoding="utf-8"?>
+<file path=ppt/slides/slide7.xml><?xml version="1.0" encoding="utf-8"?>
 <p:sld xmlns:a="http://schemas.openxmlformats.org/drawingml/2006/main" xmlns:r="http://schemas.openxmlformats.org/officeDocument/2006/relationships" xmlns:p="http://schemas.openxmlformats.org/presentationml/2006/main">
   <p:cSld>
     <p:spTree>
@@ -4442,7 +5013,7 @@
           <p:cNvPr id="2" name="Título 1">
             <a:extLst>
               <a:ext uri="{FF2B5EF4-FFF2-40B4-BE49-F238E27FC236}">
-                <a16:creationId xmlns:a16="http://schemas.microsoft.com/office/drawing/2014/main" id="{4BD115C0-A207-D887-003F-88B22BF99E3D}"/>
+                <a16:creationId xmlns:a16="http://schemas.microsoft.com/office/drawing/2014/main" id="{ED243A1E-66F3-8ADF-9C57-9CA4855CC591}"/>
               </a:ext>
             </a:extLst>
           </p:cNvPr>
@@ -4460,7 +5031,7 @@
           <a:p>
             <a:r>
               <a:rPr lang="pt-BR" dirty="0"/>
-              <a:t>Dados</a:t>
+              <a:t>Extração e seleção dos dados</a:t>
             </a:r>
           </a:p>
         </p:txBody>
@@ -4470,7 +5041,7 @@
           <p:cNvPr id="3" name="Espaço Reservado para Conteúdo 2">
             <a:extLst>
               <a:ext uri="{FF2B5EF4-FFF2-40B4-BE49-F238E27FC236}">
-                <a16:creationId xmlns:a16="http://schemas.microsoft.com/office/drawing/2014/main" id="{28220C16-BF25-D428-D239-78F136048F93}"/>
+                <a16:creationId xmlns:a16="http://schemas.microsoft.com/office/drawing/2014/main" id="{B378DC07-35E1-E2DC-13CC-3AC2D818E050}"/>
               </a:ext>
             </a:extLst>
           </p:cNvPr>
@@ -4488,17 +5059,244 @@
           </a:bodyPr>
           <a:lstStyle/>
           <a:p>
-            <a:pPr marL="0" indent="0">
-              <a:buNone/>
-            </a:pPr>
-            <a:endParaRPr lang="pt-BR" sz="2400" dirty="0"/>
+            <a:pPr lvl="1"/>
+            <a:r>
+              <a:rPr lang="pt-BR" sz="2400" dirty="0"/>
+              <a:t>Os dados foram extraídos (em </a:t>
+            </a:r>
+            <a:r>
+              <a:rPr lang="pt-BR" sz="2400" dirty="0" err="1"/>
+              <a:t>csv</a:t>
+            </a:r>
+            <a:r>
+              <a:rPr lang="pt-BR" sz="2400" dirty="0"/>
+              <a:t>) do painel fornecido pelo Estado do Rio Grande do Sul.</a:t>
+            </a:r>
+          </a:p>
+          <a:p>
+            <a:pPr lvl="1"/>
+            <a:r>
+              <a:rPr lang="pt-BR" sz="2400" dirty="0"/>
+              <a:t>Não existem dados relevantes faltantes do </a:t>
+            </a:r>
+            <a:r>
+              <a:rPr lang="pt-BR" sz="2400" dirty="0" err="1"/>
+              <a:t>dataset</a:t>
+            </a:r>
+            <a:r>
+              <a:rPr lang="pt-BR" sz="2400" dirty="0"/>
+              <a:t>.</a:t>
+            </a:r>
+          </a:p>
+          <a:p>
+            <a:pPr lvl="1"/>
+            <a:r>
+              <a:rPr lang="pt-BR" sz="2400" dirty="0"/>
+              <a:t>Os dados contam com as informações do caso específico de COVID-19 (como cidade, idade do paciente, sintomas, evolução do paciente, entre outros).</a:t>
+            </a:r>
+          </a:p>
+          <a:p>
+            <a:pPr lvl="1"/>
+            <a:r>
+              <a:rPr lang="pt-BR" sz="2400" dirty="0"/>
+              <a:t>Foram selecionados para este trabalho os dados de sintomas e evolução do paciente.</a:t>
+            </a:r>
           </a:p>
         </p:txBody>
       </p:sp>
     </p:spTree>
     <p:extLst>
       <p:ext uri="{BB962C8B-B14F-4D97-AF65-F5344CB8AC3E}">
-        <p14:creationId xmlns:p14="http://schemas.microsoft.com/office/powerpoint/2010/main" val="2102025627"/>
+        <p14:creationId xmlns:p14="http://schemas.microsoft.com/office/powerpoint/2010/main" val="3577515016"/>
+      </p:ext>
+    </p:extLst>
+  </p:cSld>
+  <p:clrMapOvr>
+    <a:masterClrMapping/>
+  </p:clrMapOvr>
+</p:sld>
+</file>
+
+<file path=ppt/slides/slide8.xml><?xml version="1.0" encoding="utf-8"?>
+<p:sld xmlns:a="http://schemas.openxmlformats.org/drawingml/2006/main" xmlns:r="http://schemas.openxmlformats.org/officeDocument/2006/relationships" xmlns:p="http://schemas.openxmlformats.org/presentationml/2006/main">
+  <p:cSld>
+    <p:spTree>
+      <p:nvGrpSpPr>
+        <p:cNvPr id="1" name=""/>
+        <p:cNvGrpSpPr/>
+        <p:nvPr/>
+      </p:nvGrpSpPr>
+      <p:grpSpPr>
+        <a:xfrm>
+          <a:off x="0" y="0"/>
+          <a:ext cx="0" cy="0"/>
+          <a:chOff x="0" y="0"/>
+          <a:chExt cx="0" cy="0"/>
+        </a:xfrm>
+      </p:grpSpPr>
+      <p:sp>
+        <p:nvSpPr>
+          <p:cNvPr id="2" name="Título 1">
+            <a:extLst>
+              <a:ext uri="{FF2B5EF4-FFF2-40B4-BE49-F238E27FC236}">
+                <a16:creationId xmlns:a16="http://schemas.microsoft.com/office/drawing/2014/main" id="{91145737-DFFB-D292-9B1E-954905CB5740}"/>
+              </a:ext>
+            </a:extLst>
+          </p:cNvPr>
+          <p:cNvSpPr>
+            <a:spLocks noGrp="1"/>
+          </p:cNvSpPr>
+          <p:nvPr>
+            <p:ph type="title"/>
+          </p:nvPr>
+        </p:nvSpPr>
+        <p:spPr/>
+        <p:txBody>
+          <a:bodyPr/>
+          <a:lstStyle/>
+          <a:p>
+            <a:r>
+              <a:rPr lang="pt-BR" dirty="0"/>
+              <a:t>Visualização</a:t>
+            </a:r>
+          </a:p>
+        </p:txBody>
+      </p:sp>
+      <p:sp>
+        <p:nvSpPr>
+          <p:cNvPr id="3" name="Espaço Reservado para Conteúdo 2">
+            <a:extLst>
+              <a:ext uri="{FF2B5EF4-FFF2-40B4-BE49-F238E27FC236}">
+                <a16:creationId xmlns:a16="http://schemas.microsoft.com/office/drawing/2014/main" id="{7CA305B3-F734-F12D-746E-4D41140EF8A3}"/>
+              </a:ext>
+            </a:extLst>
+          </p:cNvPr>
+          <p:cNvSpPr>
+            <a:spLocks noGrp="1"/>
+          </p:cNvSpPr>
+          <p:nvPr>
+            <p:ph idx="1"/>
+          </p:nvPr>
+        </p:nvSpPr>
+        <p:spPr/>
+        <p:txBody>
+          <a:bodyPr>
+            <a:normAutofit/>
+          </a:bodyPr>
+          <a:lstStyle/>
+          <a:p>
+            <a:pPr lvl="1"/>
+            <a:r>
+              <a:rPr lang="pt-BR" sz="2400" dirty="0"/>
+              <a:t>Primeiramente ter uma visão geral dos dados foram criados novos conjuntos de dados para criar algumas visualizações.</a:t>
+            </a:r>
+          </a:p>
+          <a:p>
+            <a:pPr lvl="1"/>
+            <a:r>
+              <a:rPr lang="pt-BR" sz="2400" dirty="0"/>
+              <a:t>As visualizações mais relevantes criadas nesta etapa são os gráficos de quantidade de casos e quantidade de óbitos diários.</a:t>
+            </a:r>
+          </a:p>
+        </p:txBody>
+      </p:sp>
+    </p:spTree>
+    <p:extLst>
+      <p:ext uri="{BB962C8B-B14F-4D97-AF65-F5344CB8AC3E}">
+        <p14:creationId xmlns:p14="http://schemas.microsoft.com/office/powerpoint/2010/main" val="3678131049"/>
+      </p:ext>
+    </p:extLst>
+  </p:cSld>
+  <p:clrMapOvr>
+    <a:masterClrMapping/>
+  </p:clrMapOvr>
+</p:sld>
+</file>
+
+<file path=ppt/slides/slide9.xml><?xml version="1.0" encoding="utf-8"?>
+<p:sld xmlns:a="http://schemas.openxmlformats.org/drawingml/2006/main" xmlns:r="http://schemas.openxmlformats.org/officeDocument/2006/relationships" xmlns:p="http://schemas.openxmlformats.org/presentationml/2006/main">
+  <p:cSld>
+    <p:spTree>
+      <p:nvGrpSpPr>
+        <p:cNvPr id="1" name=""/>
+        <p:cNvGrpSpPr/>
+        <p:nvPr/>
+      </p:nvGrpSpPr>
+      <p:grpSpPr>
+        <a:xfrm>
+          <a:off x="0" y="0"/>
+          <a:ext cx="0" cy="0"/>
+          <a:chOff x="0" y="0"/>
+          <a:chExt cx="0" cy="0"/>
+        </a:xfrm>
+      </p:grpSpPr>
+      <p:sp>
+        <p:nvSpPr>
+          <p:cNvPr id="2" name="Título 1">
+            <a:extLst>
+              <a:ext uri="{FF2B5EF4-FFF2-40B4-BE49-F238E27FC236}">
+                <a16:creationId xmlns:a16="http://schemas.microsoft.com/office/drawing/2014/main" id="{91145737-DFFB-D292-9B1E-954905CB5740}"/>
+              </a:ext>
+            </a:extLst>
+          </p:cNvPr>
+          <p:cNvSpPr>
+            <a:spLocks noGrp="1"/>
+          </p:cNvSpPr>
+          <p:nvPr>
+            <p:ph type="title"/>
+          </p:nvPr>
+        </p:nvSpPr>
+        <p:spPr/>
+        <p:txBody>
+          <a:bodyPr/>
+          <a:lstStyle/>
+          <a:p>
+            <a:r>
+              <a:rPr lang="pt-BR" dirty="0"/>
+              <a:t>Visualização</a:t>
+            </a:r>
+          </a:p>
+        </p:txBody>
+      </p:sp>
+      <p:pic>
+        <p:nvPicPr>
+          <p:cNvPr id="5" name="Espaço Reservado para Conteúdo 4">
+            <a:extLst>
+              <a:ext uri="{FF2B5EF4-FFF2-40B4-BE49-F238E27FC236}">
+                <a16:creationId xmlns:a16="http://schemas.microsoft.com/office/drawing/2014/main" id="{411FAC48-3843-E0B2-738F-5BBBFDDFE664}"/>
+              </a:ext>
+            </a:extLst>
+          </p:cNvPr>
+          <p:cNvPicPr>
+            <a:picLocks noGrp="1" noChangeAspect="1"/>
+          </p:cNvPicPr>
+          <p:nvPr>
+            <p:ph idx="1"/>
+          </p:nvPr>
+        </p:nvPicPr>
+        <p:blipFill>
+          <a:blip r:embed="rId2">
+            <a:extLst>
+              <a:ext uri="{28A0092B-C50C-407E-A947-70E740481C1C}">
+                <a14:useLocalDpi xmlns:a14="http://schemas.microsoft.com/office/drawing/2010/main" val="0"/>
+              </a:ext>
+            </a:extLst>
+          </a:blip>
+          <a:stretch>
+            <a:fillRect/>
+          </a:stretch>
+        </p:blipFill>
+        <p:spPr>
+          <a:xfrm>
+            <a:off x="341513" y="1941342"/>
+            <a:ext cx="11508974" cy="3428571"/>
+          </a:xfrm>
+        </p:spPr>
+      </p:pic>
+    </p:spTree>
+    <p:extLst>
+      <p:ext uri="{BB962C8B-B14F-4D97-AF65-F5344CB8AC3E}">
+        <p14:creationId xmlns:p14="http://schemas.microsoft.com/office/powerpoint/2010/main" val="2143753428"/>
       </p:ext>
     </p:extLst>
   </p:cSld>

--- a/presentation/presentation.pptx
+++ b/presentation/presentation.pptx
@@ -17,6 +17,20 @@
     <p:sldId id="266" r:id="rId11"/>
     <p:sldId id="268" r:id="rId12"/>
     <p:sldId id="269" r:id="rId13"/>
+    <p:sldId id="271" r:id="rId14"/>
+    <p:sldId id="272" r:id="rId15"/>
+    <p:sldId id="274" r:id="rId16"/>
+    <p:sldId id="275" r:id="rId17"/>
+    <p:sldId id="277" r:id="rId18"/>
+    <p:sldId id="279" r:id="rId19"/>
+    <p:sldId id="280" r:id="rId20"/>
+    <p:sldId id="281" r:id="rId21"/>
+    <p:sldId id="284" r:id="rId22"/>
+    <p:sldId id="283" r:id="rId23"/>
+    <p:sldId id="285" r:id="rId24"/>
+    <p:sldId id="286" r:id="rId25"/>
+    <p:sldId id="287" r:id="rId26"/>
+    <p:sldId id="288" r:id="rId27"/>
   </p:sldIdLst>
   <p:sldSz cx="12192000" cy="6858000"/>
   <p:notesSz cx="6858000" cy="9144000"/>
@@ -353,7 +367,7 @@
               <a:rPr lang="pt-BR" smtClean="0"/>
               <a:t>09/04/2024</a:t>
             </a:fld>
-            <a:endParaRPr lang="pt-BR"/>
+            <a:endParaRPr lang="pt-BR" dirty="0"/>
           </a:p>
         </p:txBody>
       </p:sp>
@@ -372,7 +386,7 @@
           <a:bodyPr/>
           <a:lstStyle/>
           <a:p>
-            <a:endParaRPr lang="pt-BR"/>
+            <a:endParaRPr lang="pt-BR" dirty="0"/>
           </a:p>
         </p:txBody>
       </p:sp>
@@ -395,7 +409,7 @@
               <a:rPr lang="pt-BR" smtClean="0"/>
               <a:t>‹nº›</a:t>
             </a:fld>
-            <a:endParaRPr lang="pt-BR"/>
+            <a:endParaRPr lang="pt-BR" dirty="0"/>
           </a:p>
         </p:txBody>
       </p:sp>
@@ -561,7 +575,7 @@
               <a:rPr lang="pt-BR" smtClean="0"/>
               <a:t>09/04/2024</a:t>
             </a:fld>
-            <a:endParaRPr lang="pt-BR"/>
+            <a:endParaRPr lang="pt-BR" dirty="0"/>
           </a:p>
         </p:txBody>
       </p:sp>
@@ -580,7 +594,7 @@
           <a:bodyPr/>
           <a:lstStyle/>
           <a:p>
-            <a:endParaRPr lang="pt-BR"/>
+            <a:endParaRPr lang="pt-BR" dirty="0"/>
           </a:p>
         </p:txBody>
       </p:sp>
@@ -603,7 +617,7 @@
               <a:rPr lang="pt-BR" smtClean="0"/>
               <a:t>‹nº›</a:t>
             </a:fld>
-            <a:endParaRPr lang="pt-BR"/>
+            <a:endParaRPr lang="pt-BR" dirty="0"/>
           </a:p>
         </p:txBody>
       </p:sp>
@@ -819,7 +833,7 @@
               <a:rPr lang="pt-BR" smtClean="0"/>
               <a:t>09/04/2024</a:t>
             </a:fld>
-            <a:endParaRPr lang="pt-BR"/>
+            <a:endParaRPr lang="pt-BR" dirty="0"/>
           </a:p>
         </p:txBody>
       </p:sp>
@@ -838,7 +852,7 @@
           <a:bodyPr/>
           <a:lstStyle/>
           <a:p>
-            <a:endParaRPr lang="pt-BR"/>
+            <a:endParaRPr lang="pt-BR" dirty="0"/>
           </a:p>
         </p:txBody>
       </p:sp>
@@ -861,7 +875,7 @@
               <a:rPr lang="pt-BR" smtClean="0"/>
               <a:t>‹nº›</a:t>
             </a:fld>
-            <a:endParaRPr lang="pt-BR"/>
+            <a:endParaRPr lang="pt-BR" dirty="0"/>
           </a:p>
         </p:txBody>
       </p:sp>
@@ -989,7 +1003,7 @@
               <a:rPr lang="pt-BR" smtClean="0"/>
               <a:t>09/04/2024</a:t>
             </a:fld>
-            <a:endParaRPr lang="pt-BR"/>
+            <a:endParaRPr lang="pt-BR" dirty="0"/>
           </a:p>
         </p:txBody>
       </p:sp>
@@ -1008,7 +1022,7 @@
           <a:bodyPr/>
           <a:lstStyle/>
           <a:p>
-            <a:endParaRPr lang="pt-BR"/>
+            <a:endParaRPr lang="pt-BR" dirty="0"/>
           </a:p>
         </p:txBody>
       </p:sp>
@@ -1031,7 +1045,7 @@
               <a:rPr lang="pt-BR" smtClean="0"/>
               <a:t>‹nº›</a:t>
             </a:fld>
-            <a:endParaRPr lang="pt-BR"/>
+            <a:endParaRPr lang="pt-BR" dirty="0"/>
           </a:p>
         </p:txBody>
       </p:sp>
@@ -1326,7 +1340,7 @@
               <a:rPr lang="pt-BR" smtClean="0"/>
               <a:t>09/04/2024</a:t>
             </a:fld>
-            <a:endParaRPr lang="pt-BR"/>
+            <a:endParaRPr lang="pt-BR" dirty="0"/>
           </a:p>
         </p:txBody>
       </p:sp>
@@ -1345,7 +1359,7 @@
           <a:bodyPr/>
           <a:lstStyle/>
           <a:p>
-            <a:endParaRPr lang="pt-BR"/>
+            <a:endParaRPr lang="pt-BR" dirty="0"/>
           </a:p>
         </p:txBody>
       </p:sp>
@@ -1368,7 +1382,7 @@
               <a:rPr lang="pt-BR" smtClean="0"/>
               <a:t>‹nº›</a:t>
             </a:fld>
-            <a:endParaRPr lang="pt-BR"/>
+            <a:endParaRPr lang="pt-BR" dirty="0"/>
           </a:p>
         </p:txBody>
       </p:sp>
@@ -1601,7 +1615,7 @@
               <a:rPr lang="pt-BR" smtClean="0"/>
               <a:t>09/04/2024</a:t>
             </a:fld>
-            <a:endParaRPr lang="pt-BR"/>
+            <a:endParaRPr lang="pt-BR" dirty="0"/>
           </a:p>
         </p:txBody>
       </p:sp>
@@ -1620,7 +1634,7 @@
           <a:bodyPr/>
           <a:lstStyle/>
           <a:p>
-            <a:endParaRPr lang="pt-BR"/>
+            <a:endParaRPr lang="pt-BR" dirty="0"/>
           </a:p>
         </p:txBody>
       </p:sp>
@@ -1643,7 +1657,7 @@
               <a:rPr lang="pt-BR" smtClean="0"/>
               <a:t>‹nº›</a:t>
             </a:fld>
-            <a:endParaRPr lang="pt-BR"/>
+            <a:endParaRPr lang="pt-BR" dirty="0"/>
           </a:p>
         </p:txBody>
       </p:sp>
@@ -1980,7 +1994,7 @@
               <a:rPr lang="pt-BR" smtClean="0"/>
               <a:t>09/04/2024</a:t>
             </a:fld>
-            <a:endParaRPr lang="pt-BR"/>
+            <a:endParaRPr lang="pt-BR" dirty="0"/>
           </a:p>
         </p:txBody>
       </p:sp>
@@ -1999,7 +2013,7 @@
           <a:bodyPr/>
           <a:lstStyle/>
           <a:p>
-            <a:endParaRPr lang="pt-BR"/>
+            <a:endParaRPr lang="pt-BR" dirty="0"/>
           </a:p>
         </p:txBody>
       </p:sp>
@@ -2022,7 +2036,7 @@
               <a:rPr lang="pt-BR" smtClean="0"/>
               <a:t>‹nº›</a:t>
             </a:fld>
-            <a:endParaRPr lang="pt-BR"/>
+            <a:endParaRPr lang="pt-BR" dirty="0"/>
           </a:p>
         </p:txBody>
       </p:sp>
@@ -2098,7 +2112,7 @@
               <a:rPr lang="pt-BR" smtClean="0"/>
               <a:t>09/04/2024</a:t>
             </a:fld>
-            <a:endParaRPr lang="pt-BR"/>
+            <a:endParaRPr lang="pt-BR" dirty="0"/>
           </a:p>
         </p:txBody>
       </p:sp>
@@ -2117,7 +2131,7 @@
           <a:bodyPr/>
           <a:lstStyle/>
           <a:p>
-            <a:endParaRPr lang="pt-BR"/>
+            <a:endParaRPr lang="pt-BR" dirty="0"/>
           </a:p>
         </p:txBody>
       </p:sp>
@@ -2140,7 +2154,7 @@
               <a:rPr lang="pt-BR" smtClean="0"/>
               <a:t>‹nº›</a:t>
             </a:fld>
-            <a:endParaRPr lang="pt-BR"/>
+            <a:endParaRPr lang="pt-BR" dirty="0"/>
           </a:p>
         </p:txBody>
       </p:sp>
@@ -2271,7 +2285,7 @@
               <a:rPr lang="pt-BR" smtClean="0"/>
               <a:t>09/04/2024</a:t>
             </a:fld>
-            <a:endParaRPr lang="pt-BR"/>
+            <a:endParaRPr lang="pt-BR" dirty="0"/>
           </a:p>
         </p:txBody>
       </p:sp>
@@ -2298,7 +2312,7 @@
             </a:lvl1pPr>
           </a:lstStyle>
           <a:p>
-            <a:endParaRPr lang="pt-BR"/>
+            <a:endParaRPr lang="pt-BR" dirty="0"/>
           </a:p>
         </p:txBody>
       </p:sp>
@@ -2321,7 +2335,7 @@
               <a:rPr lang="pt-BR" smtClean="0"/>
               <a:t>‹nº›</a:t>
             </a:fld>
-            <a:endParaRPr lang="pt-BR"/>
+            <a:endParaRPr lang="pt-BR" dirty="0"/>
           </a:p>
         </p:txBody>
       </p:sp>
@@ -2627,7 +2641,7 @@
               <a:rPr lang="pt-BR" smtClean="0"/>
               <a:t>09/04/2024</a:t>
             </a:fld>
-            <a:endParaRPr lang="pt-BR"/>
+            <a:endParaRPr lang="pt-BR" dirty="0"/>
           </a:p>
         </p:txBody>
       </p:sp>
@@ -2659,7 +2673,7 @@
             </a:lvl1pPr>
           </a:lstStyle>
           <a:p>
-            <a:endParaRPr lang="pt-BR"/>
+            <a:endParaRPr lang="pt-BR" dirty="0"/>
           </a:p>
         </p:txBody>
       </p:sp>
@@ -2690,7 +2704,7 @@
               <a:rPr lang="pt-BR" smtClean="0"/>
               <a:t>‹nº›</a:t>
             </a:fld>
-            <a:endParaRPr lang="pt-BR"/>
+            <a:endParaRPr lang="pt-BR" dirty="0"/>
           </a:p>
         </p:txBody>
       </p:sp>
@@ -2903,7 +2917,7 @@
           </a:lstStyle>
           <a:p>
             <a:r>
-              <a:rPr lang="pt-BR"/>
+              <a:rPr lang="pt-BR" dirty="0"/>
               <a:t>Clique no ícone para adicionar uma imagem</a:t>
             </a:r>
             <a:endParaRPr lang="en-US" dirty="0"/>
@@ -3006,7 +3020,7 @@
               <a:rPr lang="pt-BR" smtClean="0"/>
               <a:t>09/04/2024</a:t>
             </a:fld>
-            <a:endParaRPr lang="pt-BR"/>
+            <a:endParaRPr lang="pt-BR" dirty="0"/>
           </a:p>
         </p:txBody>
       </p:sp>
@@ -3025,7 +3039,7 @@
           <a:bodyPr/>
           <a:lstStyle/>
           <a:p>
-            <a:endParaRPr lang="pt-BR"/>
+            <a:endParaRPr lang="pt-BR" dirty="0"/>
           </a:p>
         </p:txBody>
       </p:sp>
@@ -3048,7 +3062,7 @@
               <a:rPr lang="pt-BR" smtClean="0"/>
               <a:t>‹nº›</a:t>
             </a:fld>
-            <a:endParaRPr lang="pt-BR"/>
+            <a:endParaRPr lang="pt-BR" dirty="0"/>
           </a:p>
         </p:txBody>
       </p:sp>
@@ -3295,7 +3309,7 @@
               <a:rPr lang="pt-BR" smtClean="0"/>
               <a:t>09/04/2024</a:t>
             </a:fld>
-            <a:endParaRPr lang="pt-BR"/>
+            <a:endParaRPr lang="pt-BR" dirty="0"/>
           </a:p>
         </p:txBody>
       </p:sp>
@@ -3330,7 +3344,7 @@
             </a:lvl1pPr>
           </a:lstStyle>
           <a:p>
-            <a:endParaRPr lang="pt-BR"/>
+            <a:endParaRPr lang="pt-BR" dirty="0"/>
           </a:p>
         </p:txBody>
       </p:sp>
@@ -3369,7 +3383,7 @@
               <a:rPr lang="pt-BR" smtClean="0"/>
               <a:t>‹nº›</a:t>
             </a:fld>
-            <a:endParaRPr lang="pt-BR"/>
+            <a:endParaRPr lang="pt-BR" dirty="0"/>
           </a:p>
         </p:txBody>
       </p:sp>
@@ -4192,7 +4206,7 @@
             <a:pPr lvl="1"/>
             <a:r>
               <a:rPr lang="pt-BR" sz="2400" dirty="0"/>
-              <a:t>Foram aplicados algoritmos de associação de dados e de classificação de dados.</a:t>
+              <a:t>Foram aplicados algoritmos de associação e de classificação de dados.</a:t>
             </a:r>
           </a:p>
           <a:p>
@@ -4336,6 +4350,987 @@
 </p:sld>
 </file>
 
+<file path=ppt/slides/slide13.xml><?xml version="1.0" encoding="utf-8"?>
+<p:sld xmlns:a="http://schemas.openxmlformats.org/drawingml/2006/main" xmlns:r="http://schemas.openxmlformats.org/officeDocument/2006/relationships" xmlns:p="http://schemas.openxmlformats.org/presentationml/2006/main">
+  <p:cSld>
+    <p:spTree>
+      <p:nvGrpSpPr>
+        <p:cNvPr id="1" name=""/>
+        <p:cNvGrpSpPr/>
+        <p:nvPr/>
+      </p:nvGrpSpPr>
+      <p:grpSpPr>
+        <a:xfrm>
+          <a:off x="0" y="0"/>
+          <a:ext cx="0" cy="0"/>
+          <a:chOff x="0" y="0"/>
+          <a:chExt cx="0" cy="0"/>
+        </a:xfrm>
+      </p:grpSpPr>
+      <p:sp>
+        <p:nvSpPr>
+          <p:cNvPr id="2" name="Título 1">
+            <a:extLst>
+              <a:ext uri="{FF2B5EF4-FFF2-40B4-BE49-F238E27FC236}">
+                <a16:creationId xmlns:a16="http://schemas.microsoft.com/office/drawing/2014/main" id="{91145737-DFFB-D292-9B1E-954905CB5740}"/>
+              </a:ext>
+            </a:extLst>
+          </p:cNvPr>
+          <p:cNvSpPr>
+            <a:spLocks noGrp="1"/>
+          </p:cNvSpPr>
+          <p:nvPr>
+            <p:ph type="title"/>
+          </p:nvPr>
+        </p:nvSpPr>
+        <p:spPr/>
+        <p:txBody>
+          <a:bodyPr/>
+          <a:lstStyle/>
+          <a:p>
+            <a:r>
+              <a:rPr lang="pt-BR" dirty="0"/>
+              <a:t>Associação</a:t>
+            </a:r>
+          </a:p>
+        </p:txBody>
+      </p:sp>
+      <p:sp>
+        <p:nvSpPr>
+          <p:cNvPr id="3" name="Espaço Reservado para Conteúdo 2">
+            <a:extLst>
+              <a:ext uri="{FF2B5EF4-FFF2-40B4-BE49-F238E27FC236}">
+                <a16:creationId xmlns:a16="http://schemas.microsoft.com/office/drawing/2014/main" id="{7CA305B3-F734-F12D-746E-4D41140EF8A3}"/>
+              </a:ext>
+            </a:extLst>
+          </p:cNvPr>
+          <p:cNvSpPr>
+            <a:spLocks noGrp="1"/>
+          </p:cNvSpPr>
+          <p:nvPr>
+            <p:ph idx="1"/>
+          </p:nvPr>
+        </p:nvSpPr>
+        <p:spPr/>
+        <p:txBody>
+          <a:bodyPr>
+            <a:normAutofit/>
+          </a:bodyPr>
+          <a:lstStyle/>
+          <a:p>
+            <a:pPr lvl="1"/>
+            <a:r>
+              <a:rPr lang="pt-BR" sz="2400" dirty="0"/>
+              <a:t>Os dados foram transformados para o formato necessário.</a:t>
+            </a:r>
+          </a:p>
+        </p:txBody>
+      </p:sp>
+      <p:pic>
+        <p:nvPicPr>
+          <p:cNvPr id="5" name="Imagem 4">
+            <a:extLst>
+              <a:ext uri="{FF2B5EF4-FFF2-40B4-BE49-F238E27FC236}">
+                <a16:creationId xmlns:a16="http://schemas.microsoft.com/office/drawing/2014/main" id="{81C04305-4218-1DF9-ADA0-EF64E4937774}"/>
+              </a:ext>
+            </a:extLst>
+          </p:cNvPr>
+          <p:cNvPicPr>
+            <a:picLocks noChangeAspect="1"/>
+          </p:cNvPicPr>
+          <p:nvPr/>
+        </p:nvPicPr>
+        <p:blipFill>
+          <a:blip r:embed="rId2">
+            <a:extLst>
+              <a:ext uri="{28A0092B-C50C-407E-A947-70E740481C1C}">
+                <a14:useLocalDpi xmlns:a14="http://schemas.microsoft.com/office/drawing/2010/main" val="0"/>
+              </a:ext>
+            </a:extLst>
+          </a:blip>
+          <a:stretch>
+            <a:fillRect/>
+          </a:stretch>
+        </p:blipFill>
+        <p:spPr>
+          <a:xfrm>
+            <a:off x="3252148" y="2376146"/>
+            <a:ext cx="5687703" cy="3306517"/>
+          </a:xfrm>
+          <a:prstGeom prst="rect">
+            <a:avLst/>
+          </a:prstGeom>
+        </p:spPr>
+      </p:pic>
+    </p:spTree>
+    <p:extLst>
+      <p:ext uri="{BB962C8B-B14F-4D97-AF65-F5344CB8AC3E}">
+        <p14:creationId xmlns:p14="http://schemas.microsoft.com/office/powerpoint/2010/main" val="1776946289"/>
+      </p:ext>
+    </p:extLst>
+  </p:cSld>
+  <p:clrMapOvr>
+    <a:masterClrMapping/>
+  </p:clrMapOvr>
+</p:sld>
+</file>
+
+<file path=ppt/slides/slide14.xml><?xml version="1.0" encoding="utf-8"?>
+<p:sld xmlns:a="http://schemas.openxmlformats.org/drawingml/2006/main" xmlns:r="http://schemas.openxmlformats.org/officeDocument/2006/relationships" xmlns:p="http://schemas.openxmlformats.org/presentationml/2006/main">
+  <p:cSld>
+    <p:spTree>
+      <p:nvGrpSpPr>
+        <p:cNvPr id="1" name=""/>
+        <p:cNvGrpSpPr/>
+        <p:nvPr/>
+      </p:nvGrpSpPr>
+      <p:grpSpPr>
+        <a:xfrm>
+          <a:off x="0" y="0"/>
+          <a:ext cx="0" cy="0"/>
+          <a:chOff x="0" y="0"/>
+          <a:chExt cx="0" cy="0"/>
+        </a:xfrm>
+      </p:grpSpPr>
+      <p:sp>
+        <p:nvSpPr>
+          <p:cNvPr id="2" name="Título 1">
+            <a:extLst>
+              <a:ext uri="{FF2B5EF4-FFF2-40B4-BE49-F238E27FC236}">
+                <a16:creationId xmlns:a16="http://schemas.microsoft.com/office/drawing/2014/main" id="{91145737-DFFB-D292-9B1E-954905CB5740}"/>
+              </a:ext>
+            </a:extLst>
+          </p:cNvPr>
+          <p:cNvSpPr>
+            <a:spLocks noGrp="1"/>
+          </p:cNvSpPr>
+          <p:nvPr>
+            <p:ph type="title"/>
+          </p:nvPr>
+        </p:nvSpPr>
+        <p:spPr/>
+        <p:txBody>
+          <a:bodyPr/>
+          <a:lstStyle/>
+          <a:p>
+            <a:r>
+              <a:rPr lang="pt-BR" dirty="0"/>
+              <a:t>Associação</a:t>
+            </a:r>
+          </a:p>
+        </p:txBody>
+      </p:sp>
+      <p:sp>
+        <p:nvSpPr>
+          <p:cNvPr id="3" name="Espaço Reservado para Conteúdo 2">
+            <a:extLst>
+              <a:ext uri="{FF2B5EF4-FFF2-40B4-BE49-F238E27FC236}">
+                <a16:creationId xmlns:a16="http://schemas.microsoft.com/office/drawing/2014/main" id="{7CA305B3-F734-F12D-746E-4D41140EF8A3}"/>
+              </a:ext>
+            </a:extLst>
+          </p:cNvPr>
+          <p:cNvSpPr>
+            <a:spLocks noGrp="1"/>
+          </p:cNvSpPr>
+          <p:nvPr>
+            <p:ph idx="1"/>
+          </p:nvPr>
+        </p:nvSpPr>
+        <p:spPr/>
+        <p:txBody>
+          <a:bodyPr>
+            <a:normAutofit/>
+          </a:bodyPr>
+          <a:lstStyle/>
+          <a:p>
+            <a:pPr lvl="1"/>
+            <a:r>
+              <a:rPr lang="pt-BR" sz="2400" dirty="0"/>
+              <a:t>O algoritmo de associação escolhido para este trabalho foi o </a:t>
+            </a:r>
+            <a:r>
+              <a:rPr lang="pt-BR" sz="2400" dirty="0" err="1"/>
+              <a:t>Apriori</a:t>
+            </a:r>
+            <a:r>
+              <a:rPr lang="pt-BR" sz="2400" dirty="0"/>
+              <a:t>, visto que os dados disponíveis tem um formato adequado.</a:t>
+            </a:r>
+          </a:p>
+          <a:p>
+            <a:pPr lvl="1"/>
+            <a:r>
+              <a:rPr lang="pt-BR" sz="2400" dirty="0"/>
+              <a:t>Este algoritmo trabalha com dados preferencialmente binários (verdadeiro ou falso). Os dados selecionados são basicamente binários (são definidos como “SIM” e “NÃO”, no caso dos sintomas, e “ÓBITO” e “RECUPERADO”, no caso da evolução do paciente).</a:t>
+            </a:r>
+          </a:p>
+          <a:p>
+            <a:pPr lvl="1"/>
+            <a:r>
+              <a:rPr lang="pt-BR" sz="2400" dirty="0"/>
+              <a:t>O algoritmo funciona com base em podas baseadas em suporte. Os conjuntos são verificados, e se não tem um suporte mínimo são descartados.</a:t>
+            </a:r>
+          </a:p>
+          <a:p>
+            <a:pPr lvl="1"/>
+            <a:endParaRPr lang="pt-BR" sz="2400" dirty="0"/>
+          </a:p>
+        </p:txBody>
+      </p:sp>
+    </p:spTree>
+    <p:extLst>
+      <p:ext uri="{BB962C8B-B14F-4D97-AF65-F5344CB8AC3E}">
+        <p14:creationId xmlns:p14="http://schemas.microsoft.com/office/powerpoint/2010/main" val="821794116"/>
+      </p:ext>
+    </p:extLst>
+  </p:cSld>
+  <p:clrMapOvr>
+    <a:masterClrMapping/>
+  </p:clrMapOvr>
+</p:sld>
+</file>
+
+<file path=ppt/slides/slide15.xml><?xml version="1.0" encoding="utf-8"?>
+<p:sld xmlns:a="http://schemas.openxmlformats.org/drawingml/2006/main" xmlns:r="http://schemas.openxmlformats.org/officeDocument/2006/relationships" xmlns:p="http://schemas.openxmlformats.org/presentationml/2006/main">
+  <p:cSld>
+    <p:spTree>
+      <p:nvGrpSpPr>
+        <p:cNvPr id="1" name=""/>
+        <p:cNvGrpSpPr/>
+        <p:nvPr/>
+      </p:nvGrpSpPr>
+      <p:grpSpPr>
+        <a:xfrm>
+          <a:off x="0" y="0"/>
+          <a:ext cx="0" cy="0"/>
+          <a:chOff x="0" y="0"/>
+          <a:chExt cx="0" cy="0"/>
+        </a:xfrm>
+      </p:grpSpPr>
+      <p:sp>
+        <p:nvSpPr>
+          <p:cNvPr id="2" name="Título 1">
+            <a:extLst>
+              <a:ext uri="{FF2B5EF4-FFF2-40B4-BE49-F238E27FC236}">
+                <a16:creationId xmlns:a16="http://schemas.microsoft.com/office/drawing/2014/main" id="{91145737-DFFB-D292-9B1E-954905CB5740}"/>
+              </a:ext>
+            </a:extLst>
+          </p:cNvPr>
+          <p:cNvSpPr>
+            <a:spLocks noGrp="1"/>
+          </p:cNvSpPr>
+          <p:nvPr>
+            <p:ph type="title"/>
+          </p:nvPr>
+        </p:nvSpPr>
+        <p:spPr/>
+        <p:txBody>
+          <a:bodyPr/>
+          <a:lstStyle/>
+          <a:p>
+            <a:r>
+              <a:rPr lang="pt-BR" dirty="0" err="1"/>
+              <a:t>Apriori</a:t>
+            </a:r>
+            <a:endParaRPr lang="pt-BR" dirty="0"/>
+          </a:p>
+        </p:txBody>
+      </p:sp>
+      <p:sp>
+        <p:nvSpPr>
+          <p:cNvPr id="3" name="Espaço Reservado para Conteúdo 2">
+            <a:extLst>
+              <a:ext uri="{FF2B5EF4-FFF2-40B4-BE49-F238E27FC236}">
+                <a16:creationId xmlns:a16="http://schemas.microsoft.com/office/drawing/2014/main" id="{7CA305B3-F734-F12D-746E-4D41140EF8A3}"/>
+              </a:ext>
+            </a:extLst>
+          </p:cNvPr>
+          <p:cNvSpPr>
+            <a:spLocks noGrp="1"/>
+          </p:cNvSpPr>
+          <p:nvPr>
+            <p:ph idx="1"/>
+          </p:nvPr>
+        </p:nvSpPr>
+        <p:spPr/>
+        <p:txBody>
+          <a:bodyPr>
+            <a:normAutofit/>
+          </a:bodyPr>
+          <a:lstStyle/>
+          <a:p>
+            <a:pPr lvl="1"/>
+            <a:r>
+              <a:rPr lang="pt-BR" sz="2400" dirty="0"/>
+              <a:t>O algoritmo </a:t>
+            </a:r>
+            <a:r>
+              <a:rPr lang="pt-BR" sz="2400" dirty="0" err="1"/>
+              <a:t>Apriori</a:t>
+            </a:r>
+            <a:r>
+              <a:rPr lang="pt-BR" sz="2400" dirty="0"/>
+              <a:t> (da biblioteca </a:t>
+            </a:r>
+            <a:r>
+              <a:rPr lang="pt-BR" sz="2400" dirty="0" err="1"/>
+              <a:t>Arules</a:t>
+            </a:r>
+            <a:r>
+              <a:rPr lang="pt-BR" sz="2400" dirty="0"/>
+              <a:t> da linguagem R) foi utilizado.</a:t>
+            </a:r>
+          </a:p>
+          <a:p>
+            <a:pPr lvl="1"/>
+            <a:r>
+              <a:rPr lang="pt-BR" sz="2400" dirty="0"/>
+              <a:t>Rodando o algoritmo com suporte mínimo como 0.1 e filtrando o </a:t>
+            </a:r>
+            <a:r>
+              <a:rPr lang="pt-BR" sz="2400" dirty="0" err="1"/>
+              <a:t>rhs</a:t>
+            </a:r>
+            <a:r>
+              <a:rPr lang="pt-BR" sz="2400" dirty="0"/>
+              <a:t> para a evolução do paciente não cria-se regras com a evolução sendo óbito.</a:t>
+            </a:r>
+          </a:p>
+          <a:p>
+            <a:pPr lvl="1"/>
+            <a:r>
+              <a:rPr lang="pt-BR" sz="2400" dirty="0"/>
+              <a:t>Apenas diminuindo mais o suporte mínimo que é possível gerar as regras para investigar os sintomas dos pacientes que foram a óbito </a:t>
+            </a:r>
+          </a:p>
+          <a:p>
+            <a:pPr lvl="1"/>
+            <a:endParaRPr lang="pt-BR" sz="2400" dirty="0"/>
+          </a:p>
+          <a:p>
+            <a:pPr marL="201168" lvl="1" indent="0">
+              <a:buNone/>
+            </a:pPr>
+            <a:endParaRPr lang="pt-BR" sz="2400" dirty="0"/>
+          </a:p>
+        </p:txBody>
+      </p:sp>
+    </p:spTree>
+    <p:extLst>
+      <p:ext uri="{BB962C8B-B14F-4D97-AF65-F5344CB8AC3E}">
+        <p14:creationId xmlns:p14="http://schemas.microsoft.com/office/powerpoint/2010/main" val="2470230781"/>
+      </p:ext>
+    </p:extLst>
+  </p:cSld>
+  <p:clrMapOvr>
+    <a:masterClrMapping/>
+  </p:clrMapOvr>
+</p:sld>
+</file>
+
+<file path=ppt/slides/slide16.xml><?xml version="1.0" encoding="utf-8"?>
+<p:sld xmlns:a="http://schemas.openxmlformats.org/drawingml/2006/main" xmlns:r="http://schemas.openxmlformats.org/officeDocument/2006/relationships" xmlns:p="http://schemas.openxmlformats.org/presentationml/2006/main">
+  <p:cSld>
+    <p:spTree>
+      <p:nvGrpSpPr>
+        <p:cNvPr id="1" name=""/>
+        <p:cNvGrpSpPr/>
+        <p:nvPr/>
+      </p:nvGrpSpPr>
+      <p:grpSpPr>
+        <a:xfrm>
+          <a:off x="0" y="0"/>
+          <a:ext cx="0" cy="0"/>
+          <a:chOff x="0" y="0"/>
+          <a:chExt cx="0" cy="0"/>
+        </a:xfrm>
+      </p:grpSpPr>
+      <p:sp>
+        <p:nvSpPr>
+          <p:cNvPr id="2" name="Título 1">
+            <a:extLst>
+              <a:ext uri="{FF2B5EF4-FFF2-40B4-BE49-F238E27FC236}">
+                <a16:creationId xmlns:a16="http://schemas.microsoft.com/office/drawing/2014/main" id="{91145737-DFFB-D292-9B1E-954905CB5740}"/>
+              </a:ext>
+            </a:extLst>
+          </p:cNvPr>
+          <p:cNvSpPr>
+            <a:spLocks noGrp="1"/>
+          </p:cNvSpPr>
+          <p:nvPr>
+            <p:ph type="title"/>
+          </p:nvPr>
+        </p:nvSpPr>
+        <p:spPr/>
+        <p:txBody>
+          <a:bodyPr/>
+          <a:lstStyle/>
+          <a:p>
+            <a:r>
+              <a:rPr lang="pt-BR" dirty="0" err="1"/>
+              <a:t>Apriori</a:t>
+            </a:r>
+            <a:endParaRPr lang="pt-BR" dirty="0"/>
+          </a:p>
+        </p:txBody>
+      </p:sp>
+      <p:sp>
+        <p:nvSpPr>
+          <p:cNvPr id="3" name="Espaço Reservado para Conteúdo 2">
+            <a:extLst>
+              <a:ext uri="{FF2B5EF4-FFF2-40B4-BE49-F238E27FC236}">
+                <a16:creationId xmlns:a16="http://schemas.microsoft.com/office/drawing/2014/main" id="{7CA305B3-F734-F12D-746E-4D41140EF8A3}"/>
+              </a:ext>
+            </a:extLst>
+          </p:cNvPr>
+          <p:cNvSpPr>
+            <a:spLocks noGrp="1"/>
+          </p:cNvSpPr>
+          <p:nvPr>
+            <p:ph idx="1"/>
+          </p:nvPr>
+        </p:nvSpPr>
+        <p:spPr/>
+        <p:txBody>
+          <a:bodyPr>
+            <a:normAutofit/>
+          </a:bodyPr>
+          <a:lstStyle/>
+          <a:p>
+            <a:pPr lvl="1"/>
+            <a:r>
+              <a:rPr lang="pt-BR" sz="2400" dirty="0"/>
+              <a:t>O algoritmo </a:t>
+            </a:r>
+            <a:r>
+              <a:rPr lang="pt-BR" sz="2400" dirty="0" err="1"/>
+              <a:t>Apriori</a:t>
+            </a:r>
+            <a:r>
+              <a:rPr lang="pt-BR" sz="2400" dirty="0"/>
+              <a:t>, da biblioteca </a:t>
+            </a:r>
+            <a:r>
+              <a:rPr lang="pt-BR" sz="2400" dirty="0" err="1"/>
+              <a:t>Arules</a:t>
+            </a:r>
+            <a:r>
+              <a:rPr lang="pt-BR" sz="2400" dirty="0"/>
+              <a:t> da linguagem R, foi empregado nesta análise.</a:t>
+            </a:r>
+          </a:p>
+          <a:p>
+            <a:pPr lvl="1"/>
+            <a:r>
+              <a:rPr lang="pt-BR" sz="2400" dirty="0"/>
+              <a:t>Configuração inicial:</a:t>
+            </a:r>
+          </a:p>
+          <a:p>
+            <a:pPr lvl="2"/>
+            <a:r>
+              <a:rPr lang="pt-BR" sz="2000" dirty="0"/>
+              <a:t>Suporte Mínimo: Inicialmente definido como 0.1.</a:t>
+            </a:r>
+          </a:p>
+          <a:p>
+            <a:pPr lvl="2"/>
+            <a:r>
+              <a:rPr lang="pt-BR" sz="2000" dirty="0"/>
+              <a:t>Apenas regras com a evolução do paciente no lado direito (</a:t>
+            </a:r>
+            <a:r>
+              <a:rPr lang="pt-BR" sz="2000" dirty="0" err="1"/>
+              <a:t>rhs</a:t>
+            </a:r>
+            <a:r>
+              <a:rPr lang="pt-BR" sz="2000" dirty="0"/>
+              <a:t>) foram consideradas.</a:t>
+            </a:r>
+          </a:p>
+          <a:p>
+            <a:pPr lvl="1"/>
+            <a:r>
+              <a:rPr lang="pt-BR" sz="2400" dirty="0"/>
+              <a:t>Notou-se que nenhuma regra foi gerada onde o paciente tinha como evolução “Óbito”.</a:t>
+            </a:r>
+          </a:p>
+          <a:p>
+            <a:pPr lvl="1"/>
+            <a:r>
+              <a:rPr lang="pt-BR" sz="2400" dirty="0"/>
+              <a:t>Isto acontece devido a quantidade de casos nos quais a evolução é “Recuperado” ser muito maior que a de óbitos.</a:t>
+            </a:r>
+          </a:p>
+          <a:p>
+            <a:pPr lvl="1"/>
+            <a:endParaRPr lang="pt-BR" sz="2400" dirty="0"/>
+          </a:p>
+          <a:p>
+            <a:pPr marL="201168" lvl="1" indent="0">
+              <a:buNone/>
+            </a:pPr>
+            <a:endParaRPr lang="pt-BR" sz="2400" dirty="0"/>
+          </a:p>
+        </p:txBody>
+      </p:sp>
+    </p:spTree>
+    <p:extLst>
+      <p:ext uri="{BB962C8B-B14F-4D97-AF65-F5344CB8AC3E}">
+        <p14:creationId xmlns:p14="http://schemas.microsoft.com/office/powerpoint/2010/main" val="3116928942"/>
+      </p:ext>
+    </p:extLst>
+  </p:cSld>
+  <p:clrMapOvr>
+    <a:masterClrMapping/>
+  </p:clrMapOvr>
+</p:sld>
+</file>
+
+<file path=ppt/slides/slide17.xml><?xml version="1.0" encoding="utf-8"?>
+<p:sld xmlns:a="http://schemas.openxmlformats.org/drawingml/2006/main" xmlns:r="http://schemas.openxmlformats.org/officeDocument/2006/relationships" xmlns:p="http://schemas.openxmlformats.org/presentationml/2006/main">
+  <p:cSld>
+    <p:spTree>
+      <p:nvGrpSpPr>
+        <p:cNvPr id="1" name=""/>
+        <p:cNvGrpSpPr/>
+        <p:nvPr/>
+      </p:nvGrpSpPr>
+      <p:grpSpPr>
+        <a:xfrm>
+          <a:off x="0" y="0"/>
+          <a:ext cx="0" cy="0"/>
+          <a:chOff x="0" y="0"/>
+          <a:chExt cx="0" cy="0"/>
+        </a:xfrm>
+      </p:grpSpPr>
+      <p:sp>
+        <p:nvSpPr>
+          <p:cNvPr id="2" name="Título 1">
+            <a:extLst>
+              <a:ext uri="{FF2B5EF4-FFF2-40B4-BE49-F238E27FC236}">
+                <a16:creationId xmlns:a16="http://schemas.microsoft.com/office/drawing/2014/main" id="{91145737-DFFB-D292-9B1E-954905CB5740}"/>
+              </a:ext>
+            </a:extLst>
+          </p:cNvPr>
+          <p:cNvSpPr>
+            <a:spLocks noGrp="1"/>
+          </p:cNvSpPr>
+          <p:nvPr>
+            <p:ph type="title"/>
+          </p:nvPr>
+        </p:nvSpPr>
+        <p:spPr/>
+        <p:txBody>
+          <a:bodyPr/>
+          <a:lstStyle/>
+          <a:p>
+            <a:r>
+              <a:rPr lang="pt-BR" dirty="0" err="1"/>
+              <a:t>Apriori</a:t>
+            </a:r>
+            <a:endParaRPr lang="pt-BR" dirty="0"/>
+          </a:p>
+        </p:txBody>
+      </p:sp>
+      <p:sp>
+        <p:nvSpPr>
+          <p:cNvPr id="3" name="Espaço Reservado para Conteúdo 2">
+            <a:extLst>
+              <a:ext uri="{FF2B5EF4-FFF2-40B4-BE49-F238E27FC236}">
+                <a16:creationId xmlns:a16="http://schemas.microsoft.com/office/drawing/2014/main" id="{7CA305B3-F734-F12D-746E-4D41140EF8A3}"/>
+              </a:ext>
+            </a:extLst>
+          </p:cNvPr>
+          <p:cNvSpPr>
+            <a:spLocks noGrp="1"/>
+          </p:cNvSpPr>
+          <p:nvPr>
+            <p:ph idx="1"/>
+          </p:nvPr>
+        </p:nvSpPr>
+        <p:spPr/>
+        <p:txBody>
+          <a:bodyPr>
+            <a:normAutofit/>
+          </a:bodyPr>
+          <a:lstStyle/>
+          <a:p>
+            <a:pPr lvl="1"/>
+            <a:r>
+              <a:rPr lang="pt-BR" sz="2400" dirty="0"/>
+              <a:t>Como o desbalanceamento nos tipos de evolução dos casos impactou na geração de regras associativas foram feitas duas abordagens:</a:t>
+            </a:r>
+          </a:p>
+          <a:p>
+            <a:pPr marL="658368" lvl="1" indent="-457200">
+              <a:buFont typeface="+mj-lt"/>
+              <a:buAutoNum type="arabicPeriod"/>
+            </a:pPr>
+            <a:r>
+              <a:rPr lang="pt-BR" sz="2400" dirty="0"/>
+              <a:t>Ignorar todos os casos onde a evolução do paciente foi “Recuperado”.</a:t>
+            </a:r>
+          </a:p>
+          <a:p>
+            <a:pPr marL="658368" lvl="1" indent="-457200">
+              <a:buFont typeface="+mj-lt"/>
+              <a:buAutoNum type="arabicPeriod"/>
+            </a:pPr>
+            <a:r>
+              <a:rPr lang="pt-BR" sz="2400" dirty="0"/>
+              <a:t>“Balancear” o </a:t>
+            </a:r>
+            <a:r>
+              <a:rPr lang="pt-BR" sz="2400" i="1" dirty="0" err="1"/>
+              <a:t>dataset</a:t>
+            </a:r>
+            <a:r>
+              <a:rPr lang="pt-BR" sz="2400" i="1" dirty="0"/>
+              <a:t>.</a:t>
+            </a:r>
+          </a:p>
+          <a:p>
+            <a:pPr lvl="1"/>
+            <a:r>
+              <a:rPr lang="pt-BR" sz="2400" dirty="0"/>
+              <a:t>Ambas alternativas foram utilizadas.</a:t>
+            </a:r>
+          </a:p>
+        </p:txBody>
+      </p:sp>
+    </p:spTree>
+    <p:extLst>
+      <p:ext uri="{BB962C8B-B14F-4D97-AF65-F5344CB8AC3E}">
+        <p14:creationId xmlns:p14="http://schemas.microsoft.com/office/powerpoint/2010/main" val="3928856018"/>
+      </p:ext>
+    </p:extLst>
+  </p:cSld>
+  <p:clrMapOvr>
+    <a:masterClrMapping/>
+  </p:clrMapOvr>
+</p:sld>
+</file>
+
+<file path=ppt/slides/slide18.xml><?xml version="1.0" encoding="utf-8"?>
+<p:sld xmlns:a="http://schemas.openxmlformats.org/drawingml/2006/main" xmlns:r="http://schemas.openxmlformats.org/officeDocument/2006/relationships" xmlns:p="http://schemas.openxmlformats.org/presentationml/2006/main">
+  <p:cSld>
+    <p:spTree>
+      <p:nvGrpSpPr>
+        <p:cNvPr id="1" name=""/>
+        <p:cNvGrpSpPr/>
+        <p:nvPr/>
+      </p:nvGrpSpPr>
+      <p:grpSpPr>
+        <a:xfrm>
+          <a:off x="0" y="0"/>
+          <a:ext cx="0" cy="0"/>
+          <a:chOff x="0" y="0"/>
+          <a:chExt cx="0" cy="0"/>
+        </a:xfrm>
+      </p:grpSpPr>
+      <p:sp>
+        <p:nvSpPr>
+          <p:cNvPr id="2" name="Título 1">
+            <a:extLst>
+              <a:ext uri="{FF2B5EF4-FFF2-40B4-BE49-F238E27FC236}">
+                <a16:creationId xmlns:a16="http://schemas.microsoft.com/office/drawing/2014/main" id="{91145737-DFFB-D292-9B1E-954905CB5740}"/>
+              </a:ext>
+            </a:extLst>
+          </p:cNvPr>
+          <p:cNvSpPr>
+            <a:spLocks noGrp="1"/>
+          </p:cNvSpPr>
+          <p:nvPr>
+            <p:ph type="title"/>
+          </p:nvPr>
+        </p:nvSpPr>
+        <p:spPr/>
+        <p:txBody>
+          <a:bodyPr/>
+          <a:lstStyle/>
+          <a:p>
+            <a:r>
+              <a:rPr lang="pt-BR" dirty="0" err="1"/>
+              <a:t>Apriori</a:t>
+            </a:r>
+            <a:endParaRPr lang="pt-BR" dirty="0"/>
+          </a:p>
+        </p:txBody>
+      </p:sp>
+      <p:pic>
+        <p:nvPicPr>
+          <p:cNvPr id="5" name="Espaço Reservado para Conteúdo 4">
+            <a:extLst>
+              <a:ext uri="{FF2B5EF4-FFF2-40B4-BE49-F238E27FC236}">
+                <a16:creationId xmlns:a16="http://schemas.microsoft.com/office/drawing/2014/main" id="{EABB033F-D93F-EBF0-6523-B1A37B7D7E6B}"/>
+              </a:ext>
+            </a:extLst>
+          </p:cNvPr>
+          <p:cNvPicPr>
+            <a:picLocks noGrp="1" noChangeAspect="1"/>
+          </p:cNvPicPr>
+          <p:nvPr>
+            <p:ph idx="1"/>
+          </p:nvPr>
+        </p:nvPicPr>
+        <p:blipFill>
+          <a:blip r:embed="rId2">
+            <a:extLst>
+              <a:ext uri="{28A0092B-C50C-407E-A947-70E740481C1C}">
+                <a14:useLocalDpi xmlns:a14="http://schemas.microsoft.com/office/drawing/2010/main" val="0"/>
+              </a:ext>
+            </a:extLst>
+          </a:blip>
+          <a:stretch>
+            <a:fillRect/>
+          </a:stretch>
+        </p:blipFill>
+        <p:spPr>
+          <a:xfrm>
+            <a:off x="1097280" y="2012536"/>
+            <a:ext cx="10058400" cy="3210784"/>
+          </a:xfrm>
+        </p:spPr>
+      </p:pic>
+      <p:sp>
+        <p:nvSpPr>
+          <p:cNvPr id="6" name="CaixaDeTexto 5">
+            <a:extLst>
+              <a:ext uri="{FF2B5EF4-FFF2-40B4-BE49-F238E27FC236}">
+                <a16:creationId xmlns:a16="http://schemas.microsoft.com/office/drawing/2014/main" id="{59F8CDE8-7972-7B4B-E321-1809C189855C}"/>
+              </a:ext>
+            </a:extLst>
+          </p:cNvPr>
+          <p:cNvSpPr txBox="1"/>
+          <p:nvPr/>
+        </p:nvSpPr>
+        <p:spPr>
+          <a:xfrm>
+            <a:off x="2871046" y="5370990"/>
+            <a:ext cx="6449907" cy="646331"/>
+          </a:xfrm>
+          <a:prstGeom prst="rect">
+            <a:avLst/>
+          </a:prstGeom>
+          <a:noFill/>
+        </p:spPr>
+        <p:txBody>
+          <a:bodyPr wrap="none" rtlCol="0">
+            <a:spAutoFit/>
+          </a:bodyPr>
+          <a:lstStyle/>
+          <a:p>
+            <a:r>
+              <a:rPr lang="pt-BR" dirty="0"/>
+              <a:t>Regras geradas omitindo os casos onde a evolução é “Recuperado”</a:t>
+            </a:r>
+          </a:p>
+          <a:p>
+            <a:pPr algn="ctr"/>
+            <a:r>
+              <a:rPr lang="pt-BR" dirty="0"/>
+              <a:t>(Suporte mínimo foi configurado como 0.5)</a:t>
+            </a:r>
+          </a:p>
+        </p:txBody>
+      </p:sp>
+    </p:spTree>
+    <p:extLst>
+      <p:ext uri="{BB962C8B-B14F-4D97-AF65-F5344CB8AC3E}">
+        <p14:creationId xmlns:p14="http://schemas.microsoft.com/office/powerpoint/2010/main" val="4011331106"/>
+      </p:ext>
+    </p:extLst>
+  </p:cSld>
+  <p:clrMapOvr>
+    <a:masterClrMapping/>
+  </p:clrMapOvr>
+</p:sld>
+</file>
+
+<file path=ppt/slides/slide19.xml><?xml version="1.0" encoding="utf-8"?>
+<p:sld xmlns:a="http://schemas.openxmlformats.org/drawingml/2006/main" xmlns:r="http://schemas.openxmlformats.org/officeDocument/2006/relationships" xmlns:p="http://schemas.openxmlformats.org/presentationml/2006/main">
+  <p:cSld>
+    <p:spTree>
+      <p:nvGrpSpPr>
+        <p:cNvPr id="1" name=""/>
+        <p:cNvGrpSpPr/>
+        <p:nvPr/>
+      </p:nvGrpSpPr>
+      <p:grpSpPr>
+        <a:xfrm>
+          <a:off x="0" y="0"/>
+          <a:ext cx="0" cy="0"/>
+          <a:chOff x="0" y="0"/>
+          <a:chExt cx="0" cy="0"/>
+        </a:xfrm>
+      </p:grpSpPr>
+      <p:sp>
+        <p:nvSpPr>
+          <p:cNvPr id="2" name="Título 1">
+            <a:extLst>
+              <a:ext uri="{FF2B5EF4-FFF2-40B4-BE49-F238E27FC236}">
+                <a16:creationId xmlns:a16="http://schemas.microsoft.com/office/drawing/2014/main" id="{91145737-DFFB-D292-9B1E-954905CB5740}"/>
+              </a:ext>
+            </a:extLst>
+          </p:cNvPr>
+          <p:cNvSpPr>
+            <a:spLocks noGrp="1"/>
+          </p:cNvSpPr>
+          <p:nvPr>
+            <p:ph type="title"/>
+          </p:nvPr>
+        </p:nvSpPr>
+        <p:spPr/>
+        <p:txBody>
+          <a:bodyPr/>
+          <a:lstStyle/>
+          <a:p>
+            <a:r>
+              <a:rPr lang="pt-BR" dirty="0" err="1"/>
+              <a:t>Apriori</a:t>
+            </a:r>
+            <a:r>
+              <a:rPr lang="pt-BR" dirty="0"/>
+              <a:t>: </a:t>
+            </a:r>
+            <a:r>
+              <a:rPr lang="pt-BR" i="1" dirty="0" err="1"/>
+              <a:t>dataset</a:t>
+            </a:r>
+            <a:r>
+              <a:rPr lang="pt-BR" i="1" dirty="0"/>
+              <a:t> </a:t>
+            </a:r>
+            <a:r>
+              <a:rPr lang="pt-BR" dirty="0"/>
+              <a:t>balanceado</a:t>
+            </a:r>
+          </a:p>
+        </p:txBody>
+      </p:sp>
+      <p:sp>
+        <p:nvSpPr>
+          <p:cNvPr id="3" name="Espaço Reservado para Conteúdo 2">
+            <a:extLst>
+              <a:ext uri="{FF2B5EF4-FFF2-40B4-BE49-F238E27FC236}">
+                <a16:creationId xmlns:a16="http://schemas.microsoft.com/office/drawing/2014/main" id="{7CA305B3-F734-F12D-746E-4D41140EF8A3}"/>
+              </a:ext>
+            </a:extLst>
+          </p:cNvPr>
+          <p:cNvSpPr>
+            <a:spLocks noGrp="1"/>
+          </p:cNvSpPr>
+          <p:nvPr>
+            <p:ph idx="1"/>
+          </p:nvPr>
+        </p:nvSpPr>
+        <p:spPr/>
+        <p:txBody>
+          <a:bodyPr>
+            <a:normAutofit/>
+          </a:bodyPr>
+          <a:lstStyle/>
+          <a:p>
+            <a:pPr lvl="1"/>
+            <a:r>
+              <a:rPr lang="pt-BR" sz="2400" dirty="0"/>
+              <a:t>O “Balanceamento” do conjunto de dados foi realizado juntando a totalidade dos dados nos quais a evolução é óbito com uma amostra do mesmo tamanho de dados de evolução recuperado.</a:t>
+            </a:r>
+          </a:p>
+        </p:txBody>
+      </p:sp>
+      <p:pic>
+        <p:nvPicPr>
+          <p:cNvPr id="5" name="Imagem 4">
+            <a:extLst>
+              <a:ext uri="{FF2B5EF4-FFF2-40B4-BE49-F238E27FC236}">
+                <a16:creationId xmlns:a16="http://schemas.microsoft.com/office/drawing/2014/main" id="{28CF61DC-6B16-BFEC-93E0-ACD159EB9FB7}"/>
+              </a:ext>
+            </a:extLst>
+          </p:cNvPr>
+          <p:cNvPicPr>
+            <a:picLocks noChangeAspect="1"/>
+          </p:cNvPicPr>
+          <p:nvPr/>
+        </p:nvPicPr>
+        <p:blipFill>
+          <a:blip r:embed="rId2">
+            <a:extLst>
+              <a:ext uri="{28A0092B-C50C-407E-A947-70E740481C1C}">
+                <a14:useLocalDpi xmlns:a14="http://schemas.microsoft.com/office/drawing/2010/main" val="0"/>
+              </a:ext>
+            </a:extLst>
+          </a:blip>
+          <a:stretch>
+            <a:fillRect/>
+          </a:stretch>
+        </p:blipFill>
+        <p:spPr>
+          <a:xfrm>
+            <a:off x="1474820" y="3747229"/>
+            <a:ext cx="9242359" cy="875936"/>
+          </a:xfrm>
+          <a:prstGeom prst="rect">
+            <a:avLst/>
+          </a:prstGeom>
+        </p:spPr>
+      </p:pic>
+      <p:sp>
+        <p:nvSpPr>
+          <p:cNvPr id="6" name="CaixaDeTexto 5">
+            <a:extLst>
+              <a:ext uri="{FF2B5EF4-FFF2-40B4-BE49-F238E27FC236}">
+                <a16:creationId xmlns:a16="http://schemas.microsoft.com/office/drawing/2014/main" id="{95EC8490-2313-977B-8EB7-C83CBD2CB8BF}"/>
+              </a:ext>
+            </a:extLst>
+          </p:cNvPr>
+          <p:cNvSpPr txBox="1"/>
+          <p:nvPr/>
+        </p:nvSpPr>
+        <p:spPr>
+          <a:xfrm>
+            <a:off x="3605926" y="4731539"/>
+            <a:ext cx="4980146" cy="646331"/>
+          </a:xfrm>
+          <a:prstGeom prst="rect">
+            <a:avLst/>
+          </a:prstGeom>
+          <a:noFill/>
+        </p:spPr>
+        <p:txBody>
+          <a:bodyPr wrap="none" rtlCol="0">
+            <a:spAutoFit/>
+          </a:bodyPr>
+          <a:lstStyle/>
+          <a:p>
+            <a:r>
+              <a:rPr lang="pt-BR" dirty="0"/>
+              <a:t>Número de regras geradas com diferentes suportes</a:t>
+            </a:r>
+          </a:p>
+          <a:p>
+            <a:pPr algn="ctr"/>
+            <a:r>
+              <a:rPr lang="pt-BR" dirty="0"/>
+              <a:t>(e confiança 0.8)</a:t>
+            </a:r>
+          </a:p>
+        </p:txBody>
+      </p:sp>
+    </p:spTree>
+    <p:extLst>
+      <p:ext uri="{BB962C8B-B14F-4D97-AF65-F5344CB8AC3E}">
+        <p14:creationId xmlns:p14="http://schemas.microsoft.com/office/powerpoint/2010/main" val="2803845670"/>
+      </p:ext>
+    </p:extLst>
+  </p:cSld>
+  <p:clrMapOvr>
+    <a:masterClrMapping/>
+  </p:clrMapOvr>
+</p:sld>
+</file>
+
 <file path=ppt/slides/slide2.xml><?xml version="1.0" encoding="utf-8"?>
 <p:sld xmlns:a="http://schemas.openxmlformats.org/drawingml/2006/main" xmlns:r="http://schemas.openxmlformats.org/officeDocument/2006/relationships" xmlns:p="http://schemas.openxmlformats.org/presentationml/2006/main">
   <p:cSld>
@@ -4462,6 +5457,870 @@
     <p:extLst>
       <p:ext uri="{BB962C8B-B14F-4D97-AF65-F5344CB8AC3E}">
         <p14:creationId xmlns:p14="http://schemas.microsoft.com/office/powerpoint/2010/main" val="2907347114"/>
+      </p:ext>
+    </p:extLst>
+  </p:cSld>
+  <p:clrMapOvr>
+    <a:masterClrMapping/>
+  </p:clrMapOvr>
+</p:sld>
+</file>
+
+<file path=ppt/slides/slide20.xml><?xml version="1.0" encoding="utf-8"?>
+<p:sld xmlns:a="http://schemas.openxmlformats.org/drawingml/2006/main" xmlns:r="http://schemas.openxmlformats.org/officeDocument/2006/relationships" xmlns:p="http://schemas.openxmlformats.org/presentationml/2006/main">
+  <p:cSld>
+    <p:spTree>
+      <p:nvGrpSpPr>
+        <p:cNvPr id="1" name=""/>
+        <p:cNvGrpSpPr/>
+        <p:nvPr/>
+      </p:nvGrpSpPr>
+      <p:grpSpPr>
+        <a:xfrm>
+          <a:off x="0" y="0"/>
+          <a:ext cx="0" cy="0"/>
+          <a:chOff x="0" y="0"/>
+          <a:chExt cx="0" cy="0"/>
+        </a:xfrm>
+      </p:grpSpPr>
+      <p:sp>
+        <p:nvSpPr>
+          <p:cNvPr id="2" name="Título 1">
+            <a:extLst>
+              <a:ext uri="{FF2B5EF4-FFF2-40B4-BE49-F238E27FC236}">
+                <a16:creationId xmlns:a16="http://schemas.microsoft.com/office/drawing/2014/main" id="{91145737-DFFB-D292-9B1E-954905CB5740}"/>
+              </a:ext>
+            </a:extLst>
+          </p:cNvPr>
+          <p:cNvSpPr>
+            <a:spLocks noGrp="1"/>
+          </p:cNvSpPr>
+          <p:nvPr>
+            <p:ph type="title"/>
+          </p:nvPr>
+        </p:nvSpPr>
+        <p:spPr/>
+        <p:txBody>
+          <a:bodyPr/>
+          <a:lstStyle/>
+          <a:p>
+            <a:r>
+              <a:rPr lang="pt-BR" dirty="0" err="1"/>
+              <a:t>Apriori</a:t>
+            </a:r>
+            <a:r>
+              <a:rPr lang="pt-BR" dirty="0"/>
+              <a:t>: </a:t>
+            </a:r>
+            <a:r>
+              <a:rPr lang="pt-BR" i="1" dirty="0" err="1"/>
+              <a:t>dataset</a:t>
+            </a:r>
+            <a:r>
+              <a:rPr lang="pt-BR" i="1" dirty="0"/>
+              <a:t> </a:t>
+            </a:r>
+            <a:r>
+              <a:rPr lang="pt-BR" dirty="0"/>
+              <a:t>balanceado</a:t>
+            </a:r>
+          </a:p>
+        </p:txBody>
+      </p:sp>
+      <p:pic>
+        <p:nvPicPr>
+          <p:cNvPr id="5" name="Espaço Reservado para Conteúdo 4">
+            <a:extLst>
+              <a:ext uri="{FF2B5EF4-FFF2-40B4-BE49-F238E27FC236}">
+                <a16:creationId xmlns:a16="http://schemas.microsoft.com/office/drawing/2014/main" id="{ABE8A219-9642-61C7-4A79-DD0FD1850C85}"/>
+              </a:ext>
+            </a:extLst>
+          </p:cNvPr>
+          <p:cNvPicPr>
+            <a:picLocks noGrp="1" noChangeAspect="1"/>
+          </p:cNvPicPr>
+          <p:nvPr>
+            <p:ph idx="1"/>
+          </p:nvPr>
+        </p:nvPicPr>
+        <p:blipFill>
+          <a:blip r:embed="rId2">
+            <a:extLst>
+              <a:ext uri="{28A0092B-C50C-407E-A947-70E740481C1C}">
+                <a14:useLocalDpi xmlns:a14="http://schemas.microsoft.com/office/drawing/2010/main" val="0"/>
+              </a:ext>
+            </a:extLst>
+          </a:blip>
+          <a:stretch>
+            <a:fillRect/>
+          </a:stretch>
+        </p:blipFill>
+        <p:spPr>
+          <a:xfrm>
+            <a:off x="1097280" y="2116056"/>
+            <a:ext cx="10058400" cy="2914969"/>
+          </a:xfrm>
+        </p:spPr>
+      </p:pic>
+      <p:sp>
+        <p:nvSpPr>
+          <p:cNvPr id="6" name="CaixaDeTexto 5">
+            <a:extLst>
+              <a:ext uri="{FF2B5EF4-FFF2-40B4-BE49-F238E27FC236}">
+                <a16:creationId xmlns:a16="http://schemas.microsoft.com/office/drawing/2014/main" id="{A41145E2-8D2E-AFDF-6881-C9F0347C3AA1}"/>
+              </a:ext>
+            </a:extLst>
+          </p:cNvPr>
+          <p:cNvSpPr txBox="1"/>
+          <p:nvPr/>
+        </p:nvSpPr>
+        <p:spPr>
+          <a:xfrm>
+            <a:off x="3974874" y="5086555"/>
+            <a:ext cx="4242252" cy="646331"/>
+          </a:xfrm>
+          <a:prstGeom prst="rect">
+            <a:avLst/>
+          </a:prstGeom>
+          <a:noFill/>
+        </p:spPr>
+        <p:txBody>
+          <a:bodyPr wrap="none" rtlCol="0">
+            <a:spAutoFit/>
+          </a:bodyPr>
+          <a:lstStyle/>
+          <a:p>
+            <a:r>
+              <a:rPr lang="pt-BR" dirty="0"/>
+              <a:t>Regras geradas com o conjunto balanceado</a:t>
+            </a:r>
+          </a:p>
+          <a:p>
+            <a:pPr algn="ctr"/>
+            <a:r>
+              <a:rPr lang="pt-BR" dirty="0"/>
+              <a:t>(suporte de 0.2 e confiança de 0.8)</a:t>
+            </a:r>
+          </a:p>
+        </p:txBody>
+      </p:sp>
+    </p:spTree>
+    <p:extLst>
+      <p:ext uri="{BB962C8B-B14F-4D97-AF65-F5344CB8AC3E}">
+        <p14:creationId xmlns:p14="http://schemas.microsoft.com/office/powerpoint/2010/main" val="1978996991"/>
+      </p:ext>
+    </p:extLst>
+  </p:cSld>
+  <p:clrMapOvr>
+    <a:masterClrMapping/>
+  </p:clrMapOvr>
+</p:sld>
+</file>
+
+<file path=ppt/slides/slide21.xml><?xml version="1.0" encoding="utf-8"?>
+<p:sld xmlns:a="http://schemas.openxmlformats.org/drawingml/2006/main" xmlns:r="http://schemas.openxmlformats.org/officeDocument/2006/relationships" xmlns:p="http://schemas.openxmlformats.org/presentationml/2006/main">
+  <p:cSld>
+    <p:spTree>
+      <p:nvGrpSpPr>
+        <p:cNvPr id="1" name=""/>
+        <p:cNvGrpSpPr/>
+        <p:nvPr/>
+      </p:nvGrpSpPr>
+      <p:grpSpPr>
+        <a:xfrm>
+          <a:off x="0" y="0"/>
+          <a:ext cx="0" cy="0"/>
+          <a:chOff x="0" y="0"/>
+          <a:chExt cx="0" cy="0"/>
+        </a:xfrm>
+      </p:grpSpPr>
+      <p:sp>
+        <p:nvSpPr>
+          <p:cNvPr id="2" name="Título 1">
+            <a:extLst>
+              <a:ext uri="{FF2B5EF4-FFF2-40B4-BE49-F238E27FC236}">
+                <a16:creationId xmlns:a16="http://schemas.microsoft.com/office/drawing/2014/main" id="{91145737-DFFB-D292-9B1E-954905CB5740}"/>
+              </a:ext>
+            </a:extLst>
+          </p:cNvPr>
+          <p:cNvSpPr>
+            <a:spLocks noGrp="1"/>
+          </p:cNvSpPr>
+          <p:nvPr>
+            <p:ph type="title"/>
+          </p:nvPr>
+        </p:nvSpPr>
+        <p:spPr/>
+        <p:txBody>
+          <a:bodyPr/>
+          <a:lstStyle/>
+          <a:p>
+            <a:r>
+              <a:rPr lang="pt-BR" dirty="0"/>
+              <a:t>Classificação</a:t>
+            </a:r>
+          </a:p>
+        </p:txBody>
+      </p:sp>
+      <p:sp>
+        <p:nvSpPr>
+          <p:cNvPr id="3" name="Espaço Reservado para Conteúdo 2">
+            <a:extLst>
+              <a:ext uri="{FF2B5EF4-FFF2-40B4-BE49-F238E27FC236}">
+                <a16:creationId xmlns:a16="http://schemas.microsoft.com/office/drawing/2014/main" id="{7CA305B3-F734-F12D-746E-4D41140EF8A3}"/>
+              </a:ext>
+            </a:extLst>
+          </p:cNvPr>
+          <p:cNvSpPr>
+            <a:spLocks noGrp="1"/>
+          </p:cNvSpPr>
+          <p:nvPr>
+            <p:ph idx="1"/>
+          </p:nvPr>
+        </p:nvSpPr>
+        <p:spPr/>
+        <p:txBody>
+          <a:bodyPr>
+            <a:normAutofit/>
+          </a:bodyPr>
+          <a:lstStyle/>
+          <a:p>
+            <a:pPr lvl="1"/>
+            <a:r>
+              <a:rPr lang="pt-BR" sz="2400" dirty="0"/>
+              <a:t>Uma árvore de classificação (CART) foi selecionada como o algoritmo de classificação principal para esta análise.</a:t>
+            </a:r>
+          </a:p>
+          <a:p>
+            <a:pPr lvl="1"/>
+            <a:r>
+              <a:rPr lang="pt-BR" sz="2400" dirty="0"/>
+              <a:t>Este algoritmo funciona construindo uma árvore de decisão de forma recursiva, dividindo os dados em subconjuntos cada vez mais homogêneos com base nos atributos</a:t>
+            </a:r>
+          </a:p>
+          <a:p>
+            <a:pPr lvl="1"/>
+            <a:r>
+              <a:rPr lang="pt-BR" sz="2400" dirty="0"/>
+              <a:t>A biblioteca RPART, disponível na linguagem R, foi utilizada para implementar e treinar a árvore de classificação CART.</a:t>
+            </a:r>
+          </a:p>
+        </p:txBody>
+      </p:sp>
+    </p:spTree>
+    <p:extLst>
+      <p:ext uri="{BB962C8B-B14F-4D97-AF65-F5344CB8AC3E}">
+        <p14:creationId xmlns:p14="http://schemas.microsoft.com/office/powerpoint/2010/main" val="3041929552"/>
+      </p:ext>
+    </p:extLst>
+  </p:cSld>
+  <p:clrMapOvr>
+    <a:masterClrMapping/>
+  </p:clrMapOvr>
+</p:sld>
+</file>
+
+<file path=ppt/slides/slide22.xml><?xml version="1.0" encoding="utf-8"?>
+<p:sld xmlns:a="http://schemas.openxmlformats.org/drawingml/2006/main" xmlns:r="http://schemas.openxmlformats.org/officeDocument/2006/relationships" xmlns:p="http://schemas.openxmlformats.org/presentationml/2006/main">
+  <p:cSld>
+    <p:spTree>
+      <p:nvGrpSpPr>
+        <p:cNvPr id="1" name=""/>
+        <p:cNvGrpSpPr/>
+        <p:nvPr/>
+      </p:nvGrpSpPr>
+      <p:grpSpPr>
+        <a:xfrm>
+          <a:off x="0" y="0"/>
+          <a:ext cx="0" cy="0"/>
+          <a:chOff x="0" y="0"/>
+          <a:chExt cx="0" cy="0"/>
+        </a:xfrm>
+      </p:grpSpPr>
+      <p:sp>
+        <p:nvSpPr>
+          <p:cNvPr id="2" name="Título 1">
+            <a:extLst>
+              <a:ext uri="{FF2B5EF4-FFF2-40B4-BE49-F238E27FC236}">
+                <a16:creationId xmlns:a16="http://schemas.microsoft.com/office/drawing/2014/main" id="{91145737-DFFB-D292-9B1E-954905CB5740}"/>
+              </a:ext>
+            </a:extLst>
+          </p:cNvPr>
+          <p:cNvSpPr>
+            <a:spLocks noGrp="1"/>
+          </p:cNvSpPr>
+          <p:nvPr>
+            <p:ph type="title"/>
+          </p:nvPr>
+        </p:nvSpPr>
+        <p:spPr/>
+        <p:txBody>
+          <a:bodyPr/>
+          <a:lstStyle/>
+          <a:p>
+            <a:r>
+              <a:rPr lang="pt-BR" dirty="0"/>
+              <a:t>Árvore de Classificação</a:t>
+            </a:r>
+          </a:p>
+        </p:txBody>
+      </p:sp>
+      <p:sp>
+        <p:nvSpPr>
+          <p:cNvPr id="3" name="Espaço Reservado para Conteúdo 2">
+            <a:extLst>
+              <a:ext uri="{FF2B5EF4-FFF2-40B4-BE49-F238E27FC236}">
+                <a16:creationId xmlns:a16="http://schemas.microsoft.com/office/drawing/2014/main" id="{7CA305B3-F734-F12D-746E-4D41140EF8A3}"/>
+              </a:ext>
+            </a:extLst>
+          </p:cNvPr>
+          <p:cNvSpPr>
+            <a:spLocks noGrp="1"/>
+          </p:cNvSpPr>
+          <p:nvPr>
+            <p:ph idx="1"/>
+          </p:nvPr>
+        </p:nvSpPr>
+        <p:spPr/>
+        <p:txBody>
+          <a:bodyPr>
+            <a:normAutofit/>
+          </a:bodyPr>
+          <a:lstStyle/>
+          <a:p>
+            <a:pPr lvl="1"/>
+            <a:r>
+              <a:rPr lang="pt-BR" sz="2400" dirty="0"/>
+              <a:t>Para esta etapa o conjunto de dados também foi balanceado (da mesma maneira que feito na etapa de Associação)</a:t>
+            </a:r>
+          </a:p>
+          <a:p>
+            <a:pPr lvl="1"/>
+            <a:r>
+              <a:rPr lang="pt-BR" sz="2400" dirty="0"/>
+              <a:t>A árvore foi criada utilizando os sintomas como atributos e a evolução do paciente como classe alvo.</a:t>
+            </a:r>
+          </a:p>
+        </p:txBody>
+      </p:sp>
+      <p:pic>
+        <p:nvPicPr>
+          <p:cNvPr id="5" name="Imagem 4">
+            <a:extLst>
+              <a:ext uri="{FF2B5EF4-FFF2-40B4-BE49-F238E27FC236}">
+                <a16:creationId xmlns:a16="http://schemas.microsoft.com/office/drawing/2014/main" id="{6B565223-6C43-4D83-6259-09EB2506ACCB}"/>
+              </a:ext>
+            </a:extLst>
+          </p:cNvPr>
+          <p:cNvPicPr>
+            <a:picLocks noChangeAspect="1"/>
+          </p:cNvPicPr>
+          <p:nvPr/>
+        </p:nvPicPr>
+        <p:blipFill>
+          <a:blip r:embed="rId2">
+            <a:extLst>
+              <a:ext uri="{28A0092B-C50C-407E-A947-70E740481C1C}">
+                <a14:useLocalDpi xmlns:a14="http://schemas.microsoft.com/office/drawing/2010/main" val="0"/>
+              </a:ext>
+            </a:extLst>
+          </a:blip>
+          <a:stretch>
+            <a:fillRect/>
+          </a:stretch>
+        </p:blipFill>
+        <p:spPr>
+          <a:xfrm>
+            <a:off x="3370219" y="3429000"/>
+            <a:ext cx="5451561" cy="2286379"/>
+          </a:xfrm>
+          <a:prstGeom prst="rect">
+            <a:avLst/>
+          </a:prstGeom>
+        </p:spPr>
+      </p:pic>
+      <p:sp>
+        <p:nvSpPr>
+          <p:cNvPr id="6" name="CaixaDeTexto 5">
+            <a:extLst>
+              <a:ext uri="{FF2B5EF4-FFF2-40B4-BE49-F238E27FC236}">
+                <a16:creationId xmlns:a16="http://schemas.microsoft.com/office/drawing/2014/main" id="{EA823CCC-4F92-1F8E-686B-5F8482C3B051}"/>
+              </a:ext>
+            </a:extLst>
+          </p:cNvPr>
+          <p:cNvSpPr txBox="1"/>
+          <p:nvPr/>
+        </p:nvSpPr>
+        <p:spPr>
+          <a:xfrm>
+            <a:off x="4930455" y="5713539"/>
+            <a:ext cx="2331087" cy="369332"/>
+          </a:xfrm>
+          <a:prstGeom prst="rect">
+            <a:avLst/>
+          </a:prstGeom>
+          <a:noFill/>
+        </p:spPr>
+        <p:txBody>
+          <a:bodyPr wrap="none" rtlCol="0">
+            <a:spAutoFit/>
+          </a:bodyPr>
+          <a:lstStyle/>
+          <a:p>
+            <a:r>
+              <a:rPr lang="pt-BR" dirty="0"/>
+              <a:t>Primeira árvore gerada</a:t>
+            </a:r>
+          </a:p>
+        </p:txBody>
+      </p:sp>
+    </p:spTree>
+    <p:extLst>
+      <p:ext uri="{BB962C8B-B14F-4D97-AF65-F5344CB8AC3E}">
+        <p14:creationId xmlns:p14="http://schemas.microsoft.com/office/powerpoint/2010/main" val="679554017"/>
+      </p:ext>
+    </p:extLst>
+  </p:cSld>
+  <p:clrMapOvr>
+    <a:masterClrMapping/>
+  </p:clrMapOvr>
+</p:sld>
+</file>
+
+<file path=ppt/slides/slide23.xml><?xml version="1.0" encoding="utf-8"?>
+<p:sld xmlns:a="http://schemas.openxmlformats.org/drawingml/2006/main" xmlns:r="http://schemas.openxmlformats.org/officeDocument/2006/relationships" xmlns:p="http://schemas.openxmlformats.org/presentationml/2006/main">
+  <p:cSld>
+    <p:spTree>
+      <p:nvGrpSpPr>
+        <p:cNvPr id="1" name=""/>
+        <p:cNvGrpSpPr/>
+        <p:nvPr/>
+      </p:nvGrpSpPr>
+      <p:grpSpPr>
+        <a:xfrm>
+          <a:off x="0" y="0"/>
+          <a:ext cx="0" cy="0"/>
+          <a:chOff x="0" y="0"/>
+          <a:chExt cx="0" cy="0"/>
+        </a:xfrm>
+      </p:grpSpPr>
+      <p:sp>
+        <p:nvSpPr>
+          <p:cNvPr id="2" name="Título 1">
+            <a:extLst>
+              <a:ext uri="{FF2B5EF4-FFF2-40B4-BE49-F238E27FC236}">
+                <a16:creationId xmlns:a16="http://schemas.microsoft.com/office/drawing/2014/main" id="{91145737-DFFB-D292-9B1E-954905CB5740}"/>
+              </a:ext>
+            </a:extLst>
+          </p:cNvPr>
+          <p:cNvSpPr>
+            <a:spLocks noGrp="1"/>
+          </p:cNvSpPr>
+          <p:nvPr>
+            <p:ph type="title"/>
+          </p:nvPr>
+        </p:nvSpPr>
+        <p:spPr/>
+        <p:txBody>
+          <a:bodyPr/>
+          <a:lstStyle/>
+          <a:p>
+            <a:r>
+              <a:rPr lang="pt-BR" dirty="0"/>
+              <a:t>Árvore de Classificação</a:t>
+            </a:r>
+          </a:p>
+        </p:txBody>
+      </p:sp>
+      <p:sp>
+        <p:nvSpPr>
+          <p:cNvPr id="3" name="Espaço Reservado para Conteúdo 2">
+            <a:extLst>
+              <a:ext uri="{FF2B5EF4-FFF2-40B4-BE49-F238E27FC236}">
+                <a16:creationId xmlns:a16="http://schemas.microsoft.com/office/drawing/2014/main" id="{7CA305B3-F734-F12D-746E-4D41140EF8A3}"/>
+              </a:ext>
+            </a:extLst>
+          </p:cNvPr>
+          <p:cNvSpPr>
+            <a:spLocks noGrp="1"/>
+          </p:cNvSpPr>
+          <p:nvPr>
+            <p:ph idx="1"/>
+          </p:nvPr>
+        </p:nvSpPr>
+        <p:spPr/>
+        <p:txBody>
+          <a:bodyPr>
+            <a:normAutofit/>
+          </a:bodyPr>
+          <a:lstStyle/>
+          <a:p>
+            <a:pPr lvl="1"/>
+            <a:r>
+              <a:rPr lang="pt-BR" sz="2400" dirty="0"/>
+              <a:t>Como a dispneia é um sintoma muito determinante para a evolução do paciente a árvore foi gerada dependendo fortemente dele.</a:t>
+            </a:r>
+          </a:p>
+          <a:p>
+            <a:pPr lvl="1"/>
+            <a:r>
+              <a:rPr lang="pt-BR" sz="2400" dirty="0"/>
+              <a:t>Para ter uma visualização mais ampla, o sintoma foi omitido e uma nova árvore foi gerada.</a:t>
+            </a:r>
+          </a:p>
+        </p:txBody>
+      </p:sp>
+    </p:spTree>
+    <p:extLst>
+      <p:ext uri="{BB962C8B-B14F-4D97-AF65-F5344CB8AC3E}">
+        <p14:creationId xmlns:p14="http://schemas.microsoft.com/office/powerpoint/2010/main" val="134713746"/>
+      </p:ext>
+    </p:extLst>
+  </p:cSld>
+  <p:clrMapOvr>
+    <a:masterClrMapping/>
+  </p:clrMapOvr>
+</p:sld>
+</file>
+
+<file path=ppt/slides/slide24.xml><?xml version="1.0" encoding="utf-8"?>
+<p:sld xmlns:a="http://schemas.openxmlformats.org/drawingml/2006/main" xmlns:r="http://schemas.openxmlformats.org/officeDocument/2006/relationships" xmlns:p="http://schemas.openxmlformats.org/presentationml/2006/main">
+  <p:cSld>
+    <p:spTree>
+      <p:nvGrpSpPr>
+        <p:cNvPr id="1" name=""/>
+        <p:cNvGrpSpPr/>
+        <p:nvPr/>
+      </p:nvGrpSpPr>
+      <p:grpSpPr>
+        <a:xfrm>
+          <a:off x="0" y="0"/>
+          <a:ext cx="0" cy="0"/>
+          <a:chOff x="0" y="0"/>
+          <a:chExt cx="0" cy="0"/>
+        </a:xfrm>
+      </p:grpSpPr>
+      <p:sp>
+        <p:nvSpPr>
+          <p:cNvPr id="2" name="Título 1">
+            <a:extLst>
+              <a:ext uri="{FF2B5EF4-FFF2-40B4-BE49-F238E27FC236}">
+                <a16:creationId xmlns:a16="http://schemas.microsoft.com/office/drawing/2014/main" id="{91145737-DFFB-D292-9B1E-954905CB5740}"/>
+              </a:ext>
+            </a:extLst>
+          </p:cNvPr>
+          <p:cNvSpPr>
+            <a:spLocks noGrp="1"/>
+          </p:cNvSpPr>
+          <p:nvPr>
+            <p:ph type="title"/>
+          </p:nvPr>
+        </p:nvSpPr>
+        <p:spPr/>
+        <p:txBody>
+          <a:bodyPr/>
+          <a:lstStyle/>
+          <a:p>
+            <a:r>
+              <a:rPr lang="pt-BR" dirty="0"/>
+              <a:t>Árvore de Classificação</a:t>
+            </a:r>
+          </a:p>
+        </p:txBody>
+      </p:sp>
+      <p:pic>
+        <p:nvPicPr>
+          <p:cNvPr id="7" name="Espaço Reservado para Conteúdo 6">
+            <a:extLst>
+              <a:ext uri="{FF2B5EF4-FFF2-40B4-BE49-F238E27FC236}">
+                <a16:creationId xmlns:a16="http://schemas.microsoft.com/office/drawing/2014/main" id="{690952BB-ABE6-26EE-D019-631016902BD5}"/>
+              </a:ext>
+            </a:extLst>
+          </p:cNvPr>
+          <p:cNvPicPr>
+            <a:picLocks noGrp="1" noChangeAspect="1"/>
+          </p:cNvPicPr>
+          <p:nvPr>
+            <p:ph idx="1"/>
+          </p:nvPr>
+        </p:nvPicPr>
+        <p:blipFill>
+          <a:blip r:embed="rId2">
+            <a:extLst>
+              <a:ext uri="{28A0092B-C50C-407E-A947-70E740481C1C}">
+                <a14:useLocalDpi xmlns:a14="http://schemas.microsoft.com/office/drawing/2010/main" val="0"/>
+              </a:ext>
+            </a:extLst>
+          </a:blip>
+          <a:stretch>
+            <a:fillRect/>
+          </a:stretch>
+        </p:blipFill>
+        <p:spPr>
+          <a:xfrm>
+            <a:off x="2330145" y="1846263"/>
+            <a:ext cx="7592036" cy="4022725"/>
+          </a:xfrm>
+        </p:spPr>
+      </p:pic>
+      <p:sp>
+        <p:nvSpPr>
+          <p:cNvPr id="8" name="CaixaDeTexto 7">
+            <a:extLst>
+              <a:ext uri="{FF2B5EF4-FFF2-40B4-BE49-F238E27FC236}">
+                <a16:creationId xmlns:a16="http://schemas.microsoft.com/office/drawing/2014/main" id="{D93AB7D7-7307-AB1B-77DB-47D824E3C887}"/>
+              </a:ext>
+            </a:extLst>
+          </p:cNvPr>
+          <p:cNvSpPr txBox="1"/>
+          <p:nvPr/>
+        </p:nvSpPr>
+        <p:spPr>
+          <a:xfrm>
+            <a:off x="3931684" y="5868988"/>
+            <a:ext cx="4388958" cy="369332"/>
+          </a:xfrm>
+          <a:prstGeom prst="rect">
+            <a:avLst/>
+          </a:prstGeom>
+          <a:noFill/>
+        </p:spPr>
+        <p:txBody>
+          <a:bodyPr wrap="none" rtlCol="0">
+            <a:spAutoFit/>
+          </a:bodyPr>
+          <a:lstStyle/>
+          <a:p>
+            <a:r>
+              <a:rPr lang="pt-BR" dirty="0"/>
+              <a:t>Árvore gerada omitindo a coluna de dispneia</a:t>
+            </a:r>
+          </a:p>
+        </p:txBody>
+      </p:sp>
+    </p:spTree>
+    <p:extLst>
+      <p:ext uri="{BB962C8B-B14F-4D97-AF65-F5344CB8AC3E}">
+        <p14:creationId xmlns:p14="http://schemas.microsoft.com/office/powerpoint/2010/main" val="1293773592"/>
+      </p:ext>
+    </p:extLst>
+  </p:cSld>
+  <p:clrMapOvr>
+    <a:masterClrMapping/>
+  </p:clrMapOvr>
+</p:sld>
+</file>
+
+<file path=ppt/slides/slide25.xml><?xml version="1.0" encoding="utf-8"?>
+<p:sld xmlns:a="http://schemas.openxmlformats.org/drawingml/2006/main" xmlns:r="http://schemas.openxmlformats.org/officeDocument/2006/relationships" xmlns:p="http://schemas.openxmlformats.org/presentationml/2006/main">
+  <p:cSld>
+    <p:spTree>
+      <p:nvGrpSpPr>
+        <p:cNvPr id="1" name=""/>
+        <p:cNvGrpSpPr/>
+        <p:nvPr/>
+      </p:nvGrpSpPr>
+      <p:grpSpPr>
+        <a:xfrm>
+          <a:off x="0" y="0"/>
+          <a:ext cx="0" cy="0"/>
+          <a:chOff x="0" y="0"/>
+          <a:chExt cx="0" cy="0"/>
+        </a:xfrm>
+      </p:grpSpPr>
+      <p:sp>
+        <p:nvSpPr>
+          <p:cNvPr id="2" name="Título 1">
+            <a:extLst>
+              <a:ext uri="{FF2B5EF4-FFF2-40B4-BE49-F238E27FC236}">
+                <a16:creationId xmlns:a16="http://schemas.microsoft.com/office/drawing/2014/main" id="{91145737-DFFB-D292-9B1E-954905CB5740}"/>
+              </a:ext>
+            </a:extLst>
+          </p:cNvPr>
+          <p:cNvSpPr>
+            <a:spLocks noGrp="1"/>
+          </p:cNvSpPr>
+          <p:nvPr>
+            <p:ph type="title"/>
+          </p:nvPr>
+        </p:nvSpPr>
+        <p:spPr/>
+        <p:txBody>
+          <a:bodyPr/>
+          <a:lstStyle/>
+          <a:p>
+            <a:r>
+              <a:rPr lang="pt-BR" dirty="0"/>
+              <a:t>Resultados obtidos</a:t>
+            </a:r>
+          </a:p>
+        </p:txBody>
+      </p:sp>
+      <p:sp>
+        <p:nvSpPr>
+          <p:cNvPr id="3" name="Espaço Reservado para Conteúdo 2">
+            <a:extLst>
+              <a:ext uri="{FF2B5EF4-FFF2-40B4-BE49-F238E27FC236}">
+                <a16:creationId xmlns:a16="http://schemas.microsoft.com/office/drawing/2014/main" id="{7CA305B3-F734-F12D-746E-4D41140EF8A3}"/>
+              </a:ext>
+            </a:extLst>
+          </p:cNvPr>
+          <p:cNvSpPr>
+            <a:spLocks noGrp="1"/>
+          </p:cNvSpPr>
+          <p:nvPr>
+            <p:ph idx="1"/>
+          </p:nvPr>
+        </p:nvSpPr>
+        <p:spPr/>
+        <p:txBody>
+          <a:bodyPr>
+            <a:normAutofit/>
+          </a:bodyPr>
+          <a:lstStyle/>
+          <a:p>
+            <a:pPr lvl="1"/>
+            <a:r>
+              <a:rPr lang="pt-BR" sz="2400" dirty="0"/>
+              <a:t>Os resultados obtidos com os métodos de mineração de dados mostraram que alguns sintomas prevalecem em comparação a outros quando se trata de pacientes que foram a óbito.</a:t>
+            </a:r>
+          </a:p>
+          <a:p>
+            <a:pPr lvl="1"/>
+            <a:r>
+              <a:rPr lang="pt-BR" sz="2400" dirty="0"/>
+              <a:t>Isto pode ser útil em casos</a:t>
+            </a:r>
+            <a:r>
+              <a:rPr lang="pt-BR" sz="2400" dirty="0">
+                <a:solidFill>
+                  <a:srgbClr val="FF0000"/>
+                </a:solidFill>
+              </a:rPr>
+              <a:t>[...]</a:t>
+            </a:r>
+          </a:p>
+          <a:p>
+            <a:pPr lvl="1"/>
+            <a:r>
+              <a:rPr lang="pt-BR" sz="2400" dirty="0"/>
+              <a:t>Ressaltamos que este trabalho não tem como objetivo ser um guia médico ou instrumento de diagnóstico. Também não buscamos fornecer respostas definitivas </a:t>
+            </a:r>
+            <a:r>
+              <a:rPr lang="pt-BR" sz="2400" dirty="0">
+                <a:solidFill>
+                  <a:srgbClr val="FF0000"/>
+                </a:solidFill>
+              </a:rPr>
+              <a:t>[...]</a:t>
+            </a:r>
+          </a:p>
+        </p:txBody>
+      </p:sp>
+    </p:spTree>
+    <p:extLst>
+      <p:ext uri="{BB962C8B-B14F-4D97-AF65-F5344CB8AC3E}">
+        <p14:creationId xmlns:p14="http://schemas.microsoft.com/office/powerpoint/2010/main" val="3576989578"/>
+      </p:ext>
+    </p:extLst>
+  </p:cSld>
+  <p:clrMapOvr>
+    <a:masterClrMapping/>
+  </p:clrMapOvr>
+</p:sld>
+</file>
+
+<file path=ppt/slides/slide26.xml><?xml version="1.0" encoding="utf-8"?>
+<p:sld xmlns:a="http://schemas.openxmlformats.org/drawingml/2006/main" xmlns:r="http://schemas.openxmlformats.org/officeDocument/2006/relationships" xmlns:p="http://schemas.openxmlformats.org/presentationml/2006/main">
+  <p:cSld>
+    <p:spTree>
+      <p:nvGrpSpPr>
+        <p:cNvPr id="1" name=""/>
+        <p:cNvGrpSpPr/>
+        <p:nvPr/>
+      </p:nvGrpSpPr>
+      <p:grpSpPr>
+        <a:xfrm>
+          <a:off x="0" y="0"/>
+          <a:ext cx="0" cy="0"/>
+          <a:chOff x="0" y="0"/>
+          <a:chExt cx="0" cy="0"/>
+        </a:xfrm>
+      </p:grpSpPr>
+      <p:sp>
+        <p:nvSpPr>
+          <p:cNvPr id="2" name="Título 1">
+            <a:extLst>
+              <a:ext uri="{FF2B5EF4-FFF2-40B4-BE49-F238E27FC236}">
+                <a16:creationId xmlns:a16="http://schemas.microsoft.com/office/drawing/2014/main" id="{91145737-DFFB-D292-9B1E-954905CB5740}"/>
+              </a:ext>
+            </a:extLst>
+          </p:cNvPr>
+          <p:cNvSpPr>
+            <a:spLocks noGrp="1"/>
+          </p:cNvSpPr>
+          <p:nvPr>
+            <p:ph type="title"/>
+          </p:nvPr>
+        </p:nvSpPr>
+        <p:spPr/>
+        <p:txBody>
+          <a:bodyPr/>
+          <a:lstStyle/>
+          <a:p>
+            <a:r>
+              <a:rPr lang="pt-BR" dirty="0"/>
+              <a:t>Trabalhos futuros</a:t>
+            </a:r>
+          </a:p>
+        </p:txBody>
+      </p:sp>
+      <p:sp>
+        <p:nvSpPr>
+          <p:cNvPr id="3" name="Espaço Reservado para Conteúdo 2">
+            <a:extLst>
+              <a:ext uri="{FF2B5EF4-FFF2-40B4-BE49-F238E27FC236}">
+                <a16:creationId xmlns:a16="http://schemas.microsoft.com/office/drawing/2014/main" id="{7CA305B3-F734-F12D-746E-4D41140EF8A3}"/>
+              </a:ext>
+            </a:extLst>
+          </p:cNvPr>
+          <p:cNvSpPr>
+            <a:spLocks noGrp="1"/>
+          </p:cNvSpPr>
+          <p:nvPr>
+            <p:ph idx="1"/>
+          </p:nvPr>
+        </p:nvSpPr>
+        <p:spPr/>
+        <p:txBody>
+          <a:bodyPr>
+            <a:normAutofit/>
+          </a:bodyPr>
+          <a:lstStyle/>
+          <a:p>
+            <a:pPr lvl="1"/>
+            <a:r>
+              <a:rPr lang="pt-BR" sz="2400" dirty="0"/>
+              <a:t>Em trabalhos futuros buscamos explorar ainda mais os dados da doença no estado.</a:t>
+            </a:r>
+          </a:p>
+          <a:p>
+            <a:pPr lvl="1"/>
+            <a:r>
+              <a:rPr lang="pt-BR" sz="2400" dirty="0">
+                <a:solidFill>
+                  <a:srgbClr val="FF0000"/>
+                </a:solidFill>
+              </a:rPr>
+              <a:t>[...]</a:t>
+            </a:r>
+          </a:p>
+        </p:txBody>
+      </p:sp>
+    </p:spTree>
+    <p:extLst>
+      <p:ext uri="{BB962C8B-B14F-4D97-AF65-F5344CB8AC3E}">
+        <p14:creationId xmlns:p14="http://schemas.microsoft.com/office/powerpoint/2010/main" val="1070988145"/>
       </p:ext>
     </p:extLst>
   </p:cSld>
@@ -4542,7 +6401,7 @@
             <a:pPr lvl="1"/>
             <a:r>
               <a:rPr lang="pt-BR" sz="2200" dirty="0"/>
-              <a:t>No início de 2020 a Organização Mundial da Saúde (OMS) oficializou a COVID-19 como uma pandemia global</a:t>
+              <a:t>No início do ano de 2020 a Organização Mundial da Saúde (OMS) oficializou a COVID-19 como uma pandemia global</a:t>
             </a:r>
           </a:p>
           <a:p>
@@ -5080,7 +6939,7 @@
               <a:t>Não existem dados relevantes faltantes do </a:t>
             </a:r>
             <a:r>
-              <a:rPr lang="pt-BR" sz="2400" dirty="0" err="1"/>
+              <a:rPr lang="pt-BR" sz="2400" i="1" dirty="0" err="1"/>
               <a:t>dataset</a:t>
             </a:r>
             <a:r>

--- a/presentation/presentation.pptx
+++ b/presentation/presentation.pptx
@@ -14,23 +14,22 @@
     <p:sldId id="262" r:id="rId8"/>
     <p:sldId id="263" r:id="rId9"/>
     <p:sldId id="264" r:id="rId10"/>
-    <p:sldId id="266" r:id="rId11"/>
-    <p:sldId id="268" r:id="rId12"/>
-    <p:sldId id="269" r:id="rId13"/>
-    <p:sldId id="271" r:id="rId14"/>
-    <p:sldId id="272" r:id="rId15"/>
-    <p:sldId id="274" r:id="rId16"/>
-    <p:sldId id="275" r:id="rId17"/>
-    <p:sldId id="277" r:id="rId18"/>
-    <p:sldId id="279" r:id="rId19"/>
-    <p:sldId id="280" r:id="rId20"/>
-    <p:sldId id="281" r:id="rId21"/>
-    <p:sldId id="284" r:id="rId22"/>
-    <p:sldId id="283" r:id="rId23"/>
-    <p:sldId id="285" r:id="rId24"/>
-    <p:sldId id="286" r:id="rId25"/>
-    <p:sldId id="287" r:id="rId26"/>
-    <p:sldId id="288" r:id="rId27"/>
+    <p:sldId id="289" r:id="rId11"/>
+    <p:sldId id="266" r:id="rId12"/>
+    <p:sldId id="268" r:id="rId13"/>
+    <p:sldId id="269" r:id="rId14"/>
+    <p:sldId id="271" r:id="rId15"/>
+    <p:sldId id="275" r:id="rId16"/>
+    <p:sldId id="277" r:id="rId17"/>
+    <p:sldId id="279" r:id="rId18"/>
+    <p:sldId id="280" r:id="rId19"/>
+    <p:sldId id="281" r:id="rId20"/>
+    <p:sldId id="284" r:id="rId21"/>
+    <p:sldId id="283" r:id="rId22"/>
+    <p:sldId id="285" r:id="rId23"/>
+    <p:sldId id="286" r:id="rId24"/>
+    <p:sldId id="287" r:id="rId25"/>
+    <p:sldId id="288" r:id="rId26"/>
   </p:sldIdLst>
   <p:sldSz cx="12192000" cy="6858000"/>
   <p:notesSz cx="6858000" cy="9144000"/>
@@ -365,7 +364,7 @@
           <a:p>
             <a:fld id="{3331E9D9-7033-4C40-A937-3661B612C8FD}" type="datetimeFigureOut">
               <a:rPr lang="pt-BR" smtClean="0"/>
-              <a:t>09/04/2024</a:t>
+              <a:t>11/04/2024</a:t>
             </a:fld>
             <a:endParaRPr lang="pt-BR" dirty="0"/>
           </a:p>
@@ -573,7 +572,7 @@
           <a:p>
             <a:fld id="{3331E9D9-7033-4C40-A937-3661B612C8FD}" type="datetimeFigureOut">
               <a:rPr lang="pt-BR" smtClean="0"/>
-              <a:t>09/04/2024</a:t>
+              <a:t>11/04/2024</a:t>
             </a:fld>
             <a:endParaRPr lang="pt-BR" dirty="0"/>
           </a:p>
@@ -831,7 +830,7 @@
           <a:p>
             <a:fld id="{3331E9D9-7033-4C40-A937-3661B612C8FD}" type="datetimeFigureOut">
               <a:rPr lang="pt-BR" smtClean="0"/>
-              <a:t>09/04/2024</a:t>
+              <a:t>11/04/2024</a:t>
             </a:fld>
             <a:endParaRPr lang="pt-BR" dirty="0"/>
           </a:p>
@@ -1001,7 +1000,7 @@
           <a:p>
             <a:fld id="{3331E9D9-7033-4C40-A937-3661B612C8FD}" type="datetimeFigureOut">
               <a:rPr lang="pt-BR" smtClean="0"/>
-              <a:t>09/04/2024</a:t>
+              <a:t>11/04/2024</a:t>
             </a:fld>
             <a:endParaRPr lang="pt-BR" dirty="0"/>
           </a:p>
@@ -1338,7 +1337,7 @@
           <a:p>
             <a:fld id="{3331E9D9-7033-4C40-A937-3661B612C8FD}" type="datetimeFigureOut">
               <a:rPr lang="pt-BR" smtClean="0"/>
-              <a:t>09/04/2024</a:t>
+              <a:t>11/04/2024</a:t>
             </a:fld>
             <a:endParaRPr lang="pt-BR" dirty="0"/>
           </a:p>
@@ -1613,7 +1612,7 @@
           <a:p>
             <a:fld id="{3331E9D9-7033-4C40-A937-3661B612C8FD}" type="datetimeFigureOut">
               <a:rPr lang="pt-BR" smtClean="0"/>
-              <a:t>09/04/2024</a:t>
+              <a:t>11/04/2024</a:t>
             </a:fld>
             <a:endParaRPr lang="pt-BR" dirty="0"/>
           </a:p>
@@ -1992,7 +1991,7 @@
           <a:p>
             <a:fld id="{3331E9D9-7033-4C40-A937-3661B612C8FD}" type="datetimeFigureOut">
               <a:rPr lang="pt-BR" smtClean="0"/>
-              <a:t>09/04/2024</a:t>
+              <a:t>11/04/2024</a:t>
             </a:fld>
             <a:endParaRPr lang="pt-BR" dirty="0"/>
           </a:p>
@@ -2110,7 +2109,7 @@
           <a:p>
             <a:fld id="{3331E9D9-7033-4C40-A937-3661B612C8FD}" type="datetimeFigureOut">
               <a:rPr lang="pt-BR" smtClean="0"/>
-              <a:t>09/04/2024</a:t>
+              <a:t>11/04/2024</a:t>
             </a:fld>
             <a:endParaRPr lang="pt-BR" dirty="0"/>
           </a:p>
@@ -2283,7 +2282,7 @@
           <a:p>
             <a:fld id="{3331E9D9-7033-4C40-A937-3661B612C8FD}" type="datetimeFigureOut">
               <a:rPr lang="pt-BR" smtClean="0"/>
-              <a:t>09/04/2024</a:t>
+              <a:t>11/04/2024</a:t>
             </a:fld>
             <a:endParaRPr lang="pt-BR" dirty="0"/>
           </a:p>
@@ -2639,7 +2638,7 @@
           <a:p>
             <a:fld id="{3331E9D9-7033-4C40-A937-3661B612C8FD}" type="datetimeFigureOut">
               <a:rPr lang="pt-BR" smtClean="0"/>
-              <a:t>09/04/2024</a:t>
+              <a:t>11/04/2024</a:t>
             </a:fld>
             <a:endParaRPr lang="pt-BR" dirty="0"/>
           </a:p>
@@ -3018,7 +3017,7 @@
           <a:p>
             <a:fld id="{3331E9D9-7033-4C40-A937-3661B612C8FD}" type="datetimeFigureOut">
               <a:rPr lang="pt-BR" smtClean="0"/>
-              <a:t>09/04/2024</a:t>
+              <a:t>11/04/2024</a:t>
             </a:fld>
             <a:endParaRPr lang="pt-BR" dirty="0"/>
           </a:p>
@@ -3307,7 +3306,7 @@
           <a:p>
             <a:fld id="{3331E9D9-7033-4C40-A937-3661B612C8FD}" type="datetimeFigureOut">
               <a:rPr lang="pt-BR" smtClean="0"/>
-              <a:t>09/04/2024</a:t>
+              <a:t>11/04/2024</a:t>
             </a:fld>
             <a:endParaRPr lang="pt-BR" dirty="0"/>
           </a:p>
@@ -3884,7 +3883,7 @@
           <a:p>
             <a:r>
               <a:rPr lang="pt-BR" dirty="0"/>
-              <a:t>Gabriel v. Heisler, </a:t>
+              <a:t>Gabriel v. Heisler, prof. Dr. </a:t>
             </a:r>
             <a:r>
               <a:rPr lang="pt-BR" dirty="0" err="1"/>
@@ -4079,7 +4078,7 @@
           <a:p>
             <a:r>
               <a:rPr lang="pt-BR" dirty="0"/>
-              <a:t>Transformação</a:t>
+              <a:t>Pré-processamento</a:t>
             </a:r>
           </a:p>
         </p:txBody>
@@ -4110,14 +4109,7 @@
             <a:pPr lvl="1"/>
             <a:r>
               <a:rPr lang="pt-BR" sz="2400" dirty="0"/>
-              <a:t>Para posteriormente aplicar os algoritmos de mineração de dados é necessário que os dados sejam transformados, para “servirem” ao algoritmo.</a:t>
-            </a:r>
-          </a:p>
-          <a:p>
-            <a:pPr lvl="1"/>
-            <a:r>
-              <a:rPr lang="pt-BR" sz="2400" dirty="0"/>
-              <a:t>Como mais de um algoritmo de mineração de dados foi aplicado, as etapas de transformação serão expostas juntamente dos algoritmos.</a:t>
+              <a:t>Algumas etapas básicas de pré-processamento foram feitas, como transformação das datas para o formato correto.</a:t>
             </a:r>
           </a:p>
         </p:txBody>
@@ -4125,7 +4117,7 @@
     </p:spTree>
     <p:extLst>
       <p:ext uri="{BB962C8B-B14F-4D97-AF65-F5344CB8AC3E}">
-        <p14:creationId xmlns:p14="http://schemas.microsoft.com/office/powerpoint/2010/main" val="2174726940"/>
+        <p14:creationId xmlns:p14="http://schemas.microsoft.com/office/powerpoint/2010/main" val="1253825934"/>
       </p:ext>
     </p:extLst>
   </p:cSld>
@@ -4175,7 +4167,7 @@
           <a:p>
             <a:r>
               <a:rPr lang="pt-BR" dirty="0"/>
-              <a:t>Mineração de Dados</a:t>
+              <a:t>Transformação</a:t>
             </a:r>
           </a:p>
         </p:txBody>
@@ -4206,26 +4198,22 @@
             <a:pPr lvl="1"/>
             <a:r>
               <a:rPr lang="pt-BR" sz="2400" dirty="0"/>
-              <a:t>Foram aplicados algoritmos de associação e de classificação de dados.</a:t>
+              <a:t>Para posteriormente aplicar os algoritmos de mineração de dados é necessário que os dados sejam transformados, para “servirem” ao algoritmo.</a:t>
             </a:r>
           </a:p>
           <a:p>
             <a:pPr lvl="1"/>
             <a:r>
               <a:rPr lang="pt-BR" sz="2400" dirty="0"/>
-              <a:t>Primeiramente serão mostradas as etapas referentes ao método de associação, e posteriormente o método de classificação.</a:t>
-            </a:r>
-          </a:p>
-          <a:p>
-            <a:pPr lvl="1"/>
-            <a:endParaRPr lang="pt-BR" sz="2400" dirty="0"/>
+              <a:t>Como mais de um algoritmo de mineração de dados foi aplicado, as etapas de transformação serão expostas juntamente dos algoritmos.</a:t>
+            </a:r>
           </a:p>
         </p:txBody>
       </p:sp>
     </p:spTree>
     <p:extLst>
       <p:ext uri="{BB962C8B-B14F-4D97-AF65-F5344CB8AC3E}">
-        <p14:creationId xmlns:p14="http://schemas.microsoft.com/office/powerpoint/2010/main" val="974858663"/>
+        <p14:creationId xmlns:p14="http://schemas.microsoft.com/office/powerpoint/2010/main" val="2174726940"/>
       </p:ext>
     </p:extLst>
   </p:cSld>
@@ -4275,6 +4263,106 @@
           <a:p>
             <a:r>
               <a:rPr lang="pt-BR" dirty="0"/>
+              <a:t>Mineração de Dados</a:t>
+            </a:r>
+          </a:p>
+        </p:txBody>
+      </p:sp>
+      <p:sp>
+        <p:nvSpPr>
+          <p:cNvPr id="3" name="Espaço Reservado para Conteúdo 2">
+            <a:extLst>
+              <a:ext uri="{FF2B5EF4-FFF2-40B4-BE49-F238E27FC236}">
+                <a16:creationId xmlns:a16="http://schemas.microsoft.com/office/drawing/2014/main" id="{7CA305B3-F734-F12D-746E-4D41140EF8A3}"/>
+              </a:ext>
+            </a:extLst>
+          </p:cNvPr>
+          <p:cNvSpPr>
+            <a:spLocks noGrp="1"/>
+          </p:cNvSpPr>
+          <p:nvPr>
+            <p:ph idx="1"/>
+          </p:nvPr>
+        </p:nvSpPr>
+        <p:spPr/>
+        <p:txBody>
+          <a:bodyPr>
+            <a:normAutofit/>
+          </a:bodyPr>
+          <a:lstStyle/>
+          <a:p>
+            <a:pPr lvl="1"/>
+            <a:r>
+              <a:rPr lang="pt-BR" sz="2400" dirty="0"/>
+              <a:t>Foram aplicados algoritmos de associação e de classificação de dados.</a:t>
+            </a:r>
+          </a:p>
+          <a:p>
+            <a:pPr lvl="1"/>
+            <a:r>
+              <a:rPr lang="pt-BR" sz="2400" dirty="0"/>
+              <a:t>Primeiramente serão mostradas as etapas referentes ao método de associação, e posteriormente o método de classificação.</a:t>
+            </a:r>
+          </a:p>
+          <a:p>
+            <a:pPr lvl="1"/>
+            <a:endParaRPr lang="pt-BR" sz="2400" dirty="0"/>
+          </a:p>
+        </p:txBody>
+      </p:sp>
+    </p:spTree>
+    <p:extLst>
+      <p:ext uri="{BB962C8B-B14F-4D97-AF65-F5344CB8AC3E}">
+        <p14:creationId xmlns:p14="http://schemas.microsoft.com/office/powerpoint/2010/main" val="974858663"/>
+      </p:ext>
+    </p:extLst>
+  </p:cSld>
+  <p:clrMapOvr>
+    <a:masterClrMapping/>
+  </p:clrMapOvr>
+</p:sld>
+</file>
+
+<file path=ppt/slides/slide13.xml><?xml version="1.0" encoding="utf-8"?>
+<p:sld xmlns:a="http://schemas.openxmlformats.org/drawingml/2006/main" xmlns:r="http://schemas.openxmlformats.org/officeDocument/2006/relationships" xmlns:p="http://schemas.openxmlformats.org/presentationml/2006/main">
+  <p:cSld>
+    <p:spTree>
+      <p:nvGrpSpPr>
+        <p:cNvPr id="1" name=""/>
+        <p:cNvGrpSpPr/>
+        <p:nvPr/>
+      </p:nvGrpSpPr>
+      <p:grpSpPr>
+        <a:xfrm>
+          <a:off x="0" y="0"/>
+          <a:ext cx="0" cy="0"/>
+          <a:chOff x="0" y="0"/>
+          <a:chExt cx="0" cy="0"/>
+        </a:xfrm>
+      </p:grpSpPr>
+      <p:sp>
+        <p:nvSpPr>
+          <p:cNvPr id="2" name="Título 1">
+            <a:extLst>
+              <a:ext uri="{FF2B5EF4-FFF2-40B4-BE49-F238E27FC236}">
+                <a16:creationId xmlns:a16="http://schemas.microsoft.com/office/drawing/2014/main" id="{91145737-DFFB-D292-9B1E-954905CB5740}"/>
+              </a:ext>
+            </a:extLst>
+          </p:cNvPr>
+          <p:cNvSpPr>
+            <a:spLocks noGrp="1"/>
+          </p:cNvSpPr>
+          <p:nvPr>
+            <p:ph type="title"/>
+          </p:nvPr>
+        </p:nvSpPr>
+        <p:spPr/>
+        <p:txBody>
+          <a:bodyPr/>
+          <a:lstStyle/>
+          <a:p>
+            <a:r>
+              <a:rPr lang="pt-BR" dirty="0"/>
               <a:t>Associação</a:t>
             </a:r>
           </a:p>
@@ -4350,7 +4438,7 @@
 </p:sld>
 </file>
 
-<file path=ppt/slides/slide13.xml><?xml version="1.0" encoding="utf-8"?>
+<file path=ppt/slides/slide14.xml><?xml version="1.0" encoding="utf-8"?>
 <p:sld xmlns:a="http://schemas.openxmlformats.org/drawingml/2006/main" xmlns:r="http://schemas.openxmlformats.org/officeDocument/2006/relationships" xmlns:p="http://schemas.openxmlformats.org/presentationml/2006/main">
   <p:cSld>
     <p:spTree>
@@ -4475,121 +4563,6 @@
 </p:sld>
 </file>
 
-<file path=ppt/slides/slide14.xml><?xml version="1.0" encoding="utf-8"?>
-<p:sld xmlns:a="http://schemas.openxmlformats.org/drawingml/2006/main" xmlns:r="http://schemas.openxmlformats.org/officeDocument/2006/relationships" xmlns:p="http://schemas.openxmlformats.org/presentationml/2006/main">
-  <p:cSld>
-    <p:spTree>
-      <p:nvGrpSpPr>
-        <p:cNvPr id="1" name=""/>
-        <p:cNvGrpSpPr/>
-        <p:nvPr/>
-      </p:nvGrpSpPr>
-      <p:grpSpPr>
-        <a:xfrm>
-          <a:off x="0" y="0"/>
-          <a:ext cx="0" cy="0"/>
-          <a:chOff x="0" y="0"/>
-          <a:chExt cx="0" cy="0"/>
-        </a:xfrm>
-      </p:grpSpPr>
-      <p:sp>
-        <p:nvSpPr>
-          <p:cNvPr id="2" name="Título 1">
-            <a:extLst>
-              <a:ext uri="{FF2B5EF4-FFF2-40B4-BE49-F238E27FC236}">
-                <a16:creationId xmlns:a16="http://schemas.microsoft.com/office/drawing/2014/main" id="{91145737-DFFB-D292-9B1E-954905CB5740}"/>
-              </a:ext>
-            </a:extLst>
-          </p:cNvPr>
-          <p:cNvSpPr>
-            <a:spLocks noGrp="1"/>
-          </p:cNvSpPr>
-          <p:nvPr>
-            <p:ph type="title"/>
-          </p:nvPr>
-        </p:nvSpPr>
-        <p:spPr/>
-        <p:txBody>
-          <a:bodyPr/>
-          <a:lstStyle/>
-          <a:p>
-            <a:r>
-              <a:rPr lang="pt-BR" dirty="0"/>
-              <a:t>Associação</a:t>
-            </a:r>
-          </a:p>
-        </p:txBody>
-      </p:sp>
-      <p:sp>
-        <p:nvSpPr>
-          <p:cNvPr id="3" name="Espaço Reservado para Conteúdo 2">
-            <a:extLst>
-              <a:ext uri="{FF2B5EF4-FFF2-40B4-BE49-F238E27FC236}">
-                <a16:creationId xmlns:a16="http://schemas.microsoft.com/office/drawing/2014/main" id="{7CA305B3-F734-F12D-746E-4D41140EF8A3}"/>
-              </a:ext>
-            </a:extLst>
-          </p:cNvPr>
-          <p:cNvSpPr>
-            <a:spLocks noGrp="1"/>
-          </p:cNvSpPr>
-          <p:nvPr>
-            <p:ph idx="1"/>
-          </p:nvPr>
-        </p:nvSpPr>
-        <p:spPr/>
-        <p:txBody>
-          <a:bodyPr>
-            <a:normAutofit/>
-          </a:bodyPr>
-          <a:lstStyle/>
-          <a:p>
-            <a:pPr lvl="1"/>
-            <a:r>
-              <a:rPr lang="pt-BR" sz="2400" dirty="0"/>
-              <a:t>O algoritmo de associação escolhido para este trabalho foi o </a:t>
-            </a:r>
-            <a:r>
-              <a:rPr lang="pt-BR" sz="2400" dirty="0" err="1"/>
-              <a:t>Apriori</a:t>
-            </a:r>
-            <a:r>
-              <a:rPr lang="pt-BR" sz="2400" dirty="0"/>
-              <a:t>, visto que os dados disponíveis tem um formato adequado.</a:t>
-            </a:r>
-          </a:p>
-          <a:p>
-            <a:pPr lvl="1"/>
-            <a:r>
-              <a:rPr lang="pt-BR" sz="2400" dirty="0"/>
-              <a:t>Este algoritmo trabalha com dados preferencialmente binários (verdadeiro ou falso). Os dados selecionados são basicamente binários (são definidos como “SIM” e “NÃO”, no caso dos sintomas, e “ÓBITO” e “RECUPERADO”, no caso da evolução do paciente).</a:t>
-            </a:r>
-          </a:p>
-          <a:p>
-            <a:pPr lvl="1"/>
-            <a:r>
-              <a:rPr lang="pt-BR" sz="2400" dirty="0"/>
-              <a:t>O algoritmo funciona com base em podas baseadas em suporte. Os conjuntos são verificados, e se não tem um suporte mínimo são descartados.</a:t>
-            </a:r>
-          </a:p>
-          <a:p>
-            <a:pPr lvl="1"/>
-            <a:endParaRPr lang="pt-BR" sz="2400" dirty="0"/>
-          </a:p>
-        </p:txBody>
-      </p:sp>
-    </p:spTree>
-    <p:extLst>
-      <p:ext uri="{BB962C8B-B14F-4D97-AF65-F5344CB8AC3E}">
-        <p14:creationId xmlns:p14="http://schemas.microsoft.com/office/powerpoint/2010/main" val="821794116"/>
-      </p:ext>
-    </p:extLst>
-  </p:cSld>
-  <p:clrMapOvr>
-    <a:masterClrMapping/>
-  </p:clrMapOvr>
-</p:sld>
-</file>
-
 <file path=ppt/slides/slide15.xml><?xml version="1.0" encoding="utf-8"?>
 <p:sld xmlns:a="http://schemas.openxmlformats.org/drawingml/2006/main" xmlns:r="http://schemas.openxmlformats.org/officeDocument/2006/relationships" xmlns:p="http://schemas.openxmlformats.org/presentationml/2006/main">
   <p:cSld>
@@ -4670,7 +4643,7 @@
             </a:r>
             <a:r>
               <a:rPr lang="pt-BR" sz="2400" dirty="0"/>
-              <a:t> (da biblioteca </a:t>
+              <a:t>, da biblioteca </a:t>
             </a:r>
             <a:r>
               <a:rPr lang="pt-BR" sz="2400" dirty="0" err="1"/>
@@ -4678,29 +4651,50 @@
             </a:r>
             <a:r>
               <a:rPr lang="pt-BR" sz="2400" dirty="0"/>
-              <a:t> da linguagem R) foi utilizado.</a:t>
+              <a:t> da linguagem R, foi empregado nesta análise.</a:t>
             </a:r>
           </a:p>
           <a:p>
             <a:pPr lvl="1"/>
             <a:r>
               <a:rPr lang="pt-BR" sz="2400" dirty="0"/>
-              <a:t>Rodando o algoritmo com suporte mínimo como 0.1 e filtrando o </a:t>
-            </a:r>
-            <a:r>
-              <a:rPr lang="pt-BR" sz="2400" dirty="0" err="1"/>
+              <a:t>Configuração inicial:</a:t>
+            </a:r>
+          </a:p>
+          <a:p>
+            <a:pPr lvl="2"/>
+            <a:r>
+              <a:rPr lang="pt-BR" sz="2000" dirty="0"/>
+              <a:t>Suporte Mínimo: Inicialmente definido como 0.1.</a:t>
+            </a:r>
+          </a:p>
+          <a:p>
+            <a:pPr lvl="2"/>
+            <a:r>
+              <a:rPr lang="pt-BR" sz="2000" dirty="0"/>
+              <a:t>Apenas regras com a evolução do paciente no lado direito (</a:t>
+            </a:r>
+            <a:r>
+              <a:rPr lang="pt-BR" sz="2000" dirty="0" err="1"/>
               <a:t>rhs</a:t>
             </a:r>
             <a:r>
+              <a:rPr lang="pt-BR" sz="2000" dirty="0"/>
+              <a:t>) foram consideradas.</a:t>
+            </a:r>
+          </a:p>
+          <a:p>
+            <a:pPr lvl="1"/>
+            <a:r>
               <a:rPr lang="pt-BR" sz="2400" dirty="0"/>
-              <a:t> para a evolução do paciente não cria-se regras com a evolução sendo óbito.</a:t>
+              <a:t>Notou-se que nenhuma regra foi gerada onde o paciente tinha como evolução “Óbito”.</a:t>
             </a:r>
           </a:p>
           <a:p>
             <a:pPr lvl="1"/>
             <a:r>
               <a:rPr lang="pt-BR" sz="2400" dirty="0"/>
-              <a:t>Apenas diminuindo mais o suporte mínimo que é possível gerar as regras para investigar os sintomas dos pacientes que foram a óbito </a:t>
+              <a:t>Isto acontece devido a quantidade de casos nos quais a evolução é “Recuperado” ser muito maior que a de óbitos.</a:t>
             </a:r>
           </a:p>
           <a:p>
@@ -4718,7 +4712,7 @@
     </p:spTree>
     <p:extLst>
       <p:ext uri="{BB962C8B-B14F-4D97-AF65-F5344CB8AC3E}">
-        <p14:creationId xmlns:p14="http://schemas.microsoft.com/office/powerpoint/2010/main" val="2470230781"/>
+        <p14:creationId xmlns:p14="http://schemas.microsoft.com/office/powerpoint/2010/main" val="3116928942"/>
       </p:ext>
     </p:extLst>
   </p:cSld>
@@ -4800,84 +4794,50 @@
             <a:pPr lvl="1"/>
             <a:r>
               <a:rPr lang="pt-BR" sz="2400" dirty="0"/>
-              <a:t>O algoritmo </a:t>
-            </a:r>
-            <a:r>
-              <a:rPr lang="pt-BR" sz="2400" dirty="0" err="1"/>
-              <a:t>Apriori</a:t>
-            </a:r>
+              <a:t>Como o desbalanceamento nos tipos de evolução dos casos impactou na geração de regras associativas foram feitas duas abordagens:</a:t>
+            </a:r>
+          </a:p>
+          <a:p>
+            <a:pPr marL="658368" lvl="1" indent="-457200">
+              <a:buFont typeface="+mj-lt"/>
+              <a:buAutoNum type="arabicPeriod"/>
+            </a:pPr>
             <a:r>
               <a:rPr lang="pt-BR" sz="2400" dirty="0"/>
-              <a:t>, da biblioteca </a:t>
-            </a:r>
-            <a:r>
-              <a:rPr lang="pt-BR" sz="2400" dirty="0" err="1"/>
-              <a:t>Arules</a:t>
-            </a:r>
+              <a:t>Ignorar todos os casos onde a evolução do paciente foi “Recuperado”.</a:t>
+            </a:r>
+          </a:p>
+          <a:p>
+            <a:pPr marL="658368" lvl="1" indent="-457200">
+              <a:buFont typeface="+mj-lt"/>
+              <a:buAutoNum type="arabicPeriod"/>
+            </a:pPr>
             <a:r>
               <a:rPr lang="pt-BR" sz="2400" dirty="0"/>
-              <a:t> da linguagem R, foi empregado nesta análise.</a:t>
+              <a:t>“Balancear” o </a:t>
+            </a:r>
+            <a:r>
+              <a:rPr lang="pt-BR" sz="2400" i="1" dirty="0" err="1"/>
+              <a:t>dataset</a:t>
+            </a:r>
+            <a:r>
+              <a:rPr lang="pt-BR" sz="2400" i="1" dirty="0"/>
+              <a:t>.</a:t>
             </a:r>
           </a:p>
           <a:p>
             <a:pPr lvl="1"/>
             <a:r>
               <a:rPr lang="pt-BR" sz="2400" dirty="0"/>
-              <a:t>Configuração inicial:</a:t>
-            </a:r>
-          </a:p>
-          <a:p>
-            <a:pPr lvl="2"/>
-            <a:r>
-              <a:rPr lang="pt-BR" sz="2000" dirty="0"/>
-              <a:t>Suporte Mínimo: Inicialmente definido como 0.1.</a:t>
-            </a:r>
-          </a:p>
-          <a:p>
-            <a:pPr lvl="2"/>
-            <a:r>
-              <a:rPr lang="pt-BR" sz="2000" dirty="0"/>
-              <a:t>Apenas regras com a evolução do paciente no lado direito (</a:t>
-            </a:r>
-            <a:r>
-              <a:rPr lang="pt-BR" sz="2000" dirty="0" err="1"/>
-              <a:t>rhs</a:t>
-            </a:r>
-            <a:r>
-              <a:rPr lang="pt-BR" sz="2000" dirty="0"/>
-              <a:t>) foram consideradas.</a:t>
-            </a:r>
-          </a:p>
-          <a:p>
-            <a:pPr lvl="1"/>
-            <a:r>
-              <a:rPr lang="pt-BR" sz="2400" dirty="0"/>
-              <a:t>Notou-se que nenhuma regra foi gerada onde o paciente tinha como evolução “Óbito”.</a:t>
-            </a:r>
-          </a:p>
-          <a:p>
-            <a:pPr lvl="1"/>
-            <a:r>
-              <a:rPr lang="pt-BR" sz="2400" dirty="0"/>
-              <a:t>Isto acontece devido a quantidade de casos nos quais a evolução é “Recuperado” ser muito maior que a de óbitos.</a:t>
-            </a:r>
-          </a:p>
-          <a:p>
-            <a:pPr lvl="1"/>
-            <a:endParaRPr lang="pt-BR" sz="2400" dirty="0"/>
-          </a:p>
-          <a:p>
-            <a:pPr marL="201168" lvl="1" indent="0">
-              <a:buNone/>
-            </a:pPr>
-            <a:endParaRPr lang="pt-BR" sz="2400" dirty="0"/>
+              <a:t>Ambas alternativas foram utilizadas.</a:t>
+            </a:r>
           </a:p>
         </p:txBody>
       </p:sp>
     </p:spTree>
     <p:extLst>
       <p:ext uri="{BB962C8B-B14F-4D97-AF65-F5344CB8AC3E}">
-        <p14:creationId xmlns:p14="http://schemas.microsoft.com/office/powerpoint/2010/main" val="3116928942"/>
+        <p14:creationId xmlns:p14="http://schemas.microsoft.com/office/powerpoint/2010/main" val="3928856018"/>
       </p:ext>
     </p:extLst>
   </p:cSld>
@@ -4933,68 +4893,79 @@
           </a:p>
         </p:txBody>
       </p:sp>
-      <p:sp>
-        <p:nvSpPr>
-          <p:cNvPr id="3" name="Espaço Reservado para Conteúdo 2">
+      <p:pic>
+        <p:nvPicPr>
+          <p:cNvPr id="5" name="Espaço Reservado para Conteúdo 4">
             <a:extLst>
               <a:ext uri="{FF2B5EF4-FFF2-40B4-BE49-F238E27FC236}">
-                <a16:creationId xmlns:a16="http://schemas.microsoft.com/office/drawing/2014/main" id="{7CA305B3-F734-F12D-746E-4D41140EF8A3}"/>
+                <a16:creationId xmlns:a16="http://schemas.microsoft.com/office/drawing/2014/main" id="{EABB033F-D93F-EBF0-6523-B1A37B7D7E6B}"/>
               </a:ext>
             </a:extLst>
           </p:cNvPr>
-          <p:cNvSpPr>
-            <a:spLocks noGrp="1"/>
-          </p:cNvSpPr>
+          <p:cNvPicPr>
+            <a:picLocks noGrp="1" noChangeAspect="1"/>
+          </p:cNvPicPr>
           <p:nvPr>
             <p:ph idx="1"/>
           </p:nvPr>
-        </p:nvSpPr>
-        <p:spPr/>
-        <p:txBody>
-          <a:bodyPr>
-            <a:normAutofit/>
+        </p:nvPicPr>
+        <p:blipFill>
+          <a:blip r:embed="rId2">
+            <a:extLst>
+              <a:ext uri="{28A0092B-C50C-407E-A947-70E740481C1C}">
+                <a14:useLocalDpi xmlns:a14="http://schemas.microsoft.com/office/drawing/2010/main" val="0"/>
+              </a:ext>
+            </a:extLst>
+          </a:blip>
+          <a:stretch>
+            <a:fillRect/>
+          </a:stretch>
+        </p:blipFill>
+        <p:spPr>
+          <a:xfrm>
+            <a:off x="1097280" y="2012536"/>
+            <a:ext cx="10058400" cy="3210784"/>
+          </a:xfrm>
+        </p:spPr>
+      </p:pic>
+      <p:sp>
+        <p:nvSpPr>
+          <p:cNvPr id="6" name="CaixaDeTexto 5">
+            <a:extLst>
+              <a:ext uri="{FF2B5EF4-FFF2-40B4-BE49-F238E27FC236}">
+                <a16:creationId xmlns:a16="http://schemas.microsoft.com/office/drawing/2014/main" id="{59F8CDE8-7972-7B4B-E321-1809C189855C}"/>
+              </a:ext>
+            </a:extLst>
+          </p:cNvPr>
+          <p:cNvSpPr txBox="1"/>
+          <p:nvPr/>
+        </p:nvSpPr>
+        <p:spPr>
+          <a:xfrm>
+            <a:off x="2871046" y="5370990"/>
+            <a:ext cx="6449907" cy="646331"/>
+          </a:xfrm>
+          <a:prstGeom prst="rect">
+            <a:avLst/>
+          </a:prstGeom>
+          <a:noFill/>
+        </p:spPr>
+        <p:txBody>
+          <a:bodyPr wrap="none" rtlCol="0">
+            <a:spAutoFit/>
           </a:bodyPr>
           <a:lstStyle/>
           <a:p>
-            <a:pPr lvl="1"/>
-            <a:r>
-              <a:rPr lang="pt-BR" sz="2400" dirty="0"/>
-              <a:t>Como o desbalanceamento nos tipos de evolução dos casos impactou na geração de regras associativas foram feitas duas abordagens:</a:t>
-            </a:r>
-          </a:p>
-          <a:p>
-            <a:pPr marL="658368" lvl="1" indent="-457200">
-              <a:buFont typeface="+mj-lt"/>
-              <a:buAutoNum type="arabicPeriod"/>
-            </a:pPr>
-            <a:r>
-              <a:rPr lang="pt-BR" sz="2400" dirty="0"/>
-              <a:t>Ignorar todos os casos onde a evolução do paciente foi “Recuperado”.</a:t>
-            </a:r>
-          </a:p>
-          <a:p>
-            <a:pPr marL="658368" lvl="1" indent="-457200">
-              <a:buFont typeface="+mj-lt"/>
-              <a:buAutoNum type="arabicPeriod"/>
-            </a:pPr>
-            <a:r>
-              <a:rPr lang="pt-BR" sz="2400" dirty="0"/>
-              <a:t>“Balancear” o </a:t>
-            </a:r>
-            <a:r>
-              <a:rPr lang="pt-BR" sz="2400" i="1" dirty="0" err="1"/>
-              <a:t>dataset</a:t>
-            </a:r>
-            <a:r>
-              <a:rPr lang="pt-BR" sz="2400" i="1" dirty="0"/>
-              <a:t>.</a:t>
-            </a:r>
-          </a:p>
-          <a:p>
-            <a:pPr lvl="1"/>
-            <a:r>
-              <a:rPr lang="pt-BR" sz="2400" dirty="0"/>
-              <a:t>Ambas alternativas foram utilizadas.</a:t>
+            <a:r>
+              <a:rPr lang="pt-BR" dirty="0"/>
+              <a:t>Regras geradas omitindo os casos onde a evolução é “Recuperado”</a:t>
+            </a:r>
+          </a:p>
+          <a:p>
+            <a:pPr algn="ctr"/>
+            <a:r>
+              <a:rPr lang="pt-BR" dirty="0"/>
+              <a:t>(Suporte mínimo foi configurado como 0.5)</a:t>
             </a:r>
           </a:p>
         </p:txBody>
@@ -5002,7 +4973,7 @@
     </p:spTree>
     <p:extLst>
       <p:ext uri="{BB962C8B-B14F-4D97-AF65-F5344CB8AC3E}">
-        <p14:creationId xmlns:p14="http://schemas.microsoft.com/office/powerpoint/2010/main" val="3928856018"/>
+        <p14:creationId xmlns:p14="http://schemas.microsoft.com/office/powerpoint/2010/main" val="4011331106"/>
       </p:ext>
     </p:extLst>
   </p:cSld>
@@ -5054,25 +5025,69 @@
               <a:rPr lang="pt-BR" dirty="0" err="1"/>
               <a:t>Apriori</a:t>
             </a:r>
-            <a:endParaRPr lang="pt-BR" dirty="0"/>
+            <a:r>
+              <a:rPr lang="pt-BR" dirty="0"/>
+              <a:t>: </a:t>
+            </a:r>
+            <a:r>
+              <a:rPr lang="pt-BR" i="1" dirty="0" err="1"/>
+              <a:t>dataset</a:t>
+            </a:r>
+            <a:r>
+              <a:rPr lang="pt-BR" i="1" dirty="0"/>
+              <a:t> </a:t>
+            </a:r>
+            <a:r>
+              <a:rPr lang="pt-BR" dirty="0"/>
+              <a:t>balanceado</a:t>
+            </a:r>
+          </a:p>
+        </p:txBody>
+      </p:sp>
+      <p:sp>
+        <p:nvSpPr>
+          <p:cNvPr id="3" name="Espaço Reservado para Conteúdo 2">
+            <a:extLst>
+              <a:ext uri="{FF2B5EF4-FFF2-40B4-BE49-F238E27FC236}">
+                <a16:creationId xmlns:a16="http://schemas.microsoft.com/office/drawing/2014/main" id="{7CA305B3-F734-F12D-746E-4D41140EF8A3}"/>
+              </a:ext>
+            </a:extLst>
+          </p:cNvPr>
+          <p:cNvSpPr>
+            <a:spLocks noGrp="1"/>
+          </p:cNvSpPr>
+          <p:nvPr>
+            <p:ph idx="1"/>
+          </p:nvPr>
+        </p:nvSpPr>
+        <p:spPr/>
+        <p:txBody>
+          <a:bodyPr>
+            <a:normAutofit/>
+          </a:bodyPr>
+          <a:lstStyle/>
+          <a:p>
+            <a:pPr lvl="1"/>
+            <a:r>
+              <a:rPr lang="pt-BR" sz="2400" dirty="0"/>
+              <a:t>O “Balanceamento” do conjunto de dados foi realizado juntando a totalidade dos dados nos quais a evolução é óbito com uma amostra do mesmo tamanho de dados de evolução recuperado.</a:t>
+            </a:r>
           </a:p>
         </p:txBody>
       </p:sp>
       <p:pic>
         <p:nvPicPr>
-          <p:cNvPr id="5" name="Espaço Reservado para Conteúdo 4">
+          <p:cNvPr id="5" name="Imagem 4">
             <a:extLst>
               <a:ext uri="{FF2B5EF4-FFF2-40B4-BE49-F238E27FC236}">
-                <a16:creationId xmlns:a16="http://schemas.microsoft.com/office/drawing/2014/main" id="{EABB033F-D93F-EBF0-6523-B1A37B7D7E6B}"/>
+                <a16:creationId xmlns:a16="http://schemas.microsoft.com/office/drawing/2014/main" id="{28CF61DC-6B16-BFEC-93E0-ACD159EB9FB7}"/>
               </a:ext>
             </a:extLst>
           </p:cNvPr>
           <p:cNvPicPr>
-            <a:picLocks noGrp="1" noChangeAspect="1"/>
+            <a:picLocks noChangeAspect="1"/>
           </p:cNvPicPr>
-          <p:nvPr>
-            <p:ph idx="1"/>
-          </p:nvPr>
+          <p:nvPr/>
         </p:nvPicPr>
         <p:blipFill>
           <a:blip r:embed="rId2">
@@ -5088,9 +5103,12 @@
         </p:blipFill>
         <p:spPr>
           <a:xfrm>
-            <a:off x="1097280" y="2012536"/>
-            <a:ext cx="10058400" cy="3210784"/>
+            <a:off x="1474820" y="3747229"/>
+            <a:ext cx="9242359" cy="875936"/>
           </a:xfrm>
+          <a:prstGeom prst="rect">
+            <a:avLst/>
+          </a:prstGeom>
         </p:spPr>
       </p:pic>
       <p:sp>
@@ -5098,7 +5116,7 @@
           <p:cNvPr id="6" name="CaixaDeTexto 5">
             <a:extLst>
               <a:ext uri="{FF2B5EF4-FFF2-40B4-BE49-F238E27FC236}">
-                <a16:creationId xmlns:a16="http://schemas.microsoft.com/office/drawing/2014/main" id="{59F8CDE8-7972-7B4B-E321-1809C189855C}"/>
+                <a16:creationId xmlns:a16="http://schemas.microsoft.com/office/drawing/2014/main" id="{95EC8490-2313-977B-8EB7-C83CBD2CB8BF}"/>
               </a:ext>
             </a:extLst>
           </p:cNvPr>
@@ -5107,8 +5125,8 @@
         </p:nvSpPr>
         <p:spPr>
           <a:xfrm>
-            <a:off x="2871046" y="5370990"/>
-            <a:ext cx="6449907" cy="646331"/>
+            <a:off x="3605926" y="4731539"/>
+            <a:ext cx="4980146" cy="646331"/>
           </a:xfrm>
           <a:prstGeom prst="rect">
             <a:avLst/>
@@ -5123,14 +5141,14 @@
           <a:p>
             <a:r>
               <a:rPr lang="pt-BR" dirty="0"/>
-              <a:t>Regras geradas omitindo os casos onde a evolução é “Recuperado”</a:t>
+              <a:t>Número de regras geradas com diferentes suportes</a:t>
             </a:r>
           </a:p>
           <a:p>
             <a:pPr algn="ctr"/>
             <a:r>
               <a:rPr lang="pt-BR" dirty="0"/>
-              <a:t>(Suporte mínimo foi configurado como 0.5)</a:t>
+              <a:t>(e confiança 0.8)</a:t>
             </a:r>
           </a:p>
         </p:txBody>
@@ -5138,7 +5156,7 @@
     </p:spTree>
     <p:extLst>
       <p:ext uri="{BB962C8B-B14F-4D97-AF65-F5344CB8AC3E}">
-        <p14:creationId xmlns:p14="http://schemas.microsoft.com/office/powerpoint/2010/main" val="4011331106"/>
+        <p14:creationId xmlns:p14="http://schemas.microsoft.com/office/powerpoint/2010/main" val="2803845670"/>
       </p:ext>
     </p:extLst>
   </p:cSld>
@@ -5209,50 +5227,21 @@
           </a:p>
         </p:txBody>
       </p:sp>
-      <p:sp>
-        <p:nvSpPr>
-          <p:cNvPr id="3" name="Espaço Reservado para Conteúdo 2">
+      <p:pic>
+        <p:nvPicPr>
+          <p:cNvPr id="5" name="Espaço Reservado para Conteúdo 4">
             <a:extLst>
               <a:ext uri="{FF2B5EF4-FFF2-40B4-BE49-F238E27FC236}">
-                <a16:creationId xmlns:a16="http://schemas.microsoft.com/office/drawing/2014/main" id="{7CA305B3-F734-F12D-746E-4D41140EF8A3}"/>
-              </a:ext>
-            </a:extLst>
-          </p:cNvPr>
-          <p:cNvSpPr>
-            <a:spLocks noGrp="1"/>
-          </p:cNvSpPr>
-          <p:nvPr>
-            <p:ph idx="1"/>
-          </p:nvPr>
-        </p:nvSpPr>
-        <p:spPr/>
-        <p:txBody>
-          <a:bodyPr>
-            <a:normAutofit/>
-          </a:bodyPr>
-          <a:lstStyle/>
-          <a:p>
-            <a:pPr lvl="1"/>
-            <a:r>
-              <a:rPr lang="pt-BR" sz="2400" dirty="0"/>
-              <a:t>O “Balanceamento” do conjunto de dados foi realizado juntando a totalidade dos dados nos quais a evolução é óbito com uma amostra do mesmo tamanho de dados de evolução recuperado.</a:t>
-            </a:r>
-          </a:p>
-        </p:txBody>
-      </p:sp>
-      <p:pic>
-        <p:nvPicPr>
-          <p:cNvPr id="5" name="Imagem 4">
-            <a:extLst>
-              <a:ext uri="{FF2B5EF4-FFF2-40B4-BE49-F238E27FC236}">
-                <a16:creationId xmlns:a16="http://schemas.microsoft.com/office/drawing/2014/main" id="{28CF61DC-6B16-BFEC-93E0-ACD159EB9FB7}"/>
+                <a16:creationId xmlns:a16="http://schemas.microsoft.com/office/drawing/2014/main" id="{ABE8A219-9642-61C7-4A79-DD0FD1850C85}"/>
               </a:ext>
             </a:extLst>
           </p:cNvPr>
           <p:cNvPicPr>
-            <a:picLocks noChangeAspect="1"/>
+            <a:picLocks noGrp="1" noChangeAspect="1"/>
           </p:cNvPicPr>
-          <p:nvPr/>
+          <p:nvPr>
+            <p:ph idx="1"/>
+          </p:nvPr>
         </p:nvPicPr>
         <p:blipFill>
           <a:blip r:embed="rId2">
@@ -5268,12 +5257,9 @@
         </p:blipFill>
         <p:spPr>
           <a:xfrm>
-            <a:off x="1474820" y="3747229"/>
-            <a:ext cx="9242359" cy="875936"/>
+            <a:off x="1097280" y="2116056"/>
+            <a:ext cx="10058400" cy="2914969"/>
           </a:xfrm>
-          <a:prstGeom prst="rect">
-            <a:avLst/>
-          </a:prstGeom>
         </p:spPr>
       </p:pic>
       <p:sp>
@@ -5281,7 +5267,7 @@
           <p:cNvPr id="6" name="CaixaDeTexto 5">
             <a:extLst>
               <a:ext uri="{FF2B5EF4-FFF2-40B4-BE49-F238E27FC236}">
-                <a16:creationId xmlns:a16="http://schemas.microsoft.com/office/drawing/2014/main" id="{95EC8490-2313-977B-8EB7-C83CBD2CB8BF}"/>
+                <a16:creationId xmlns:a16="http://schemas.microsoft.com/office/drawing/2014/main" id="{A41145E2-8D2E-AFDF-6881-C9F0347C3AA1}"/>
               </a:ext>
             </a:extLst>
           </p:cNvPr>
@@ -5290,8 +5276,8 @@
         </p:nvSpPr>
         <p:spPr>
           <a:xfrm>
-            <a:off x="3605926" y="4731539"/>
-            <a:ext cx="4980146" cy="646331"/>
+            <a:off x="3974874" y="5086555"/>
+            <a:ext cx="4242252" cy="646331"/>
           </a:xfrm>
           <a:prstGeom prst="rect">
             <a:avLst/>
@@ -5306,14 +5292,14 @@
           <a:p>
             <a:r>
               <a:rPr lang="pt-BR" dirty="0"/>
-              <a:t>Número de regras geradas com diferentes suportes</a:t>
+              <a:t>Regras geradas com o conjunto balanceado</a:t>
             </a:r>
           </a:p>
           <a:p>
             <a:pPr algn="ctr"/>
             <a:r>
               <a:rPr lang="pt-BR" dirty="0"/>
-              <a:t>(e confiança 0.8)</a:t>
+              <a:t>(suporte de 0.2 e confiança de 0.8)</a:t>
             </a:r>
           </a:p>
         </p:txBody>
@@ -5321,7 +5307,7 @@
     </p:spTree>
     <p:extLst>
       <p:ext uri="{BB962C8B-B14F-4D97-AF65-F5344CB8AC3E}">
-        <p14:creationId xmlns:p14="http://schemas.microsoft.com/office/powerpoint/2010/main" val="2803845670"/>
+        <p14:creationId xmlns:p14="http://schemas.microsoft.com/office/powerpoint/2010/main" val="1978996991"/>
       </p:ext>
     </p:extLst>
   </p:cSld>
@@ -5409,7 +5395,27 @@
             <a:pPr lvl="3"/>
             <a:r>
               <a:rPr lang="pt-BR" sz="2000" dirty="0"/>
-              <a:t>Aplicar o processo de Descoberta de Conhecimento em Bases de Dados (KDD) para identificar padrões nos dados da pandemia de COVID-19 no Rio Grande do Sul.</a:t>
+              <a:t>Aplicar o processo de Descoberta de Conhecimento em Bases de Dados (</a:t>
+            </a:r>
+            <a:r>
+              <a:rPr lang="pt-BR" sz="2000" i="1" dirty="0" err="1"/>
+              <a:t>Knowledge</a:t>
+            </a:r>
+            <a:r>
+              <a:rPr lang="pt-BR" sz="2000" i="1" dirty="0"/>
+              <a:t> Discovery in </a:t>
+            </a:r>
+            <a:r>
+              <a:rPr lang="pt-BR" sz="2000" i="1" dirty="0" err="1"/>
+              <a:t>Databases</a:t>
+            </a:r>
+            <a:r>
+              <a:rPr lang="pt-BR" sz="2000" i="1" dirty="0"/>
+              <a:t> - KDD</a:t>
+            </a:r>
+            <a:r>
+              <a:rPr lang="pt-BR" sz="2000" dirty="0"/>
+              <a:t>) para identificar padrões nos dados da pandemia de COVID-19 no Rio Grande do Sul.</a:t>
             </a:r>
           </a:p>
           <a:p>
@@ -5505,101 +5511,53 @@
           <a:lstStyle/>
           <a:p>
             <a:r>
-              <a:rPr lang="pt-BR" dirty="0" err="1"/>
-              <a:t>Apriori</a:t>
-            </a:r>
-            <a:r>
               <a:rPr lang="pt-BR" dirty="0"/>
-              <a:t>: </a:t>
-            </a:r>
-            <a:r>
-              <a:rPr lang="pt-BR" i="1" dirty="0" err="1"/>
-              <a:t>dataset</a:t>
-            </a:r>
-            <a:r>
-              <a:rPr lang="pt-BR" i="1" dirty="0"/>
-              <a:t> </a:t>
-            </a:r>
-            <a:r>
-              <a:rPr lang="pt-BR" dirty="0"/>
-              <a:t>balanceado</a:t>
-            </a:r>
-          </a:p>
-        </p:txBody>
-      </p:sp>
-      <p:pic>
-        <p:nvPicPr>
-          <p:cNvPr id="5" name="Espaço Reservado para Conteúdo 4">
+              <a:t>Classificação</a:t>
+            </a:r>
+          </a:p>
+        </p:txBody>
+      </p:sp>
+      <p:sp>
+        <p:nvSpPr>
+          <p:cNvPr id="3" name="Espaço Reservado para Conteúdo 2">
             <a:extLst>
               <a:ext uri="{FF2B5EF4-FFF2-40B4-BE49-F238E27FC236}">
-                <a16:creationId xmlns:a16="http://schemas.microsoft.com/office/drawing/2014/main" id="{ABE8A219-9642-61C7-4A79-DD0FD1850C85}"/>
+                <a16:creationId xmlns:a16="http://schemas.microsoft.com/office/drawing/2014/main" id="{7CA305B3-F734-F12D-746E-4D41140EF8A3}"/>
               </a:ext>
             </a:extLst>
           </p:cNvPr>
-          <p:cNvPicPr>
-            <a:picLocks noGrp="1" noChangeAspect="1"/>
-          </p:cNvPicPr>
+          <p:cNvSpPr>
+            <a:spLocks noGrp="1"/>
+          </p:cNvSpPr>
           <p:nvPr>
             <p:ph idx="1"/>
           </p:nvPr>
-        </p:nvPicPr>
-        <p:blipFill>
-          <a:blip r:embed="rId2">
-            <a:extLst>
-              <a:ext uri="{28A0092B-C50C-407E-A947-70E740481C1C}">
-                <a14:useLocalDpi xmlns:a14="http://schemas.microsoft.com/office/drawing/2010/main" val="0"/>
-              </a:ext>
-            </a:extLst>
-          </a:blip>
-          <a:stretch>
-            <a:fillRect/>
-          </a:stretch>
-        </p:blipFill>
-        <p:spPr>
-          <a:xfrm>
-            <a:off x="1097280" y="2116056"/>
-            <a:ext cx="10058400" cy="2914969"/>
-          </a:xfrm>
-        </p:spPr>
-      </p:pic>
-      <p:sp>
-        <p:nvSpPr>
-          <p:cNvPr id="6" name="CaixaDeTexto 5">
-            <a:extLst>
-              <a:ext uri="{FF2B5EF4-FFF2-40B4-BE49-F238E27FC236}">
-                <a16:creationId xmlns:a16="http://schemas.microsoft.com/office/drawing/2014/main" id="{A41145E2-8D2E-AFDF-6881-C9F0347C3AA1}"/>
-              </a:ext>
-            </a:extLst>
-          </p:cNvPr>
-          <p:cNvSpPr txBox="1"/>
-          <p:nvPr/>
-        </p:nvSpPr>
-        <p:spPr>
-          <a:xfrm>
-            <a:off x="3974874" y="5086555"/>
-            <a:ext cx="4242252" cy="646331"/>
-          </a:xfrm>
-          <a:prstGeom prst="rect">
-            <a:avLst/>
-          </a:prstGeom>
-          <a:noFill/>
-        </p:spPr>
-        <p:txBody>
-          <a:bodyPr wrap="none" rtlCol="0">
-            <a:spAutoFit/>
+        </p:nvSpPr>
+        <p:spPr/>
+        <p:txBody>
+          <a:bodyPr>
+            <a:normAutofit/>
           </a:bodyPr>
           <a:lstStyle/>
           <a:p>
-            <a:r>
-              <a:rPr lang="pt-BR" dirty="0"/>
-              <a:t>Regras geradas com o conjunto balanceado</a:t>
-            </a:r>
-          </a:p>
-          <a:p>
-            <a:pPr algn="ctr"/>
-            <a:r>
-              <a:rPr lang="pt-BR" dirty="0"/>
-              <a:t>(suporte de 0.2 e confiança de 0.8)</a:t>
+            <a:pPr lvl="1"/>
+            <a:r>
+              <a:rPr lang="pt-BR" sz="2400" dirty="0"/>
+              <a:t>Uma árvore de classificação foi selecionada como o algoritmo de classificação principal para esta análise.</a:t>
+            </a:r>
+          </a:p>
+          <a:p>
+            <a:pPr lvl="1"/>
+            <a:r>
+              <a:rPr lang="pt-BR" sz="2400" dirty="0"/>
+              <a:t>Este algoritmo funciona construindo uma árvore de decisão de forma recursiva, dividindo os dados em subconjuntos cada vez mais homogêneos com base nos atributos</a:t>
+            </a:r>
+          </a:p>
+          <a:p>
+            <a:pPr lvl="1"/>
+            <a:r>
+              <a:rPr lang="pt-BR" sz="2400" dirty="0"/>
+              <a:t>A biblioteca RPART, disponível na linguagem R, foi utilizada para implementar e treinar a árvore de classificação.</a:t>
             </a:r>
           </a:p>
         </p:txBody>
@@ -5607,7 +5565,7 @@
     </p:spTree>
     <p:extLst>
       <p:ext uri="{BB962C8B-B14F-4D97-AF65-F5344CB8AC3E}">
-        <p14:creationId xmlns:p14="http://schemas.microsoft.com/office/powerpoint/2010/main" val="1978996991"/>
+        <p14:creationId xmlns:p14="http://schemas.microsoft.com/office/powerpoint/2010/main" val="3041929552"/>
       </p:ext>
     </p:extLst>
   </p:cSld>
@@ -5657,7 +5615,7 @@
           <a:p>
             <a:r>
               <a:rPr lang="pt-BR" dirty="0"/>
-              <a:t>Classificação</a:t>
+              <a:t>Árvore de Classificação</a:t>
             </a:r>
           </a:p>
         </p:txBody>
@@ -5688,21 +5646,85 @@
             <a:pPr lvl="1"/>
             <a:r>
               <a:rPr lang="pt-BR" sz="2400" dirty="0"/>
-              <a:t>Uma árvore de classificação (CART) foi selecionada como o algoritmo de classificação principal para esta análise.</a:t>
+              <a:t>Para esta etapa o conjunto de dados também foi balanceado (da mesma maneira que feito na etapa de Associação)</a:t>
             </a:r>
           </a:p>
           <a:p>
             <a:pPr lvl="1"/>
             <a:r>
               <a:rPr lang="pt-BR" sz="2400" dirty="0"/>
-              <a:t>Este algoritmo funciona construindo uma árvore de decisão de forma recursiva, dividindo os dados em subconjuntos cada vez mais homogêneos com base nos atributos</a:t>
-            </a:r>
-          </a:p>
-          <a:p>
-            <a:pPr lvl="1"/>
-            <a:r>
-              <a:rPr lang="pt-BR" sz="2400" dirty="0"/>
-              <a:t>A biblioteca RPART, disponível na linguagem R, foi utilizada para implementar e treinar a árvore de classificação CART.</a:t>
+              <a:t>A árvore foi criada utilizando os sintomas como atributos e a evolução do paciente como classe alvo.</a:t>
+            </a:r>
+          </a:p>
+        </p:txBody>
+      </p:sp>
+      <p:pic>
+        <p:nvPicPr>
+          <p:cNvPr id="5" name="Imagem 4">
+            <a:extLst>
+              <a:ext uri="{FF2B5EF4-FFF2-40B4-BE49-F238E27FC236}">
+                <a16:creationId xmlns:a16="http://schemas.microsoft.com/office/drawing/2014/main" id="{6B565223-6C43-4D83-6259-09EB2506ACCB}"/>
+              </a:ext>
+            </a:extLst>
+          </p:cNvPr>
+          <p:cNvPicPr>
+            <a:picLocks noChangeAspect="1"/>
+          </p:cNvPicPr>
+          <p:nvPr/>
+        </p:nvPicPr>
+        <p:blipFill>
+          <a:blip r:embed="rId2">
+            <a:extLst>
+              <a:ext uri="{28A0092B-C50C-407E-A947-70E740481C1C}">
+                <a14:useLocalDpi xmlns:a14="http://schemas.microsoft.com/office/drawing/2010/main" val="0"/>
+              </a:ext>
+            </a:extLst>
+          </a:blip>
+          <a:stretch>
+            <a:fillRect/>
+          </a:stretch>
+        </p:blipFill>
+        <p:spPr>
+          <a:xfrm>
+            <a:off x="3370219" y="3429000"/>
+            <a:ext cx="5451561" cy="2286379"/>
+          </a:xfrm>
+          <a:prstGeom prst="rect">
+            <a:avLst/>
+          </a:prstGeom>
+        </p:spPr>
+      </p:pic>
+      <p:sp>
+        <p:nvSpPr>
+          <p:cNvPr id="6" name="CaixaDeTexto 5">
+            <a:extLst>
+              <a:ext uri="{FF2B5EF4-FFF2-40B4-BE49-F238E27FC236}">
+                <a16:creationId xmlns:a16="http://schemas.microsoft.com/office/drawing/2014/main" id="{EA823CCC-4F92-1F8E-686B-5F8482C3B051}"/>
+              </a:ext>
+            </a:extLst>
+          </p:cNvPr>
+          <p:cNvSpPr txBox="1"/>
+          <p:nvPr/>
+        </p:nvSpPr>
+        <p:spPr>
+          <a:xfrm>
+            <a:off x="4930455" y="5713539"/>
+            <a:ext cx="2331087" cy="369332"/>
+          </a:xfrm>
+          <a:prstGeom prst="rect">
+            <a:avLst/>
+          </a:prstGeom>
+          <a:noFill/>
+        </p:spPr>
+        <p:txBody>
+          <a:bodyPr wrap="none" rtlCol="0">
+            <a:spAutoFit/>
+          </a:bodyPr>
+          <a:lstStyle/>
+          <a:p>
+            <a:r>
+              <a:rPr lang="pt-BR" dirty="0"/>
+              <a:t>Primeira árvore gerada</a:t>
             </a:r>
           </a:p>
         </p:txBody>
@@ -5710,7 +5732,7 @@
     </p:spTree>
     <p:extLst>
       <p:ext uri="{BB962C8B-B14F-4D97-AF65-F5344CB8AC3E}">
-        <p14:creationId xmlns:p14="http://schemas.microsoft.com/office/powerpoint/2010/main" val="3041929552"/>
+        <p14:creationId xmlns:p14="http://schemas.microsoft.com/office/powerpoint/2010/main" val="679554017"/>
       </p:ext>
     </p:extLst>
   </p:cSld>
@@ -5791,85 +5813,14 @@
             <a:pPr lvl="1"/>
             <a:r>
               <a:rPr lang="pt-BR" sz="2400" dirty="0"/>
-              <a:t>Para esta etapa o conjunto de dados também foi balanceado (da mesma maneira que feito na etapa de Associação)</a:t>
+              <a:t>Como a dispneia é um sintoma muito determinante para a evolução do paciente a árvore foi gerada dependendo fortemente dele.</a:t>
             </a:r>
           </a:p>
           <a:p>
             <a:pPr lvl="1"/>
             <a:r>
               <a:rPr lang="pt-BR" sz="2400" dirty="0"/>
-              <a:t>A árvore foi criada utilizando os sintomas como atributos e a evolução do paciente como classe alvo.</a:t>
-            </a:r>
-          </a:p>
-        </p:txBody>
-      </p:sp>
-      <p:pic>
-        <p:nvPicPr>
-          <p:cNvPr id="5" name="Imagem 4">
-            <a:extLst>
-              <a:ext uri="{FF2B5EF4-FFF2-40B4-BE49-F238E27FC236}">
-                <a16:creationId xmlns:a16="http://schemas.microsoft.com/office/drawing/2014/main" id="{6B565223-6C43-4D83-6259-09EB2506ACCB}"/>
-              </a:ext>
-            </a:extLst>
-          </p:cNvPr>
-          <p:cNvPicPr>
-            <a:picLocks noChangeAspect="1"/>
-          </p:cNvPicPr>
-          <p:nvPr/>
-        </p:nvPicPr>
-        <p:blipFill>
-          <a:blip r:embed="rId2">
-            <a:extLst>
-              <a:ext uri="{28A0092B-C50C-407E-A947-70E740481C1C}">
-                <a14:useLocalDpi xmlns:a14="http://schemas.microsoft.com/office/drawing/2010/main" val="0"/>
-              </a:ext>
-            </a:extLst>
-          </a:blip>
-          <a:stretch>
-            <a:fillRect/>
-          </a:stretch>
-        </p:blipFill>
-        <p:spPr>
-          <a:xfrm>
-            <a:off x="3370219" y="3429000"/>
-            <a:ext cx="5451561" cy="2286379"/>
-          </a:xfrm>
-          <a:prstGeom prst="rect">
-            <a:avLst/>
-          </a:prstGeom>
-        </p:spPr>
-      </p:pic>
-      <p:sp>
-        <p:nvSpPr>
-          <p:cNvPr id="6" name="CaixaDeTexto 5">
-            <a:extLst>
-              <a:ext uri="{FF2B5EF4-FFF2-40B4-BE49-F238E27FC236}">
-                <a16:creationId xmlns:a16="http://schemas.microsoft.com/office/drawing/2014/main" id="{EA823CCC-4F92-1F8E-686B-5F8482C3B051}"/>
-              </a:ext>
-            </a:extLst>
-          </p:cNvPr>
-          <p:cNvSpPr txBox="1"/>
-          <p:nvPr/>
-        </p:nvSpPr>
-        <p:spPr>
-          <a:xfrm>
-            <a:off x="4930455" y="5713539"/>
-            <a:ext cx="2331087" cy="369332"/>
-          </a:xfrm>
-          <a:prstGeom prst="rect">
-            <a:avLst/>
-          </a:prstGeom>
-          <a:noFill/>
-        </p:spPr>
-        <p:txBody>
-          <a:bodyPr wrap="none" rtlCol="0">
-            <a:spAutoFit/>
-          </a:bodyPr>
-          <a:lstStyle/>
-          <a:p>
-            <a:r>
-              <a:rPr lang="pt-BR" dirty="0"/>
-              <a:t>Primeira árvore gerada</a:t>
+              <a:t>Para ter uma visualização mais ampla, o sintoma foi omitido e uma nova árvore foi gerada.</a:t>
             </a:r>
           </a:p>
         </p:txBody>
@@ -5877,7 +5828,7 @@
     </p:spTree>
     <p:extLst>
       <p:ext uri="{BB962C8B-B14F-4D97-AF65-F5344CB8AC3E}">
-        <p14:creationId xmlns:p14="http://schemas.microsoft.com/office/powerpoint/2010/main" val="679554017"/>
+        <p14:creationId xmlns:p14="http://schemas.microsoft.com/office/powerpoint/2010/main" val="134713746"/>
       </p:ext>
     </p:extLst>
   </p:cSld>
@@ -5932,40 +5883,72 @@
           </a:p>
         </p:txBody>
       </p:sp>
-      <p:sp>
-        <p:nvSpPr>
-          <p:cNvPr id="3" name="Espaço Reservado para Conteúdo 2">
+      <p:pic>
+        <p:nvPicPr>
+          <p:cNvPr id="7" name="Espaço Reservado para Conteúdo 6">
             <a:extLst>
               <a:ext uri="{FF2B5EF4-FFF2-40B4-BE49-F238E27FC236}">
-                <a16:creationId xmlns:a16="http://schemas.microsoft.com/office/drawing/2014/main" id="{7CA305B3-F734-F12D-746E-4D41140EF8A3}"/>
+                <a16:creationId xmlns:a16="http://schemas.microsoft.com/office/drawing/2014/main" id="{690952BB-ABE6-26EE-D019-631016902BD5}"/>
               </a:ext>
             </a:extLst>
           </p:cNvPr>
-          <p:cNvSpPr>
-            <a:spLocks noGrp="1"/>
-          </p:cNvSpPr>
+          <p:cNvPicPr>
+            <a:picLocks noGrp="1" noChangeAspect="1"/>
+          </p:cNvPicPr>
           <p:nvPr>
             <p:ph idx="1"/>
           </p:nvPr>
-        </p:nvSpPr>
-        <p:spPr/>
-        <p:txBody>
-          <a:bodyPr>
-            <a:normAutofit/>
+        </p:nvPicPr>
+        <p:blipFill>
+          <a:blip r:embed="rId2">
+            <a:extLst>
+              <a:ext uri="{28A0092B-C50C-407E-A947-70E740481C1C}">
+                <a14:useLocalDpi xmlns:a14="http://schemas.microsoft.com/office/drawing/2010/main" val="0"/>
+              </a:ext>
+            </a:extLst>
+          </a:blip>
+          <a:stretch>
+            <a:fillRect/>
+          </a:stretch>
+        </p:blipFill>
+        <p:spPr>
+          <a:xfrm>
+            <a:off x="2330145" y="1846263"/>
+            <a:ext cx="7592036" cy="4022725"/>
+          </a:xfrm>
+        </p:spPr>
+      </p:pic>
+      <p:sp>
+        <p:nvSpPr>
+          <p:cNvPr id="8" name="CaixaDeTexto 7">
+            <a:extLst>
+              <a:ext uri="{FF2B5EF4-FFF2-40B4-BE49-F238E27FC236}">
+                <a16:creationId xmlns:a16="http://schemas.microsoft.com/office/drawing/2014/main" id="{D93AB7D7-7307-AB1B-77DB-47D824E3C887}"/>
+              </a:ext>
+            </a:extLst>
+          </p:cNvPr>
+          <p:cNvSpPr txBox="1"/>
+          <p:nvPr/>
+        </p:nvSpPr>
+        <p:spPr>
+          <a:xfrm>
+            <a:off x="3931684" y="5868988"/>
+            <a:ext cx="4388958" cy="369332"/>
+          </a:xfrm>
+          <a:prstGeom prst="rect">
+            <a:avLst/>
+          </a:prstGeom>
+          <a:noFill/>
+        </p:spPr>
+        <p:txBody>
+          <a:bodyPr wrap="none" rtlCol="0">
+            <a:spAutoFit/>
           </a:bodyPr>
           <a:lstStyle/>
           <a:p>
-            <a:pPr lvl="1"/>
-            <a:r>
-              <a:rPr lang="pt-BR" sz="2400" dirty="0"/>
-              <a:t>Como a dispneia é um sintoma muito determinante para a evolução do paciente a árvore foi gerada dependendo fortemente dele.</a:t>
-            </a:r>
-          </a:p>
-          <a:p>
-            <a:pPr lvl="1"/>
-            <a:r>
-              <a:rPr lang="pt-BR" sz="2400" dirty="0"/>
-              <a:t>Para ter uma visualização mais ampla, o sintoma foi omitido e uma nova árvore foi gerada.</a:t>
+            <a:r>
+              <a:rPr lang="pt-BR" dirty="0"/>
+              <a:t>Árvore gerada omitindo a coluna de dispneia</a:t>
             </a:r>
           </a:p>
         </p:txBody>
@@ -5973,7 +5956,7 @@
     </p:spTree>
     <p:extLst>
       <p:ext uri="{BB962C8B-B14F-4D97-AF65-F5344CB8AC3E}">
-        <p14:creationId xmlns:p14="http://schemas.microsoft.com/office/powerpoint/2010/main" val="134713746"/>
+        <p14:creationId xmlns:p14="http://schemas.microsoft.com/office/powerpoint/2010/main" val="1293773592"/>
       </p:ext>
     </p:extLst>
   </p:cSld>
@@ -6023,134 +6006,6 @@
           <a:p>
             <a:r>
               <a:rPr lang="pt-BR" dirty="0"/>
-              <a:t>Árvore de Classificação</a:t>
-            </a:r>
-          </a:p>
-        </p:txBody>
-      </p:sp>
-      <p:pic>
-        <p:nvPicPr>
-          <p:cNvPr id="7" name="Espaço Reservado para Conteúdo 6">
-            <a:extLst>
-              <a:ext uri="{FF2B5EF4-FFF2-40B4-BE49-F238E27FC236}">
-                <a16:creationId xmlns:a16="http://schemas.microsoft.com/office/drawing/2014/main" id="{690952BB-ABE6-26EE-D019-631016902BD5}"/>
-              </a:ext>
-            </a:extLst>
-          </p:cNvPr>
-          <p:cNvPicPr>
-            <a:picLocks noGrp="1" noChangeAspect="1"/>
-          </p:cNvPicPr>
-          <p:nvPr>
-            <p:ph idx="1"/>
-          </p:nvPr>
-        </p:nvPicPr>
-        <p:blipFill>
-          <a:blip r:embed="rId2">
-            <a:extLst>
-              <a:ext uri="{28A0092B-C50C-407E-A947-70E740481C1C}">
-                <a14:useLocalDpi xmlns:a14="http://schemas.microsoft.com/office/drawing/2010/main" val="0"/>
-              </a:ext>
-            </a:extLst>
-          </a:blip>
-          <a:stretch>
-            <a:fillRect/>
-          </a:stretch>
-        </p:blipFill>
-        <p:spPr>
-          <a:xfrm>
-            <a:off x="2330145" y="1846263"/>
-            <a:ext cx="7592036" cy="4022725"/>
-          </a:xfrm>
-        </p:spPr>
-      </p:pic>
-      <p:sp>
-        <p:nvSpPr>
-          <p:cNvPr id="8" name="CaixaDeTexto 7">
-            <a:extLst>
-              <a:ext uri="{FF2B5EF4-FFF2-40B4-BE49-F238E27FC236}">
-                <a16:creationId xmlns:a16="http://schemas.microsoft.com/office/drawing/2014/main" id="{D93AB7D7-7307-AB1B-77DB-47D824E3C887}"/>
-              </a:ext>
-            </a:extLst>
-          </p:cNvPr>
-          <p:cNvSpPr txBox="1"/>
-          <p:nvPr/>
-        </p:nvSpPr>
-        <p:spPr>
-          <a:xfrm>
-            <a:off x="3931684" y="5868988"/>
-            <a:ext cx="4388958" cy="369332"/>
-          </a:xfrm>
-          <a:prstGeom prst="rect">
-            <a:avLst/>
-          </a:prstGeom>
-          <a:noFill/>
-        </p:spPr>
-        <p:txBody>
-          <a:bodyPr wrap="none" rtlCol="0">
-            <a:spAutoFit/>
-          </a:bodyPr>
-          <a:lstStyle/>
-          <a:p>
-            <a:r>
-              <a:rPr lang="pt-BR" dirty="0"/>
-              <a:t>Árvore gerada omitindo a coluna de dispneia</a:t>
-            </a:r>
-          </a:p>
-        </p:txBody>
-      </p:sp>
-    </p:spTree>
-    <p:extLst>
-      <p:ext uri="{BB962C8B-B14F-4D97-AF65-F5344CB8AC3E}">
-        <p14:creationId xmlns:p14="http://schemas.microsoft.com/office/powerpoint/2010/main" val="1293773592"/>
-      </p:ext>
-    </p:extLst>
-  </p:cSld>
-  <p:clrMapOvr>
-    <a:masterClrMapping/>
-  </p:clrMapOvr>
-</p:sld>
-</file>
-
-<file path=ppt/slides/slide25.xml><?xml version="1.0" encoding="utf-8"?>
-<p:sld xmlns:a="http://schemas.openxmlformats.org/drawingml/2006/main" xmlns:r="http://schemas.openxmlformats.org/officeDocument/2006/relationships" xmlns:p="http://schemas.openxmlformats.org/presentationml/2006/main">
-  <p:cSld>
-    <p:spTree>
-      <p:nvGrpSpPr>
-        <p:cNvPr id="1" name=""/>
-        <p:cNvGrpSpPr/>
-        <p:nvPr/>
-      </p:nvGrpSpPr>
-      <p:grpSpPr>
-        <a:xfrm>
-          <a:off x="0" y="0"/>
-          <a:ext cx="0" cy="0"/>
-          <a:chOff x="0" y="0"/>
-          <a:chExt cx="0" cy="0"/>
-        </a:xfrm>
-      </p:grpSpPr>
-      <p:sp>
-        <p:nvSpPr>
-          <p:cNvPr id="2" name="Título 1">
-            <a:extLst>
-              <a:ext uri="{FF2B5EF4-FFF2-40B4-BE49-F238E27FC236}">
-                <a16:creationId xmlns:a16="http://schemas.microsoft.com/office/drawing/2014/main" id="{91145737-DFFB-D292-9B1E-954905CB5740}"/>
-              </a:ext>
-            </a:extLst>
-          </p:cNvPr>
-          <p:cNvSpPr>
-            <a:spLocks noGrp="1"/>
-          </p:cNvSpPr>
-          <p:nvPr>
-            <p:ph type="title"/>
-          </p:nvPr>
-        </p:nvSpPr>
-        <p:spPr/>
-        <p:txBody>
-          <a:bodyPr/>
-          <a:lstStyle/>
-          <a:p>
-            <a:r>
-              <a:rPr lang="pt-BR" dirty="0"/>
               <a:t>Resultados obtidos</a:t>
             </a:r>
           </a:p>
@@ -6189,31 +6044,24 @@
             <a:pPr lvl="1"/>
             <a:r>
               <a:rPr lang="pt-BR" sz="2400" dirty="0"/>
-              <a:t>Isto pode ser útil em casos</a:t>
-            </a:r>
-            <a:r>
-              <a:rPr lang="pt-BR" sz="2400" dirty="0">
-                <a:solidFill>
-                  <a:srgbClr val="FF0000"/>
-                </a:solidFill>
-              </a:rPr>
-              <a:t>[...]</a:t>
+              <a:t>Isto pode ser útil </a:t>
+            </a:r>
+            <a:r>
+              <a:rPr lang="pt-BR" sz="2400"/>
+              <a:t>em casos </a:t>
             </a:r>
           </a:p>
           <a:p>
             <a:pPr lvl="1"/>
             <a:r>
               <a:rPr lang="pt-BR" sz="2400" dirty="0"/>
-              <a:t>Ressaltamos que este trabalho não tem como objetivo ser um guia médico ou instrumento de diagnóstico. Também não buscamos fornecer respostas definitivas </a:t>
-            </a:r>
-            <a:r>
-              <a:rPr lang="pt-BR" sz="2400" dirty="0">
-                <a:solidFill>
-                  <a:srgbClr val="FF0000"/>
-                </a:solidFill>
-              </a:rPr>
-              <a:t>[...]</a:t>
-            </a:r>
+              <a:t>Ressaltamos que este trabalho não tem como objetivo ser um guia médico ou instrumento de diagnóstico. Também não buscamos fornecer respostas definitivas, mas sim explorar os dados disponíveis.</a:t>
+            </a:r>
+            <a:endParaRPr lang="pt-BR" sz="2400" dirty="0">
+              <a:solidFill>
+                <a:srgbClr val="FF0000"/>
+              </a:solidFill>
+            </a:endParaRPr>
           </a:p>
         </p:txBody>
       </p:sp>
@@ -6230,7 +6078,7 @@
 </p:sld>
 </file>
 
-<file path=ppt/slides/slide26.xml><?xml version="1.0" encoding="utf-8"?>
+<file path=ppt/slides/slide25.xml><?xml version="1.0" encoding="utf-8"?>
 <p:sld xmlns:a="http://schemas.openxmlformats.org/drawingml/2006/main" xmlns:r="http://schemas.openxmlformats.org/officeDocument/2006/relationships" xmlns:p="http://schemas.openxmlformats.org/presentationml/2006/main">
   <p:cSld>
     <p:spTree>
@@ -6633,23 +6481,7 @@
             </a:r>
             <a:r>
               <a:rPr lang="pt-BR" sz="2400" i="1" dirty="0"/>
-              <a:t>(</a:t>
-            </a:r>
-            <a:r>
-              <a:rPr lang="pt-BR" sz="2400" i="1" dirty="0" err="1"/>
-              <a:t>Knowledge</a:t>
-            </a:r>
-            <a:r>
-              <a:rPr lang="pt-BR" sz="2400" i="1" dirty="0"/>
-              <a:t> Discovery in </a:t>
-            </a:r>
-            <a:r>
-              <a:rPr lang="pt-BR" sz="2400" i="1" dirty="0" err="1"/>
-              <a:t>Databases</a:t>
-            </a:r>
-            <a:r>
-              <a:rPr lang="pt-BR" sz="2400" i="1" dirty="0"/>
-              <a:t> - KDD) </a:t>
+              <a:t>(KDD) </a:t>
             </a:r>
             <a:r>
               <a:rPr lang="pt-BR" sz="2400" dirty="0"/>

--- a/presentation/presentation.pptx
+++ b/presentation/presentation.pptx
@@ -4694,7 +4694,7 @@
             <a:pPr lvl="1"/>
             <a:r>
               <a:rPr lang="pt-BR" sz="2400" dirty="0"/>
-              <a:t>Isto acontece devido a quantidade de casos nos quais a evolução é “Recuperado” ser muito maior que a de óbitos.</a:t>
+              <a:t>Isto acontece devido a quantidade de casos nos quais a evolução é “Recuperado” ser muito maior que a de óbitos (&gt;98.5% de recuperados).</a:t>
             </a:r>
           </a:p>
           <a:p>
@@ -6037,18 +6037,14 @@
             <a:pPr lvl="1"/>
             <a:r>
               <a:rPr lang="pt-BR" sz="2400" dirty="0"/>
-              <a:t>Os resultados obtidos com os métodos de mineração de dados mostraram que alguns sintomas prevalecem em comparação a outros quando se trata de pacientes que foram a óbito.</a:t>
+              <a:t>Os resultados obtidos com os métodos de mineração de dados mostraram padrões nos dados que não são triviais, como por exemplo que alguns sintomas prevalecem em comparação a outros quando se trata de pacientes que foram a óbito.</a:t>
             </a:r>
           </a:p>
           <a:p>
             <a:pPr lvl="1"/>
             <a:r>
               <a:rPr lang="pt-BR" sz="2400" dirty="0"/>
-              <a:t>Isto pode ser útil </a:t>
-            </a:r>
-            <a:r>
-              <a:rPr lang="pt-BR" sz="2400"/>
-              <a:t>em casos </a:t>
+              <a:t>Essas descobertas podem ser valiosas, por exemplo, em situações clínicas, auxiliando na identificação precoce e manejo de pacientes com suspeita de COVID-19.</a:t>
             </a:r>
           </a:p>
           <a:p>
@@ -6149,18 +6145,21 @@
             <a:pPr lvl="1"/>
             <a:r>
               <a:rPr lang="pt-BR" sz="2400" dirty="0"/>
-              <a:t>Em trabalhos futuros buscamos explorar ainda mais os dados da doença no estado.</a:t>
+              <a:t>Em trabalhos futuros buscamos explorar ainda mais os dados da doença no estado. </a:t>
             </a:r>
           </a:p>
           <a:p>
             <a:pPr lvl="1"/>
             <a:r>
-              <a:rPr lang="pt-BR" sz="2400" dirty="0">
-                <a:solidFill>
-                  <a:srgbClr val="FF0000"/>
-                </a:solidFill>
-              </a:rPr>
-              <a:t>[...]</a:t>
+              <a:rPr lang="pt-BR" sz="2400" dirty="0"/>
+              <a:t>Investigar a evolução dos padrões de sintomas ao longo do tempo.</a:t>
+            </a:r>
+          </a:p>
+          <a:p>
+            <a:pPr lvl="1"/>
+            <a:r>
+              <a:rPr lang="pt-BR" sz="2400" dirty="0"/>
+              <a:t>Combinar conjuntos de dados da COVID-19 com informações como ocupação de leitos hospitalares e dados de vacinação</a:t>
             </a:r>
           </a:p>
         </p:txBody>
@@ -6388,7 +6387,7 @@
             </a:r>
             <a:r>
               <a:rPr lang="pt-BR" sz="2400" dirty="0"/>
-              <a:t> utilizado conta com mais de 3 milhões de linhas e pesa mais de 600MB</a:t>
+              <a:t> utilizado conta com aproximadamente 3 milhões de linhas e pesa mais de 600MB</a:t>
             </a:r>
           </a:p>
         </p:txBody>
